--- a/eos/02.설계/TEOSPI-아키텍처 정의서_v0.5_20190828.pptx
+++ b/eos/02.설계/TEOSPI-아키텍처 정의서_v0.5_20190828.pptx
@@ -916,6 +916,91 @@
             <a:pPr rtl="0"/>
             <a:fld id="{59BD0198-E5AE-4FB8-96A7-22126B1083D4}" type="slidenum">
               <a:rPr lang="ko-KR" altLang="en-US" smtClean="0"/>
+              <a:t>5</a:t>
+            </a:fld>
+            <a:endParaRPr lang="ko-KR" altLang="en-US"/>
+          </a:p>
+        </p:txBody>
+      </p:sp>
+    </p:spTree>
+    <p:extLst>
+      <p:ext uri="{BB962C8B-B14F-4D97-AF65-F5344CB8AC3E}">
+        <p14:creationId xmlns:p14="http://schemas.microsoft.com/office/powerpoint/2010/main" val="1687523789"/>
+      </p:ext>
+    </p:extLst>
+  </p:cSld>
+  <p:clrMapOvr>
+    <a:masterClrMapping/>
+  </p:clrMapOvr>
+</p:notes>
+</file>
+
+<file path=ppt/notesSlides/notesSlide3.xml><?xml version="1.0" encoding="utf-8"?>
+<p:notes xmlns:a="http://schemas.openxmlformats.org/drawingml/2006/main" xmlns:r="http://schemas.openxmlformats.org/officeDocument/2006/relationships" xmlns:p="http://schemas.openxmlformats.org/presentationml/2006/main">
+  <p:cSld>
+    <p:spTree>
+      <p:nvGrpSpPr>
+        <p:cNvPr id="1" name=""/>
+        <p:cNvGrpSpPr/>
+        <p:nvPr/>
+      </p:nvGrpSpPr>
+      <p:grpSpPr>
+        <a:xfrm>
+          <a:off x="0" y="0"/>
+          <a:ext cx="0" cy="0"/>
+          <a:chOff x="0" y="0"/>
+          <a:chExt cx="0" cy="0"/>
+        </a:xfrm>
+      </p:grpSpPr>
+      <p:sp>
+        <p:nvSpPr>
+          <p:cNvPr id="2" name="슬라이드 이미지 개체 틀 1"/>
+          <p:cNvSpPr>
+            <a:spLocks noGrp="1" noRot="1" noChangeAspect="1"/>
+          </p:cNvSpPr>
+          <p:nvPr>
+            <p:ph type="sldImg"/>
+          </p:nvPr>
+        </p:nvSpPr>
+        <p:spPr/>
+      </p:sp>
+      <p:sp>
+        <p:nvSpPr>
+          <p:cNvPr id="3" name="슬라이드 노트 개체 틀 2"/>
+          <p:cNvSpPr>
+            <a:spLocks noGrp="1"/>
+          </p:cNvSpPr>
+          <p:nvPr>
+            <p:ph type="body" idx="1"/>
+          </p:nvPr>
+        </p:nvSpPr>
+        <p:spPr/>
+        <p:txBody>
+          <a:bodyPr/>
+          <a:lstStyle/>
+          <a:p>
+            <a:endParaRPr lang="ko-KR" altLang="en-US" dirty="0"/>
+          </a:p>
+        </p:txBody>
+      </p:sp>
+      <p:sp>
+        <p:nvSpPr>
+          <p:cNvPr id="4" name="슬라이드 번호 개체 틀 3"/>
+          <p:cNvSpPr>
+            <a:spLocks noGrp="1"/>
+          </p:cNvSpPr>
+          <p:nvPr>
+            <p:ph type="sldNum" sz="quarter" idx="5"/>
+          </p:nvPr>
+        </p:nvSpPr>
+        <p:spPr/>
+        <p:txBody>
+          <a:bodyPr/>
+          <a:lstStyle/>
+          <a:p>
+            <a:pPr rtl="0"/>
+            <a:fld id="{59BD0198-E5AE-4FB8-96A7-22126B1083D4}" type="slidenum">
+              <a:rPr lang="ko-KR" altLang="en-US" smtClean="0"/>
               <a:t>7</a:t>
             </a:fld>
             <a:endParaRPr lang="ko-KR" altLang="en-US"/>
@@ -935,7 +1020,7 @@
 </p:notes>
 </file>
 
-<file path=ppt/notesSlides/notesSlide3.xml><?xml version="1.0" encoding="utf-8"?>
+<file path=ppt/notesSlides/notesSlide4.xml><?xml version="1.0" encoding="utf-8"?>
 <p:notes xmlns:a="http://schemas.openxmlformats.org/drawingml/2006/main" xmlns:r="http://schemas.openxmlformats.org/officeDocument/2006/relationships" xmlns:p="http://schemas.openxmlformats.org/presentationml/2006/main">
   <p:cSld>
     <p:spTree>
@@ -1020,7 +1105,7 @@
 </p:notes>
 </file>
 
-<file path=ppt/notesSlides/notesSlide4.xml><?xml version="1.0" encoding="utf-8"?>
+<file path=ppt/notesSlides/notesSlide5.xml><?xml version="1.0" encoding="utf-8"?>
 <p:notes xmlns:a="http://schemas.openxmlformats.org/drawingml/2006/main" xmlns:r="http://schemas.openxmlformats.org/officeDocument/2006/relationships" xmlns:p="http://schemas.openxmlformats.org/presentationml/2006/main">
   <p:cSld>
     <p:spTree>
@@ -16064,7 +16149,7 @@
         </p:nvSpPr>
         <p:spPr>
           <a:xfrm>
-            <a:off x="3228945" y="3856145"/>
+            <a:off x="4158854" y="3856145"/>
             <a:ext cx="1142074" cy="2312782"/>
           </a:xfrm>
           <a:prstGeom prst="rect">
@@ -16120,13 +16205,13 @@
           <p:nvPr>
             <p:extLst>
               <p:ext uri="{D42A27DB-BD31-4B8C-83A1-F6EECF244321}">
-                <p14:modId xmlns:p14="http://schemas.microsoft.com/office/powerpoint/2010/main" val="1028160144"/>
+                <p14:modId xmlns:p14="http://schemas.microsoft.com/office/powerpoint/2010/main" val="2632141693"/>
               </p:ext>
             </p:extLst>
           </p:nvPr>
         </p:nvGraphicFramePr>
         <p:xfrm>
-          <a:off x="3339022" y="4232217"/>
+          <a:off x="4268931" y="4232217"/>
           <a:ext cx="951982" cy="829240"/>
         </p:xfrm>
         <a:graphic>
@@ -18873,7 +18958,7 @@
         </p:nvSpPr>
         <p:spPr>
           <a:xfrm>
-            <a:off x="4453081" y="3856145"/>
+            <a:off x="5382990" y="3856145"/>
             <a:ext cx="1142074" cy="2312782"/>
           </a:xfrm>
           <a:prstGeom prst="rect">
@@ -18929,13 +19014,13 @@
           <p:nvPr>
             <p:extLst>
               <p:ext uri="{D42A27DB-BD31-4B8C-83A1-F6EECF244321}">
-                <p14:modId xmlns:p14="http://schemas.microsoft.com/office/powerpoint/2010/main" val="3650041980"/>
+                <p14:modId xmlns:p14="http://schemas.microsoft.com/office/powerpoint/2010/main" val="3640451278"/>
               </p:ext>
             </p:extLst>
           </p:nvPr>
         </p:nvGraphicFramePr>
         <p:xfrm>
-          <a:off x="4563158" y="4232217"/>
+          <a:off x="5493067" y="4232217"/>
           <a:ext cx="951982" cy="829240"/>
         </p:xfrm>
         <a:graphic>
@@ -19664,7 +19749,7 @@
         </p:nvSpPr>
         <p:spPr>
           <a:xfrm>
-            <a:off x="5677217" y="3856145"/>
+            <a:off x="6607126" y="3856145"/>
             <a:ext cx="1142074" cy="2312782"/>
           </a:xfrm>
           <a:prstGeom prst="rect">
@@ -19720,13 +19805,13 @@
           <p:nvPr>
             <p:extLst>
               <p:ext uri="{D42A27DB-BD31-4B8C-83A1-F6EECF244321}">
-                <p14:modId xmlns:p14="http://schemas.microsoft.com/office/powerpoint/2010/main" val="2640967119"/>
+                <p14:modId xmlns:p14="http://schemas.microsoft.com/office/powerpoint/2010/main" val="2840917904"/>
               </p:ext>
             </p:extLst>
           </p:nvPr>
         </p:nvGraphicFramePr>
         <p:xfrm>
-          <a:off x="5787294" y="4232217"/>
+          <a:off x="6717203" y="4232217"/>
           <a:ext cx="951982" cy="829240"/>
         </p:xfrm>
         <a:graphic>
@@ -20537,7 +20622,7 @@
         </p:nvCxnSpPr>
         <p:spPr bwMode="auto">
           <a:xfrm flipV="1">
-            <a:off x="288032" y="1105142"/>
+            <a:off x="288032" y="956613"/>
             <a:ext cx="9072888" cy="466"/>
           </a:xfrm>
           <a:prstGeom prst="line">
@@ -20572,7 +20657,7 @@
         </p:nvSpPr>
         <p:spPr>
           <a:xfrm>
-            <a:off x="768834" y="1349845"/>
+            <a:off x="768834" y="1201316"/>
             <a:ext cx="1142074" cy="2002839"/>
           </a:xfrm>
           <a:prstGeom prst="rect">
@@ -20628,13 +20713,13 @@
           <p:nvPr>
             <p:extLst>
               <p:ext uri="{D42A27DB-BD31-4B8C-83A1-F6EECF244321}">
-                <p14:modId xmlns:p14="http://schemas.microsoft.com/office/powerpoint/2010/main" val="436596465"/>
+                <p14:modId xmlns:p14="http://schemas.microsoft.com/office/powerpoint/2010/main" val="2898154760"/>
               </p:ext>
             </p:extLst>
           </p:nvPr>
         </p:nvGraphicFramePr>
         <p:xfrm>
-          <a:off x="878911" y="1681163"/>
+          <a:off x="878911" y="1532634"/>
           <a:ext cx="951982" cy="1030454"/>
         </p:xfrm>
         <a:graphic>
@@ -21472,7 +21557,7 @@
         </p:nvSpPr>
         <p:spPr>
           <a:xfrm>
-            <a:off x="498558" y="985241"/>
+            <a:off x="498558" y="836712"/>
             <a:ext cx="2006170" cy="243273"/>
           </a:xfrm>
           <a:prstGeom prst="rect">
@@ -21536,7 +21621,7 @@
         </p:nvSpPr>
         <p:spPr>
           <a:xfrm>
-            <a:off x="2864768" y="989606"/>
+            <a:off x="2864768" y="841077"/>
             <a:ext cx="1920331" cy="243273"/>
           </a:xfrm>
           <a:prstGeom prst="rect">
@@ -21600,7 +21685,7 @@
         </p:nvSpPr>
         <p:spPr>
           <a:xfrm>
-            <a:off x="820926" y="1385158"/>
+            <a:off x="820926" y="1236629"/>
             <a:ext cx="1035730" cy="215444"/>
           </a:xfrm>
           <a:prstGeom prst="rect">
@@ -21639,7 +21724,7 @@
           <p:nvPr>
             <p:extLst>
               <p:ext uri="{D42A27DB-BD31-4B8C-83A1-F6EECF244321}">
-                <p14:modId xmlns:p14="http://schemas.microsoft.com/office/powerpoint/2010/main" val="3331515990"/>
+                <p14:modId xmlns:p14="http://schemas.microsoft.com/office/powerpoint/2010/main" val="1819787533"/>
               </p:ext>
             </p:extLst>
           </p:nvPr>
@@ -21693,7 +21778,7 @@
                           <a:ea typeface="맑은 고딕" pitchFamily="50" charset="-127"/>
                           <a:cs typeface="+mn-cs"/>
                         </a:rPr>
-                        <a:t>24 CORE + 128G</a:t>
+                        <a:t>32 CORE + 128G</a:t>
                       </a:r>
                       <a:endParaRPr lang="ko-KR" altLang="en-US" sz="800" b="0" kern="1200" dirty="0">
                         <a:solidFill>
@@ -21888,7 +21973,7 @@
                           <a:ea typeface="맑은 고딕" pitchFamily="50" charset="-127"/>
                           <a:cs typeface="+mn-cs"/>
                         </a:rPr>
-                        <a:t>32T Disk</a:t>
+                        <a:t>38T Disk</a:t>
                       </a:r>
                       <a:endParaRPr lang="ko-KR" altLang="en-US" sz="800" b="0" kern="1200" dirty="0">
                         <a:solidFill>
@@ -22078,7 +22163,7 @@
         </p:nvSpPr>
         <p:spPr>
           <a:xfrm>
-            <a:off x="3438248" y="3883928"/>
+            <a:off x="4368157" y="3883928"/>
             <a:ext cx="748923" cy="338554"/>
           </a:xfrm>
           <a:prstGeom prst="rect">
@@ -22125,7 +22210,7 @@
         </p:nvSpPr>
         <p:spPr>
           <a:xfrm>
-            <a:off x="4670651" y="3883928"/>
+            <a:off x="5600560" y="3883928"/>
             <a:ext cx="748923" cy="338554"/>
           </a:xfrm>
           <a:prstGeom prst="rect">
@@ -22172,7 +22257,7 @@
         </p:nvSpPr>
         <p:spPr>
           <a:xfrm>
-            <a:off x="5895773" y="3883928"/>
+            <a:off x="6825682" y="3883928"/>
             <a:ext cx="748923" cy="338554"/>
           </a:xfrm>
           <a:prstGeom prst="rect">
@@ -22220,13 +22305,1397 @@
           <p:nvPr>
             <p:extLst>
               <p:ext uri="{D42A27DB-BD31-4B8C-83A1-F6EECF244321}">
-                <p14:modId xmlns:p14="http://schemas.microsoft.com/office/powerpoint/2010/main" val="1794178613"/>
+                <p14:modId xmlns:p14="http://schemas.microsoft.com/office/powerpoint/2010/main" val="686935251"/>
               </p:ext>
             </p:extLst>
           </p:nvPr>
         </p:nvGraphicFramePr>
         <p:xfrm>
-          <a:off x="2099314" y="5699410"/>
+          <a:off x="2006867" y="5699410"/>
+          <a:ext cx="1047378" cy="402428"/>
+        </p:xfrm>
+        <a:graphic>
+          <a:graphicData uri="http://schemas.openxmlformats.org/drawingml/2006/table">
+            <a:tbl>
+              <a:tblPr firstRow="1" bandRow="1"/>
+              <a:tblGrid>
+                <a:gridCol w="1047378">
+                  <a:extLst>
+                    <a:ext uri="{9D8B030D-6E8A-4147-A177-3AD203B41FA5}">
+                      <a16:colId xmlns:a16="http://schemas.microsoft.com/office/drawing/2014/main" val="20000"/>
+                    </a:ext>
+                  </a:extLst>
+                </a:gridCol>
+              </a:tblGrid>
+              <a:tr h="130023">
+                <a:tc>
+                  <a:txBody>
+                    <a:bodyPr/>
+                    <a:lstStyle/>
+                    <a:p>
+                      <a:pPr marL="0" marR="0" indent="0" algn="ctr" defTabSz="1388882" rtl="0" eaLnBrk="1" fontAlgn="auto" latinLnBrk="1" hangingPunct="1">
+                        <a:lnSpc>
+                          <a:spcPct val="90000"/>
+                        </a:lnSpc>
+                        <a:spcBef>
+                          <a:spcPts val="0"/>
+                        </a:spcBef>
+                        <a:spcAft>
+                          <a:spcPts val="0"/>
+                        </a:spcAft>
+                        <a:buClrTx/>
+                        <a:buSzTx/>
+                        <a:buFontTx/>
+                        <a:buNone/>
+                        <a:tabLst/>
+                        <a:defRPr/>
+                      </a:pPr>
+                      <a:r>
+                        <a:rPr lang="en-US" altLang="ko-KR" sz="800" b="0" kern="1200" dirty="0">
+                          <a:solidFill>
+                            <a:schemeClr val="tx1"/>
+                          </a:solidFill>
+                          <a:latin typeface="맑은 고딕" pitchFamily="50" charset="-127"/>
+                          <a:ea typeface="맑은 고딕" pitchFamily="50" charset="-127"/>
+                          <a:cs typeface="+mn-cs"/>
+                        </a:rPr>
+                        <a:t>32 CORE + 128G</a:t>
+                      </a:r>
+                      <a:endParaRPr lang="ko-KR" altLang="en-US" sz="800" b="0" kern="1200" dirty="0">
+                        <a:solidFill>
+                          <a:schemeClr val="tx1"/>
+                        </a:solidFill>
+                        <a:latin typeface="맑은 고딕" pitchFamily="50" charset="-127"/>
+                        <a:ea typeface="맑은 고딕" pitchFamily="50" charset="-127"/>
+                        <a:cs typeface="+mn-cs"/>
+                      </a:endParaRPr>
+                    </a:p>
+                  </a:txBody>
+                  <a:tcPr marL="91474" marR="91474" marT="45743" marB="45743">
+                    <a:lnL w="9525" cap="flat" cmpd="sng" algn="ctr">
+                      <a:solidFill>
+                        <a:srgbClr val="FFFFFF">
+                          <a:lumMod val="65000"/>
+                        </a:srgbClr>
+                      </a:solidFill>
+                      <a:prstDash val="solid"/>
+                      <a:round/>
+                      <a:headEnd type="none" w="med" len="med"/>
+                      <a:tailEnd type="none" w="med" len="med"/>
+                    </a:lnL>
+                    <a:lnR w="9525" cap="flat" cmpd="sng" algn="ctr">
+                      <a:solidFill>
+                        <a:srgbClr val="FFFFFF">
+                          <a:lumMod val="65000"/>
+                        </a:srgbClr>
+                      </a:solidFill>
+                      <a:prstDash val="solid"/>
+                      <a:round/>
+                      <a:headEnd type="none" w="med" len="med"/>
+                      <a:tailEnd type="none" w="med" len="med"/>
+                    </a:lnR>
+                    <a:lnT w="9525" cap="flat" cmpd="sng" algn="ctr">
+                      <a:solidFill>
+                        <a:srgbClr val="FFFFFF">
+                          <a:lumMod val="65000"/>
+                        </a:srgbClr>
+                      </a:solidFill>
+                      <a:prstDash val="solid"/>
+                      <a:round/>
+                      <a:headEnd type="none" w="med" len="med"/>
+                      <a:tailEnd type="none" w="med" len="med"/>
+                    </a:lnT>
+                    <a:lnB w="9525" cap="flat" cmpd="sng" algn="ctr">
+                      <a:solidFill>
+                        <a:srgbClr val="FFFFFF">
+                          <a:lumMod val="65000"/>
+                        </a:srgbClr>
+                      </a:solidFill>
+                      <a:prstDash val="solid"/>
+                      <a:round/>
+                      <a:headEnd type="none" w="med" len="med"/>
+                      <a:tailEnd type="none" w="med" len="med"/>
+                    </a:lnB>
+                    <a:lnTlToBr w="12700" cmpd="sng">
+                      <a:noFill/>
+                      <a:prstDash val="solid"/>
+                    </a:lnTlToBr>
+                    <a:lnBlToTr w="12700" cmpd="sng">
+                      <a:noFill/>
+                      <a:prstDash val="solid"/>
+                    </a:lnBlToTr>
+                    <a:solidFill>
+                      <a:schemeClr val="bg1">
+                        <a:lumMod val="85000"/>
+                      </a:schemeClr>
+                    </a:solidFill>
+                  </a:tcPr>
+                </a:tc>
+                <a:extLst>
+                  <a:ext uri="{0D108BD9-81ED-4DB2-BD59-A6C34878D82A}">
+                    <a16:rowId xmlns:a16="http://schemas.microsoft.com/office/drawing/2014/main" val="10000"/>
+                  </a:ext>
+                </a:extLst>
+              </a:tr>
+              <a:tr h="130023">
+                <a:tc>
+                  <a:txBody>
+                    <a:bodyPr/>
+                    <a:lstStyle>
+                      <a:defPPr>
+                        <a:defRPr lang="ko-KR"/>
+                      </a:defPPr>
+                      <a:lvl1pPr marL="0" algn="l" defTabSz="914400" rtl="0" eaLnBrk="1" latinLnBrk="1" hangingPunct="1">
+                        <a:defRPr sz="1800" kern="1200">
+                          <a:solidFill>
+                            <a:schemeClr val="dk1"/>
+                          </a:solidFill>
+                          <a:latin typeface="Arial"/>
+                          <a:ea typeface="맑은 고딕"/>
+                        </a:defRPr>
+                      </a:lvl1pPr>
+                      <a:lvl2pPr marL="457200" algn="l" defTabSz="914400" rtl="0" eaLnBrk="1" latinLnBrk="1" hangingPunct="1">
+                        <a:defRPr sz="1800" kern="1200">
+                          <a:solidFill>
+                            <a:schemeClr val="dk1"/>
+                          </a:solidFill>
+                          <a:latin typeface="Arial"/>
+                          <a:ea typeface="맑은 고딕"/>
+                        </a:defRPr>
+                      </a:lvl2pPr>
+                      <a:lvl3pPr marL="914400" algn="l" defTabSz="914400" rtl="0" eaLnBrk="1" latinLnBrk="1" hangingPunct="1">
+                        <a:defRPr sz="1800" kern="1200">
+                          <a:solidFill>
+                            <a:schemeClr val="dk1"/>
+                          </a:solidFill>
+                          <a:latin typeface="Arial"/>
+                          <a:ea typeface="맑은 고딕"/>
+                        </a:defRPr>
+                      </a:lvl3pPr>
+                      <a:lvl4pPr marL="1371600" algn="l" defTabSz="914400" rtl="0" eaLnBrk="1" latinLnBrk="1" hangingPunct="1">
+                        <a:defRPr sz="1800" kern="1200">
+                          <a:solidFill>
+                            <a:schemeClr val="dk1"/>
+                          </a:solidFill>
+                          <a:latin typeface="Arial"/>
+                          <a:ea typeface="맑은 고딕"/>
+                        </a:defRPr>
+                      </a:lvl4pPr>
+                      <a:lvl5pPr marL="1828800" algn="l" defTabSz="914400" rtl="0" eaLnBrk="1" latinLnBrk="1" hangingPunct="1">
+                        <a:defRPr sz="1800" kern="1200">
+                          <a:solidFill>
+                            <a:schemeClr val="dk1"/>
+                          </a:solidFill>
+                          <a:latin typeface="Arial"/>
+                          <a:ea typeface="맑은 고딕"/>
+                        </a:defRPr>
+                      </a:lvl5pPr>
+                      <a:lvl6pPr marL="2286000" algn="l" defTabSz="914400" rtl="0" eaLnBrk="1" latinLnBrk="1" hangingPunct="1">
+                        <a:defRPr sz="1800" kern="1200">
+                          <a:solidFill>
+                            <a:schemeClr val="dk1"/>
+                          </a:solidFill>
+                          <a:latin typeface="Arial"/>
+                          <a:ea typeface="맑은 고딕"/>
+                        </a:defRPr>
+                      </a:lvl6pPr>
+                      <a:lvl7pPr marL="2743200" algn="l" defTabSz="914400" rtl="0" eaLnBrk="1" latinLnBrk="1" hangingPunct="1">
+                        <a:defRPr sz="1800" kern="1200">
+                          <a:solidFill>
+                            <a:schemeClr val="dk1"/>
+                          </a:solidFill>
+                          <a:latin typeface="Arial"/>
+                          <a:ea typeface="맑은 고딕"/>
+                        </a:defRPr>
+                      </a:lvl7pPr>
+                      <a:lvl8pPr marL="3200400" algn="l" defTabSz="914400" rtl="0" eaLnBrk="1" latinLnBrk="1" hangingPunct="1">
+                        <a:defRPr sz="1800" kern="1200">
+                          <a:solidFill>
+                            <a:schemeClr val="dk1"/>
+                          </a:solidFill>
+                          <a:latin typeface="Arial"/>
+                          <a:ea typeface="맑은 고딕"/>
+                        </a:defRPr>
+                      </a:lvl8pPr>
+                      <a:lvl9pPr marL="3657600" algn="l" defTabSz="914400" rtl="0" eaLnBrk="1" latinLnBrk="1" hangingPunct="1">
+                        <a:defRPr sz="1800" kern="1200">
+                          <a:solidFill>
+                            <a:schemeClr val="dk1"/>
+                          </a:solidFill>
+                          <a:latin typeface="Arial"/>
+                          <a:ea typeface="맑은 고딕"/>
+                        </a:defRPr>
+                      </a:lvl9pPr>
+                    </a:lstStyle>
+                    <a:p>
+                      <a:pPr marL="0" marR="0" indent="0" algn="ctr" defTabSz="1388882" rtl="0" eaLnBrk="1" fontAlgn="auto" latinLnBrk="1" hangingPunct="1">
+                        <a:lnSpc>
+                          <a:spcPct val="90000"/>
+                        </a:lnSpc>
+                        <a:spcBef>
+                          <a:spcPts val="0"/>
+                        </a:spcBef>
+                        <a:spcAft>
+                          <a:spcPts val="0"/>
+                        </a:spcAft>
+                        <a:buClrTx/>
+                        <a:buSzTx/>
+                        <a:buFontTx/>
+                        <a:buNone/>
+                        <a:tabLst/>
+                        <a:defRPr/>
+                      </a:pPr>
+                      <a:r>
+                        <a:rPr lang="en-US" altLang="ko-KR" sz="800" b="0" kern="1200" dirty="0">
+                          <a:solidFill>
+                            <a:schemeClr val="tx1"/>
+                          </a:solidFill>
+                          <a:latin typeface="맑은 고딕" pitchFamily="50" charset="-127"/>
+                          <a:ea typeface="맑은 고딕" pitchFamily="50" charset="-127"/>
+                          <a:cs typeface="+mn-cs"/>
+                        </a:rPr>
+                        <a:t>38T Disk</a:t>
+                      </a:r>
+                      <a:endParaRPr lang="ko-KR" altLang="en-US" sz="800" b="0" kern="1200" dirty="0">
+                        <a:solidFill>
+                          <a:schemeClr val="tx1"/>
+                        </a:solidFill>
+                        <a:latin typeface="맑은 고딕" pitchFamily="50" charset="-127"/>
+                        <a:ea typeface="맑은 고딕" pitchFamily="50" charset="-127"/>
+                        <a:cs typeface="+mn-cs"/>
+                      </a:endParaRPr>
+                    </a:p>
+                  </a:txBody>
+                  <a:tcPr marL="91474" marR="91474" marT="45743" marB="45743">
+                    <a:lnL w="9525" cap="flat" cmpd="sng" algn="ctr">
+                      <a:solidFill>
+                        <a:srgbClr val="FFFFFF">
+                          <a:lumMod val="65000"/>
+                        </a:srgbClr>
+                      </a:solidFill>
+                      <a:prstDash val="solid"/>
+                      <a:round/>
+                      <a:headEnd type="none" w="med" len="med"/>
+                      <a:tailEnd type="none" w="med" len="med"/>
+                    </a:lnL>
+                    <a:lnR w="9525" cap="flat" cmpd="sng" algn="ctr">
+                      <a:solidFill>
+                        <a:srgbClr val="FFFFFF">
+                          <a:lumMod val="65000"/>
+                        </a:srgbClr>
+                      </a:solidFill>
+                      <a:prstDash val="solid"/>
+                      <a:round/>
+                      <a:headEnd type="none" w="med" len="med"/>
+                      <a:tailEnd type="none" w="med" len="med"/>
+                    </a:lnR>
+                    <a:lnT w="9525" cap="flat" cmpd="sng" algn="ctr">
+                      <a:solidFill>
+                        <a:srgbClr val="FFFFFF">
+                          <a:lumMod val="65000"/>
+                        </a:srgbClr>
+                      </a:solidFill>
+                      <a:prstDash val="solid"/>
+                      <a:round/>
+                      <a:headEnd type="none" w="med" len="med"/>
+                      <a:tailEnd type="none" w="med" len="med"/>
+                    </a:lnT>
+                    <a:lnB w="9525" cap="flat" cmpd="sng" algn="ctr">
+                      <a:solidFill>
+                        <a:srgbClr val="FFFFFF">
+                          <a:lumMod val="65000"/>
+                        </a:srgbClr>
+                      </a:solidFill>
+                      <a:prstDash val="solid"/>
+                      <a:round/>
+                      <a:headEnd type="none" w="med" len="med"/>
+                      <a:tailEnd type="none" w="med" len="med"/>
+                    </a:lnB>
+                    <a:lnTlToBr w="12700" cmpd="sng">
+                      <a:noFill/>
+                      <a:prstDash val="solid"/>
+                    </a:lnTlToBr>
+                    <a:lnBlToTr w="12700" cmpd="sng">
+                      <a:noFill/>
+                      <a:prstDash val="solid"/>
+                    </a:lnBlToTr>
+                    <a:solidFill>
+                      <a:schemeClr val="bg1">
+                        <a:lumMod val="85000"/>
+                      </a:schemeClr>
+                    </a:solidFill>
+                  </a:tcPr>
+                </a:tc>
+                <a:extLst>
+                  <a:ext uri="{0D108BD9-81ED-4DB2-BD59-A6C34878D82A}">
+                    <a16:rowId xmlns:a16="http://schemas.microsoft.com/office/drawing/2014/main" val="10001"/>
+                  </a:ext>
+                </a:extLst>
+              </a:tr>
+            </a:tbl>
+          </a:graphicData>
+        </a:graphic>
+      </p:graphicFrame>
+      <p:graphicFrame>
+        <p:nvGraphicFramePr>
+          <p:cNvPr id="28" name="표 27">
+            <a:extLst>
+              <a:ext uri="{FF2B5EF4-FFF2-40B4-BE49-F238E27FC236}">
+                <a16:creationId xmlns:a16="http://schemas.microsoft.com/office/drawing/2014/main" id="{C04D8146-DB2F-4E3C-82FF-284DE8081132}"/>
+              </a:ext>
+            </a:extLst>
+          </p:cNvPr>
+          <p:cNvGraphicFramePr>
+            <a:graphicFrameLocks noGrp="1"/>
+          </p:cNvGraphicFramePr>
+          <p:nvPr>
+            <p:extLst>
+              <p:ext uri="{D42A27DB-BD31-4B8C-83A1-F6EECF244321}">
+                <p14:modId xmlns:p14="http://schemas.microsoft.com/office/powerpoint/2010/main" val="4213603912"/>
+              </p:ext>
+            </p:extLst>
+          </p:nvPr>
+        </p:nvGraphicFramePr>
+        <p:xfrm>
+          <a:off x="4216199" y="5699410"/>
+          <a:ext cx="1018638" cy="402428"/>
+        </p:xfrm>
+        <a:graphic>
+          <a:graphicData uri="http://schemas.openxmlformats.org/drawingml/2006/table">
+            <a:tbl>
+              <a:tblPr firstRow="1" bandRow="1"/>
+              <a:tblGrid>
+                <a:gridCol w="1018638">
+                  <a:extLst>
+                    <a:ext uri="{9D8B030D-6E8A-4147-A177-3AD203B41FA5}">
+                      <a16:colId xmlns:a16="http://schemas.microsoft.com/office/drawing/2014/main" val="20000"/>
+                    </a:ext>
+                  </a:extLst>
+                </a:gridCol>
+              </a:tblGrid>
+              <a:tr h="130023">
+                <a:tc>
+                  <a:txBody>
+                    <a:bodyPr/>
+                    <a:lstStyle/>
+                    <a:p>
+                      <a:pPr marL="0" marR="0" indent="0" algn="ctr" defTabSz="1388882" rtl="0" eaLnBrk="1" fontAlgn="auto" latinLnBrk="1" hangingPunct="1">
+                        <a:lnSpc>
+                          <a:spcPct val="90000"/>
+                        </a:lnSpc>
+                        <a:spcBef>
+                          <a:spcPts val="0"/>
+                        </a:spcBef>
+                        <a:spcAft>
+                          <a:spcPts val="0"/>
+                        </a:spcAft>
+                        <a:buClrTx/>
+                        <a:buSzTx/>
+                        <a:buFontTx/>
+                        <a:buNone/>
+                        <a:tabLst/>
+                        <a:defRPr/>
+                      </a:pPr>
+                      <a:r>
+                        <a:rPr lang="en-US" altLang="ko-KR" sz="800" b="0" kern="1200" dirty="0">
+                          <a:solidFill>
+                            <a:schemeClr val="tx1"/>
+                          </a:solidFill>
+                          <a:latin typeface="맑은 고딕" pitchFamily="50" charset="-127"/>
+                          <a:ea typeface="맑은 고딕" pitchFamily="50" charset="-127"/>
+                          <a:cs typeface="+mn-cs"/>
+                        </a:rPr>
+                        <a:t>24 CORE + 128G</a:t>
+                      </a:r>
+                      <a:endParaRPr lang="ko-KR" altLang="en-US" sz="800" b="0" kern="1200" dirty="0">
+                        <a:solidFill>
+                          <a:schemeClr val="tx1"/>
+                        </a:solidFill>
+                        <a:latin typeface="맑은 고딕" pitchFamily="50" charset="-127"/>
+                        <a:ea typeface="맑은 고딕" pitchFamily="50" charset="-127"/>
+                        <a:cs typeface="+mn-cs"/>
+                      </a:endParaRPr>
+                    </a:p>
+                  </a:txBody>
+                  <a:tcPr marL="91474" marR="91474" marT="45743" marB="45743">
+                    <a:lnL w="9525" cap="flat" cmpd="sng" algn="ctr">
+                      <a:solidFill>
+                        <a:srgbClr val="FFFFFF">
+                          <a:lumMod val="65000"/>
+                        </a:srgbClr>
+                      </a:solidFill>
+                      <a:prstDash val="solid"/>
+                      <a:round/>
+                      <a:headEnd type="none" w="med" len="med"/>
+                      <a:tailEnd type="none" w="med" len="med"/>
+                    </a:lnL>
+                    <a:lnR w="9525" cap="flat" cmpd="sng" algn="ctr">
+                      <a:solidFill>
+                        <a:srgbClr val="FFFFFF">
+                          <a:lumMod val="65000"/>
+                        </a:srgbClr>
+                      </a:solidFill>
+                      <a:prstDash val="solid"/>
+                      <a:round/>
+                      <a:headEnd type="none" w="med" len="med"/>
+                      <a:tailEnd type="none" w="med" len="med"/>
+                    </a:lnR>
+                    <a:lnT w="9525" cap="flat" cmpd="sng" algn="ctr">
+                      <a:solidFill>
+                        <a:srgbClr val="FFFFFF">
+                          <a:lumMod val="65000"/>
+                        </a:srgbClr>
+                      </a:solidFill>
+                      <a:prstDash val="solid"/>
+                      <a:round/>
+                      <a:headEnd type="none" w="med" len="med"/>
+                      <a:tailEnd type="none" w="med" len="med"/>
+                    </a:lnT>
+                    <a:lnB w="9525" cap="flat" cmpd="sng" algn="ctr">
+                      <a:solidFill>
+                        <a:srgbClr val="FFFFFF">
+                          <a:lumMod val="65000"/>
+                        </a:srgbClr>
+                      </a:solidFill>
+                      <a:prstDash val="solid"/>
+                      <a:round/>
+                      <a:headEnd type="none" w="med" len="med"/>
+                      <a:tailEnd type="none" w="med" len="med"/>
+                    </a:lnB>
+                    <a:lnTlToBr w="12700" cmpd="sng">
+                      <a:noFill/>
+                      <a:prstDash val="solid"/>
+                    </a:lnTlToBr>
+                    <a:lnBlToTr w="12700" cmpd="sng">
+                      <a:noFill/>
+                      <a:prstDash val="solid"/>
+                    </a:lnBlToTr>
+                    <a:solidFill>
+                      <a:schemeClr val="bg1">
+                        <a:lumMod val="85000"/>
+                      </a:schemeClr>
+                    </a:solidFill>
+                  </a:tcPr>
+                </a:tc>
+                <a:extLst>
+                  <a:ext uri="{0D108BD9-81ED-4DB2-BD59-A6C34878D82A}">
+                    <a16:rowId xmlns:a16="http://schemas.microsoft.com/office/drawing/2014/main" val="10000"/>
+                  </a:ext>
+                </a:extLst>
+              </a:tr>
+              <a:tr h="130023">
+                <a:tc>
+                  <a:txBody>
+                    <a:bodyPr/>
+                    <a:lstStyle>
+                      <a:defPPr>
+                        <a:defRPr lang="ko-KR"/>
+                      </a:defPPr>
+                      <a:lvl1pPr marL="0" algn="l" defTabSz="914400" rtl="0" eaLnBrk="1" latinLnBrk="1" hangingPunct="1">
+                        <a:defRPr sz="1800" kern="1200">
+                          <a:solidFill>
+                            <a:schemeClr val="dk1"/>
+                          </a:solidFill>
+                          <a:latin typeface="Arial"/>
+                          <a:ea typeface="맑은 고딕"/>
+                        </a:defRPr>
+                      </a:lvl1pPr>
+                      <a:lvl2pPr marL="457200" algn="l" defTabSz="914400" rtl="0" eaLnBrk="1" latinLnBrk="1" hangingPunct="1">
+                        <a:defRPr sz="1800" kern="1200">
+                          <a:solidFill>
+                            <a:schemeClr val="dk1"/>
+                          </a:solidFill>
+                          <a:latin typeface="Arial"/>
+                          <a:ea typeface="맑은 고딕"/>
+                        </a:defRPr>
+                      </a:lvl2pPr>
+                      <a:lvl3pPr marL="914400" algn="l" defTabSz="914400" rtl="0" eaLnBrk="1" latinLnBrk="1" hangingPunct="1">
+                        <a:defRPr sz="1800" kern="1200">
+                          <a:solidFill>
+                            <a:schemeClr val="dk1"/>
+                          </a:solidFill>
+                          <a:latin typeface="Arial"/>
+                          <a:ea typeface="맑은 고딕"/>
+                        </a:defRPr>
+                      </a:lvl3pPr>
+                      <a:lvl4pPr marL="1371600" algn="l" defTabSz="914400" rtl="0" eaLnBrk="1" latinLnBrk="1" hangingPunct="1">
+                        <a:defRPr sz="1800" kern="1200">
+                          <a:solidFill>
+                            <a:schemeClr val="dk1"/>
+                          </a:solidFill>
+                          <a:latin typeface="Arial"/>
+                          <a:ea typeface="맑은 고딕"/>
+                        </a:defRPr>
+                      </a:lvl4pPr>
+                      <a:lvl5pPr marL="1828800" algn="l" defTabSz="914400" rtl="0" eaLnBrk="1" latinLnBrk="1" hangingPunct="1">
+                        <a:defRPr sz="1800" kern="1200">
+                          <a:solidFill>
+                            <a:schemeClr val="dk1"/>
+                          </a:solidFill>
+                          <a:latin typeface="Arial"/>
+                          <a:ea typeface="맑은 고딕"/>
+                        </a:defRPr>
+                      </a:lvl5pPr>
+                      <a:lvl6pPr marL="2286000" algn="l" defTabSz="914400" rtl="0" eaLnBrk="1" latinLnBrk="1" hangingPunct="1">
+                        <a:defRPr sz="1800" kern="1200">
+                          <a:solidFill>
+                            <a:schemeClr val="dk1"/>
+                          </a:solidFill>
+                          <a:latin typeface="Arial"/>
+                          <a:ea typeface="맑은 고딕"/>
+                        </a:defRPr>
+                      </a:lvl6pPr>
+                      <a:lvl7pPr marL="2743200" algn="l" defTabSz="914400" rtl="0" eaLnBrk="1" latinLnBrk="1" hangingPunct="1">
+                        <a:defRPr sz="1800" kern="1200">
+                          <a:solidFill>
+                            <a:schemeClr val="dk1"/>
+                          </a:solidFill>
+                          <a:latin typeface="Arial"/>
+                          <a:ea typeface="맑은 고딕"/>
+                        </a:defRPr>
+                      </a:lvl7pPr>
+                      <a:lvl8pPr marL="3200400" algn="l" defTabSz="914400" rtl="0" eaLnBrk="1" latinLnBrk="1" hangingPunct="1">
+                        <a:defRPr sz="1800" kern="1200">
+                          <a:solidFill>
+                            <a:schemeClr val="dk1"/>
+                          </a:solidFill>
+                          <a:latin typeface="Arial"/>
+                          <a:ea typeface="맑은 고딕"/>
+                        </a:defRPr>
+                      </a:lvl8pPr>
+                      <a:lvl9pPr marL="3657600" algn="l" defTabSz="914400" rtl="0" eaLnBrk="1" latinLnBrk="1" hangingPunct="1">
+                        <a:defRPr sz="1800" kern="1200">
+                          <a:solidFill>
+                            <a:schemeClr val="dk1"/>
+                          </a:solidFill>
+                          <a:latin typeface="Arial"/>
+                          <a:ea typeface="맑은 고딕"/>
+                        </a:defRPr>
+                      </a:lvl9pPr>
+                    </a:lstStyle>
+                    <a:p>
+                      <a:pPr marL="0" marR="0" indent="0" algn="ctr" defTabSz="1388882" rtl="0" eaLnBrk="1" fontAlgn="auto" latinLnBrk="1" hangingPunct="1">
+                        <a:lnSpc>
+                          <a:spcPct val="90000"/>
+                        </a:lnSpc>
+                        <a:spcBef>
+                          <a:spcPts val="0"/>
+                        </a:spcBef>
+                        <a:spcAft>
+                          <a:spcPts val="0"/>
+                        </a:spcAft>
+                        <a:buClrTx/>
+                        <a:buSzTx/>
+                        <a:buFontTx/>
+                        <a:buNone/>
+                        <a:tabLst/>
+                        <a:defRPr/>
+                      </a:pPr>
+                      <a:r>
+                        <a:rPr lang="en-US" altLang="ko-KR" sz="800" b="0" kern="1200" dirty="0">
+                          <a:solidFill>
+                            <a:schemeClr val="tx1"/>
+                          </a:solidFill>
+                          <a:latin typeface="맑은 고딕" pitchFamily="50" charset="-127"/>
+                          <a:ea typeface="맑은 고딕" pitchFamily="50" charset="-127"/>
+                          <a:cs typeface="+mn-cs"/>
+                        </a:rPr>
+                        <a:t>30T Disk</a:t>
+                      </a:r>
+                      <a:endParaRPr lang="ko-KR" altLang="en-US" sz="800" b="0" kern="1200" dirty="0">
+                        <a:solidFill>
+                          <a:schemeClr val="tx1"/>
+                        </a:solidFill>
+                        <a:latin typeface="맑은 고딕" pitchFamily="50" charset="-127"/>
+                        <a:ea typeface="맑은 고딕" pitchFamily="50" charset="-127"/>
+                        <a:cs typeface="+mn-cs"/>
+                      </a:endParaRPr>
+                    </a:p>
+                  </a:txBody>
+                  <a:tcPr marL="91474" marR="91474" marT="45743" marB="45743">
+                    <a:lnL w="9525" cap="flat" cmpd="sng" algn="ctr">
+                      <a:solidFill>
+                        <a:srgbClr val="FFFFFF">
+                          <a:lumMod val="65000"/>
+                        </a:srgbClr>
+                      </a:solidFill>
+                      <a:prstDash val="solid"/>
+                      <a:round/>
+                      <a:headEnd type="none" w="med" len="med"/>
+                      <a:tailEnd type="none" w="med" len="med"/>
+                    </a:lnL>
+                    <a:lnR w="9525" cap="flat" cmpd="sng" algn="ctr">
+                      <a:solidFill>
+                        <a:srgbClr val="FFFFFF">
+                          <a:lumMod val="65000"/>
+                        </a:srgbClr>
+                      </a:solidFill>
+                      <a:prstDash val="solid"/>
+                      <a:round/>
+                      <a:headEnd type="none" w="med" len="med"/>
+                      <a:tailEnd type="none" w="med" len="med"/>
+                    </a:lnR>
+                    <a:lnT w="9525" cap="flat" cmpd="sng" algn="ctr">
+                      <a:solidFill>
+                        <a:srgbClr val="FFFFFF">
+                          <a:lumMod val="65000"/>
+                        </a:srgbClr>
+                      </a:solidFill>
+                      <a:prstDash val="solid"/>
+                      <a:round/>
+                      <a:headEnd type="none" w="med" len="med"/>
+                      <a:tailEnd type="none" w="med" len="med"/>
+                    </a:lnT>
+                    <a:lnB w="9525" cap="flat" cmpd="sng" algn="ctr">
+                      <a:solidFill>
+                        <a:srgbClr val="FFFFFF">
+                          <a:lumMod val="65000"/>
+                        </a:srgbClr>
+                      </a:solidFill>
+                      <a:prstDash val="solid"/>
+                      <a:round/>
+                      <a:headEnd type="none" w="med" len="med"/>
+                      <a:tailEnd type="none" w="med" len="med"/>
+                    </a:lnB>
+                    <a:lnTlToBr w="12700" cmpd="sng">
+                      <a:noFill/>
+                      <a:prstDash val="solid"/>
+                    </a:lnTlToBr>
+                    <a:lnBlToTr w="12700" cmpd="sng">
+                      <a:noFill/>
+                      <a:prstDash val="solid"/>
+                    </a:lnBlToTr>
+                    <a:solidFill>
+                      <a:schemeClr val="bg1">
+                        <a:lumMod val="85000"/>
+                      </a:schemeClr>
+                    </a:solidFill>
+                  </a:tcPr>
+                </a:tc>
+                <a:extLst>
+                  <a:ext uri="{0D108BD9-81ED-4DB2-BD59-A6C34878D82A}">
+                    <a16:rowId xmlns:a16="http://schemas.microsoft.com/office/drawing/2014/main" val="10001"/>
+                  </a:ext>
+                </a:extLst>
+              </a:tr>
+            </a:tbl>
+          </a:graphicData>
+        </a:graphic>
+      </p:graphicFrame>
+      <p:graphicFrame>
+        <p:nvGraphicFramePr>
+          <p:cNvPr id="29" name="표 28">
+            <a:extLst>
+              <a:ext uri="{FF2B5EF4-FFF2-40B4-BE49-F238E27FC236}">
+                <a16:creationId xmlns:a16="http://schemas.microsoft.com/office/drawing/2014/main" id="{1BA9EE50-9F98-442D-AF05-796301B7B76F}"/>
+              </a:ext>
+            </a:extLst>
+          </p:cNvPr>
+          <p:cNvGraphicFramePr>
+            <a:graphicFrameLocks noGrp="1"/>
+          </p:cNvGraphicFramePr>
+          <p:nvPr>
+            <p:extLst>
+              <p:ext uri="{D42A27DB-BD31-4B8C-83A1-F6EECF244321}">
+                <p14:modId xmlns:p14="http://schemas.microsoft.com/office/powerpoint/2010/main" val="479723708"/>
+              </p:ext>
+            </p:extLst>
+          </p:nvPr>
+        </p:nvGraphicFramePr>
+        <p:xfrm>
+          <a:off x="5454800" y="5699410"/>
+          <a:ext cx="1000882" cy="402428"/>
+        </p:xfrm>
+        <a:graphic>
+          <a:graphicData uri="http://schemas.openxmlformats.org/drawingml/2006/table">
+            <a:tbl>
+              <a:tblPr firstRow="1" bandRow="1"/>
+              <a:tblGrid>
+                <a:gridCol w="1000882">
+                  <a:extLst>
+                    <a:ext uri="{9D8B030D-6E8A-4147-A177-3AD203B41FA5}">
+                      <a16:colId xmlns:a16="http://schemas.microsoft.com/office/drawing/2014/main" val="20000"/>
+                    </a:ext>
+                  </a:extLst>
+                </a:gridCol>
+              </a:tblGrid>
+              <a:tr h="130023">
+                <a:tc>
+                  <a:txBody>
+                    <a:bodyPr/>
+                    <a:lstStyle/>
+                    <a:p>
+                      <a:pPr marL="0" marR="0" indent="0" algn="ctr" defTabSz="1388882" rtl="0" eaLnBrk="1" fontAlgn="auto" latinLnBrk="1" hangingPunct="1">
+                        <a:lnSpc>
+                          <a:spcPct val="90000"/>
+                        </a:lnSpc>
+                        <a:spcBef>
+                          <a:spcPts val="0"/>
+                        </a:spcBef>
+                        <a:spcAft>
+                          <a:spcPts val="0"/>
+                        </a:spcAft>
+                        <a:buClrTx/>
+                        <a:buSzTx/>
+                        <a:buFontTx/>
+                        <a:buNone/>
+                        <a:tabLst/>
+                        <a:defRPr/>
+                      </a:pPr>
+                      <a:r>
+                        <a:rPr lang="en-US" altLang="ko-KR" sz="800" b="0" kern="1200" dirty="0">
+                          <a:solidFill>
+                            <a:schemeClr val="tx1"/>
+                          </a:solidFill>
+                          <a:latin typeface="맑은 고딕" pitchFamily="50" charset="-127"/>
+                          <a:ea typeface="맑은 고딕" pitchFamily="50" charset="-127"/>
+                          <a:cs typeface="+mn-cs"/>
+                        </a:rPr>
+                        <a:t>24 CORE + 128G</a:t>
+                      </a:r>
+                      <a:endParaRPr lang="ko-KR" altLang="en-US" sz="800" b="0" kern="1200" dirty="0">
+                        <a:solidFill>
+                          <a:schemeClr val="tx1"/>
+                        </a:solidFill>
+                        <a:latin typeface="맑은 고딕" pitchFamily="50" charset="-127"/>
+                        <a:ea typeface="맑은 고딕" pitchFamily="50" charset="-127"/>
+                        <a:cs typeface="+mn-cs"/>
+                      </a:endParaRPr>
+                    </a:p>
+                  </a:txBody>
+                  <a:tcPr marL="91474" marR="91474" marT="45743" marB="45743">
+                    <a:lnL w="9525" cap="flat" cmpd="sng" algn="ctr">
+                      <a:solidFill>
+                        <a:srgbClr val="FFFFFF">
+                          <a:lumMod val="65000"/>
+                        </a:srgbClr>
+                      </a:solidFill>
+                      <a:prstDash val="solid"/>
+                      <a:round/>
+                      <a:headEnd type="none" w="med" len="med"/>
+                      <a:tailEnd type="none" w="med" len="med"/>
+                    </a:lnL>
+                    <a:lnR w="9525" cap="flat" cmpd="sng" algn="ctr">
+                      <a:solidFill>
+                        <a:srgbClr val="FFFFFF">
+                          <a:lumMod val="65000"/>
+                        </a:srgbClr>
+                      </a:solidFill>
+                      <a:prstDash val="solid"/>
+                      <a:round/>
+                      <a:headEnd type="none" w="med" len="med"/>
+                      <a:tailEnd type="none" w="med" len="med"/>
+                    </a:lnR>
+                    <a:lnT w="9525" cap="flat" cmpd="sng" algn="ctr">
+                      <a:solidFill>
+                        <a:srgbClr val="FFFFFF">
+                          <a:lumMod val="65000"/>
+                        </a:srgbClr>
+                      </a:solidFill>
+                      <a:prstDash val="solid"/>
+                      <a:round/>
+                      <a:headEnd type="none" w="med" len="med"/>
+                      <a:tailEnd type="none" w="med" len="med"/>
+                    </a:lnT>
+                    <a:lnB w="9525" cap="flat" cmpd="sng" algn="ctr">
+                      <a:solidFill>
+                        <a:srgbClr val="FFFFFF">
+                          <a:lumMod val="65000"/>
+                        </a:srgbClr>
+                      </a:solidFill>
+                      <a:prstDash val="solid"/>
+                      <a:round/>
+                      <a:headEnd type="none" w="med" len="med"/>
+                      <a:tailEnd type="none" w="med" len="med"/>
+                    </a:lnB>
+                    <a:lnTlToBr w="12700" cmpd="sng">
+                      <a:noFill/>
+                      <a:prstDash val="solid"/>
+                    </a:lnTlToBr>
+                    <a:lnBlToTr w="12700" cmpd="sng">
+                      <a:noFill/>
+                      <a:prstDash val="solid"/>
+                    </a:lnBlToTr>
+                    <a:solidFill>
+                      <a:schemeClr val="bg1">
+                        <a:lumMod val="85000"/>
+                      </a:schemeClr>
+                    </a:solidFill>
+                  </a:tcPr>
+                </a:tc>
+                <a:extLst>
+                  <a:ext uri="{0D108BD9-81ED-4DB2-BD59-A6C34878D82A}">
+                    <a16:rowId xmlns:a16="http://schemas.microsoft.com/office/drawing/2014/main" val="10000"/>
+                  </a:ext>
+                </a:extLst>
+              </a:tr>
+              <a:tr h="130023">
+                <a:tc>
+                  <a:txBody>
+                    <a:bodyPr/>
+                    <a:lstStyle>
+                      <a:defPPr>
+                        <a:defRPr lang="ko-KR"/>
+                      </a:defPPr>
+                      <a:lvl1pPr marL="0" algn="l" defTabSz="914400" rtl="0" eaLnBrk="1" latinLnBrk="1" hangingPunct="1">
+                        <a:defRPr sz="1800" kern="1200">
+                          <a:solidFill>
+                            <a:schemeClr val="dk1"/>
+                          </a:solidFill>
+                          <a:latin typeface="Arial"/>
+                          <a:ea typeface="맑은 고딕"/>
+                        </a:defRPr>
+                      </a:lvl1pPr>
+                      <a:lvl2pPr marL="457200" algn="l" defTabSz="914400" rtl="0" eaLnBrk="1" latinLnBrk="1" hangingPunct="1">
+                        <a:defRPr sz="1800" kern="1200">
+                          <a:solidFill>
+                            <a:schemeClr val="dk1"/>
+                          </a:solidFill>
+                          <a:latin typeface="Arial"/>
+                          <a:ea typeface="맑은 고딕"/>
+                        </a:defRPr>
+                      </a:lvl2pPr>
+                      <a:lvl3pPr marL="914400" algn="l" defTabSz="914400" rtl="0" eaLnBrk="1" latinLnBrk="1" hangingPunct="1">
+                        <a:defRPr sz="1800" kern="1200">
+                          <a:solidFill>
+                            <a:schemeClr val="dk1"/>
+                          </a:solidFill>
+                          <a:latin typeface="Arial"/>
+                          <a:ea typeface="맑은 고딕"/>
+                        </a:defRPr>
+                      </a:lvl3pPr>
+                      <a:lvl4pPr marL="1371600" algn="l" defTabSz="914400" rtl="0" eaLnBrk="1" latinLnBrk="1" hangingPunct="1">
+                        <a:defRPr sz="1800" kern="1200">
+                          <a:solidFill>
+                            <a:schemeClr val="dk1"/>
+                          </a:solidFill>
+                          <a:latin typeface="Arial"/>
+                          <a:ea typeface="맑은 고딕"/>
+                        </a:defRPr>
+                      </a:lvl4pPr>
+                      <a:lvl5pPr marL="1828800" algn="l" defTabSz="914400" rtl="0" eaLnBrk="1" latinLnBrk="1" hangingPunct="1">
+                        <a:defRPr sz="1800" kern="1200">
+                          <a:solidFill>
+                            <a:schemeClr val="dk1"/>
+                          </a:solidFill>
+                          <a:latin typeface="Arial"/>
+                          <a:ea typeface="맑은 고딕"/>
+                        </a:defRPr>
+                      </a:lvl5pPr>
+                      <a:lvl6pPr marL="2286000" algn="l" defTabSz="914400" rtl="0" eaLnBrk="1" latinLnBrk="1" hangingPunct="1">
+                        <a:defRPr sz="1800" kern="1200">
+                          <a:solidFill>
+                            <a:schemeClr val="dk1"/>
+                          </a:solidFill>
+                          <a:latin typeface="Arial"/>
+                          <a:ea typeface="맑은 고딕"/>
+                        </a:defRPr>
+                      </a:lvl6pPr>
+                      <a:lvl7pPr marL="2743200" algn="l" defTabSz="914400" rtl="0" eaLnBrk="1" latinLnBrk="1" hangingPunct="1">
+                        <a:defRPr sz="1800" kern="1200">
+                          <a:solidFill>
+                            <a:schemeClr val="dk1"/>
+                          </a:solidFill>
+                          <a:latin typeface="Arial"/>
+                          <a:ea typeface="맑은 고딕"/>
+                        </a:defRPr>
+                      </a:lvl7pPr>
+                      <a:lvl8pPr marL="3200400" algn="l" defTabSz="914400" rtl="0" eaLnBrk="1" latinLnBrk="1" hangingPunct="1">
+                        <a:defRPr sz="1800" kern="1200">
+                          <a:solidFill>
+                            <a:schemeClr val="dk1"/>
+                          </a:solidFill>
+                          <a:latin typeface="Arial"/>
+                          <a:ea typeface="맑은 고딕"/>
+                        </a:defRPr>
+                      </a:lvl8pPr>
+                      <a:lvl9pPr marL="3657600" algn="l" defTabSz="914400" rtl="0" eaLnBrk="1" latinLnBrk="1" hangingPunct="1">
+                        <a:defRPr sz="1800" kern="1200">
+                          <a:solidFill>
+                            <a:schemeClr val="dk1"/>
+                          </a:solidFill>
+                          <a:latin typeface="Arial"/>
+                          <a:ea typeface="맑은 고딕"/>
+                        </a:defRPr>
+                      </a:lvl9pPr>
+                    </a:lstStyle>
+                    <a:p>
+                      <a:pPr marL="0" marR="0" indent="0" algn="ctr" defTabSz="1388882" rtl="0" eaLnBrk="1" fontAlgn="auto" latinLnBrk="1" hangingPunct="1">
+                        <a:lnSpc>
+                          <a:spcPct val="90000"/>
+                        </a:lnSpc>
+                        <a:spcBef>
+                          <a:spcPts val="0"/>
+                        </a:spcBef>
+                        <a:spcAft>
+                          <a:spcPts val="0"/>
+                        </a:spcAft>
+                        <a:buClrTx/>
+                        <a:buSzTx/>
+                        <a:buFontTx/>
+                        <a:buNone/>
+                        <a:tabLst/>
+                        <a:defRPr/>
+                      </a:pPr>
+                      <a:r>
+                        <a:rPr lang="en-US" altLang="ko-KR" sz="800" b="0" kern="1200" dirty="0">
+                          <a:solidFill>
+                            <a:schemeClr val="tx1"/>
+                          </a:solidFill>
+                          <a:latin typeface="맑은 고딕" pitchFamily="50" charset="-127"/>
+                          <a:ea typeface="맑은 고딕" pitchFamily="50" charset="-127"/>
+                          <a:cs typeface="+mn-cs"/>
+                        </a:rPr>
+                        <a:t>30T Disk</a:t>
+                      </a:r>
+                      <a:endParaRPr lang="ko-KR" altLang="en-US" sz="800" b="0" kern="1200" dirty="0">
+                        <a:solidFill>
+                          <a:schemeClr val="tx1"/>
+                        </a:solidFill>
+                        <a:latin typeface="맑은 고딕" pitchFamily="50" charset="-127"/>
+                        <a:ea typeface="맑은 고딕" pitchFamily="50" charset="-127"/>
+                        <a:cs typeface="+mn-cs"/>
+                      </a:endParaRPr>
+                    </a:p>
+                  </a:txBody>
+                  <a:tcPr marL="91474" marR="91474" marT="45743" marB="45743">
+                    <a:lnL w="9525" cap="flat" cmpd="sng" algn="ctr">
+                      <a:solidFill>
+                        <a:srgbClr val="FFFFFF">
+                          <a:lumMod val="65000"/>
+                        </a:srgbClr>
+                      </a:solidFill>
+                      <a:prstDash val="solid"/>
+                      <a:round/>
+                      <a:headEnd type="none" w="med" len="med"/>
+                      <a:tailEnd type="none" w="med" len="med"/>
+                    </a:lnL>
+                    <a:lnR w="9525" cap="flat" cmpd="sng" algn="ctr">
+                      <a:solidFill>
+                        <a:srgbClr val="FFFFFF">
+                          <a:lumMod val="65000"/>
+                        </a:srgbClr>
+                      </a:solidFill>
+                      <a:prstDash val="solid"/>
+                      <a:round/>
+                      <a:headEnd type="none" w="med" len="med"/>
+                      <a:tailEnd type="none" w="med" len="med"/>
+                    </a:lnR>
+                    <a:lnT w="9525" cap="flat" cmpd="sng" algn="ctr">
+                      <a:solidFill>
+                        <a:srgbClr val="FFFFFF">
+                          <a:lumMod val="65000"/>
+                        </a:srgbClr>
+                      </a:solidFill>
+                      <a:prstDash val="solid"/>
+                      <a:round/>
+                      <a:headEnd type="none" w="med" len="med"/>
+                      <a:tailEnd type="none" w="med" len="med"/>
+                    </a:lnT>
+                    <a:lnB w="9525" cap="flat" cmpd="sng" algn="ctr">
+                      <a:solidFill>
+                        <a:srgbClr val="FFFFFF">
+                          <a:lumMod val="65000"/>
+                        </a:srgbClr>
+                      </a:solidFill>
+                      <a:prstDash val="solid"/>
+                      <a:round/>
+                      <a:headEnd type="none" w="med" len="med"/>
+                      <a:tailEnd type="none" w="med" len="med"/>
+                    </a:lnB>
+                    <a:lnTlToBr w="12700" cmpd="sng">
+                      <a:noFill/>
+                      <a:prstDash val="solid"/>
+                    </a:lnTlToBr>
+                    <a:lnBlToTr w="12700" cmpd="sng">
+                      <a:noFill/>
+                      <a:prstDash val="solid"/>
+                    </a:lnBlToTr>
+                    <a:solidFill>
+                      <a:schemeClr val="bg1">
+                        <a:lumMod val="85000"/>
+                      </a:schemeClr>
+                    </a:solidFill>
+                  </a:tcPr>
+                </a:tc>
+                <a:extLst>
+                  <a:ext uri="{0D108BD9-81ED-4DB2-BD59-A6C34878D82A}">
+                    <a16:rowId xmlns:a16="http://schemas.microsoft.com/office/drawing/2014/main" val="10001"/>
+                  </a:ext>
+                </a:extLst>
+              </a:tr>
+            </a:tbl>
+          </a:graphicData>
+        </a:graphic>
+      </p:graphicFrame>
+      <p:graphicFrame>
+        <p:nvGraphicFramePr>
+          <p:cNvPr id="30" name="표 29">
+            <a:extLst>
+              <a:ext uri="{FF2B5EF4-FFF2-40B4-BE49-F238E27FC236}">
+                <a16:creationId xmlns:a16="http://schemas.microsoft.com/office/drawing/2014/main" id="{A1DED790-4500-4BEF-BDBA-4B3FBE9EF644}"/>
+              </a:ext>
+            </a:extLst>
+          </p:cNvPr>
+          <p:cNvGraphicFramePr>
+            <a:graphicFrameLocks noGrp="1"/>
+          </p:cNvGraphicFramePr>
+          <p:nvPr>
+            <p:extLst>
+              <p:ext uri="{D42A27DB-BD31-4B8C-83A1-F6EECF244321}">
+                <p14:modId xmlns:p14="http://schemas.microsoft.com/office/powerpoint/2010/main" val="1401221498"/>
+              </p:ext>
+            </p:extLst>
+          </p:nvPr>
+        </p:nvGraphicFramePr>
+        <p:xfrm>
+          <a:off x="6668302" y="5699410"/>
+          <a:ext cx="1023913" cy="402428"/>
+        </p:xfrm>
+        <a:graphic>
+          <a:graphicData uri="http://schemas.openxmlformats.org/drawingml/2006/table">
+            <a:tbl>
+              <a:tblPr firstRow="1" bandRow="1"/>
+              <a:tblGrid>
+                <a:gridCol w="1023913">
+                  <a:extLst>
+                    <a:ext uri="{9D8B030D-6E8A-4147-A177-3AD203B41FA5}">
+                      <a16:colId xmlns:a16="http://schemas.microsoft.com/office/drawing/2014/main" val="20000"/>
+                    </a:ext>
+                  </a:extLst>
+                </a:gridCol>
+              </a:tblGrid>
+              <a:tr h="130023">
+                <a:tc>
+                  <a:txBody>
+                    <a:bodyPr/>
+                    <a:lstStyle/>
+                    <a:p>
+                      <a:pPr marL="0" marR="0" indent="0" algn="ctr" defTabSz="1388882" rtl="0" eaLnBrk="1" fontAlgn="auto" latinLnBrk="1" hangingPunct="1">
+                        <a:lnSpc>
+                          <a:spcPct val="90000"/>
+                        </a:lnSpc>
+                        <a:spcBef>
+                          <a:spcPts val="0"/>
+                        </a:spcBef>
+                        <a:spcAft>
+                          <a:spcPts val="0"/>
+                        </a:spcAft>
+                        <a:buClrTx/>
+                        <a:buSzTx/>
+                        <a:buFontTx/>
+                        <a:buNone/>
+                        <a:tabLst/>
+                        <a:defRPr/>
+                      </a:pPr>
+                      <a:r>
+                        <a:rPr lang="en-US" altLang="ko-KR" sz="800" b="0" kern="1200" dirty="0">
+                          <a:solidFill>
+                            <a:schemeClr val="tx1"/>
+                          </a:solidFill>
+                          <a:latin typeface="맑은 고딕" pitchFamily="50" charset="-127"/>
+                          <a:ea typeface="맑은 고딕" pitchFamily="50" charset="-127"/>
+                          <a:cs typeface="+mn-cs"/>
+                        </a:rPr>
+                        <a:t>24 CORE + 128G</a:t>
+                      </a:r>
+                      <a:endParaRPr lang="ko-KR" altLang="en-US" sz="800" b="0" kern="1200" dirty="0">
+                        <a:solidFill>
+                          <a:schemeClr val="tx1"/>
+                        </a:solidFill>
+                        <a:latin typeface="맑은 고딕" pitchFamily="50" charset="-127"/>
+                        <a:ea typeface="맑은 고딕" pitchFamily="50" charset="-127"/>
+                        <a:cs typeface="+mn-cs"/>
+                      </a:endParaRPr>
+                    </a:p>
+                  </a:txBody>
+                  <a:tcPr marL="91474" marR="91474" marT="45743" marB="45743">
+                    <a:lnL w="9525" cap="flat" cmpd="sng" algn="ctr">
+                      <a:solidFill>
+                        <a:srgbClr val="FFFFFF">
+                          <a:lumMod val="65000"/>
+                        </a:srgbClr>
+                      </a:solidFill>
+                      <a:prstDash val="solid"/>
+                      <a:round/>
+                      <a:headEnd type="none" w="med" len="med"/>
+                      <a:tailEnd type="none" w="med" len="med"/>
+                    </a:lnL>
+                    <a:lnR w="9525" cap="flat" cmpd="sng" algn="ctr">
+                      <a:solidFill>
+                        <a:srgbClr val="FFFFFF">
+                          <a:lumMod val="65000"/>
+                        </a:srgbClr>
+                      </a:solidFill>
+                      <a:prstDash val="solid"/>
+                      <a:round/>
+                      <a:headEnd type="none" w="med" len="med"/>
+                      <a:tailEnd type="none" w="med" len="med"/>
+                    </a:lnR>
+                    <a:lnT w="9525" cap="flat" cmpd="sng" algn="ctr">
+                      <a:solidFill>
+                        <a:srgbClr val="FFFFFF">
+                          <a:lumMod val="65000"/>
+                        </a:srgbClr>
+                      </a:solidFill>
+                      <a:prstDash val="solid"/>
+                      <a:round/>
+                      <a:headEnd type="none" w="med" len="med"/>
+                      <a:tailEnd type="none" w="med" len="med"/>
+                    </a:lnT>
+                    <a:lnB w="9525" cap="flat" cmpd="sng" algn="ctr">
+                      <a:solidFill>
+                        <a:srgbClr val="FFFFFF">
+                          <a:lumMod val="65000"/>
+                        </a:srgbClr>
+                      </a:solidFill>
+                      <a:prstDash val="solid"/>
+                      <a:round/>
+                      <a:headEnd type="none" w="med" len="med"/>
+                      <a:tailEnd type="none" w="med" len="med"/>
+                    </a:lnB>
+                    <a:lnTlToBr w="12700" cmpd="sng">
+                      <a:noFill/>
+                      <a:prstDash val="solid"/>
+                    </a:lnTlToBr>
+                    <a:lnBlToTr w="12700" cmpd="sng">
+                      <a:noFill/>
+                      <a:prstDash val="solid"/>
+                    </a:lnBlToTr>
+                    <a:solidFill>
+                      <a:schemeClr val="bg1">
+                        <a:lumMod val="85000"/>
+                      </a:schemeClr>
+                    </a:solidFill>
+                  </a:tcPr>
+                </a:tc>
+                <a:extLst>
+                  <a:ext uri="{0D108BD9-81ED-4DB2-BD59-A6C34878D82A}">
+                    <a16:rowId xmlns:a16="http://schemas.microsoft.com/office/drawing/2014/main" val="10000"/>
+                  </a:ext>
+                </a:extLst>
+              </a:tr>
+              <a:tr h="130023">
+                <a:tc>
+                  <a:txBody>
+                    <a:bodyPr/>
+                    <a:lstStyle>
+                      <a:defPPr>
+                        <a:defRPr lang="ko-KR"/>
+                      </a:defPPr>
+                      <a:lvl1pPr marL="0" algn="l" defTabSz="914400" rtl="0" eaLnBrk="1" latinLnBrk="1" hangingPunct="1">
+                        <a:defRPr sz="1800" kern="1200">
+                          <a:solidFill>
+                            <a:schemeClr val="dk1"/>
+                          </a:solidFill>
+                          <a:latin typeface="Arial"/>
+                          <a:ea typeface="맑은 고딕"/>
+                        </a:defRPr>
+                      </a:lvl1pPr>
+                      <a:lvl2pPr marL="457200" algn="l" defTabSz="914400" rtl="0" eaLnBrk="1" latinLnBrk="1" hangingPunct="1">
+                        <a:defRPr sz="1800" kern="1200">
+                          <a:solidFill>
+                            <a:schemeClr val="dk1"/>
+                          </a:solidFill>
+                          <a:latin typeface="Arial"/>
+                          <a:ea typeface="맑은 고딕"/>
+                        </a:defRPr>
+                      </a:lvl2pPr>
+                      <a:lvl3pPr marL="914400" algn="l" defTabSz="914400" rtl="0" eaLnBrk="1" latinLnBrk="1" hangingPunct="1">
+                        <a:defRPr sz="1800" kern="1200">
+                          <a:solidFill>
+                            <a:schemeClr val="dk1"/>
+                          </a:solidFill>
+                          <a:latin typeface="Arial"/>
+                          <a:ea typeface="맑은 고딕"/>
+                        </a:defRPr>
+                      </a:lvl3pPr>
+                      <a:lvl4pPr marL="1371600" algn="l" defTabSz="914400" rtl="0" eaLnBrk="1" latinLnBrk="1" hangingPunct="1">
+                        <a:defRPr sz="1800" kern="1200">
+                          <a:solidFill>
+                            <a:schemeClr val="dk1"/>
+                          </a:solidFill>
+                          <a:latin typeface="Arial"/>
+                          <a:ea typeface="맑은 고딕"/>
+                        </a:defRPr>
+                      </a:lvl4pPr>
+                      <a:lvl5pPr marL="1828800" algn="l" defTabSz="914400" rtl="0" eaLnBrk="1" latinLnBrk="1" hangingPunct="1">
+                        <a:defRPr sz="1800" kern="1200">
+                          <a:solidFill>
+                            <a:schemeClr val="dk1"/>
+                          </a:solidFill>
+                          <a:latin typeface="Arial"/>
+                          <a:ea typeface="맑은 고딕"/>
+                        </a:defRPr>
+                      </a:lvl5pPr>
+                      <a:lvl6pPr marL="2286000" algn="l" defTabSz="914400" rtl="0" eaLnBrk="1" latinLnBrk="1" hangingPunct="1">
+                        <a:defRPr sz="1800" kern="1200">
+                          <a:solidFill>
+                            <a:schemeClr val="dk1"/>
+                          </a:solidFill>
+                          <a:latin typeface="Arial"/>
+                          <a:ea typeface="맑은 고딕"/>
+                        </a:defRPr>
+                      </a:lvl6pPr>
+                      <a:lvl7pPr marL="2743200" algn="l" defTabSz="914400" rtl="0" eaLnBrk="1" latinLnBrk="1" hangingPunct="1">
+                        <a:defRPr sz="1800" kern="1200">
+                          <a:solidFill>
+                            <a:schemeClr val="dk1"/>
+                          </a:solidFill>
+                          <a:latin typeface="Arial"/>
+                          <a:ea typeface="맑은 고딕"/>
+                        </a:defRPr>
+                      </a:lvl7pPr>
+                      <a:lvl8pPr marL="3200400" algn="l" defTabSz="914400" rtl="0" eaLnBrk="1" latinLnBrk="1" hangingPunct="1">
+                        <a:defRPr sz="1800" kern="1200">
+                          <a:solidFill>
+                            <a:schemeClr val="dk1"/>
+                          </a:solidFill>
+                          <a:latin typeface="Arial"/>
+                          <a:ea typeface="맑은 고딕"/>
+                        </a:defRPr>
+                      </a:lvl8pPr>
+                      <a:lvl9pPr marL="3657600" algn="l" defTabSz="914400" rtl="0" eaLnBrk="1" latinLnBrk="1" hangingPunct="1">
+                        <a:defRPr sz="1800" kern="1200">
+                          <a:solidFill>
+                            <a:schemeClr val="dk1"/>
+                          </a:solidFill>
+                          <a:latin typeface="Arial"/>
+                          <a:ea typeface="맑은 고딕"/>
+                        </a:defRPr>
+                      </a:lvl9pPr>
+                    </a:lstStyle>
+                    <a:p>
+                      <a:pPr marL="0" marR="0" indent="0" algn="ctr" defTabSz="1388882" rtl="0" eaLnBrk="1" fontAlgn="auto" latinLnBrk="1" hangingPunct="1">
+                        <a:lnSpc>
+                          <a:spcPct val="90000"/>
+                        </a:lnSpc>
+                        <a:spcBef>
+                          <a:spcPts val="0"/>
+                        </a:spcBef>
+                        <a:spcAft>
+                          <a:spcPts val="0"/>
+                        </a:spcAft>
+                        <a:buClrTx/>
+                        <a:buSzTx/>
+                        <a:buFontTx/>
+                        <a:buNone/>
+                        <a:tabLst/>
+                        <a:defRPr/>
+                      </a:pPr>
+                      <a:r>
+                        <a:rPr lang="en-US" altLang="ko-KR" sz="800" b="0" kern="1200" dirty="0">
+                          <a:solidFill>
+                            <a:schemeClr val="tx1"/>
+                          </a:solidFill>
+                          <a:latin typeface="맑은 고딕" pitchFamily="50" charset="-127"/>
+                          <a:ea typeface="맑은 고딕" pitchFamily="50" charset="-127"/>
+                          <a:cs typeface="+mn-cs"/>
+                        </a:rPr>
+                        <a:t>30T Disk</a:t>
+                      </a:r>
+                      <a:endParaRPr lang="ko-KR" altLang="en-US" sz="800" b="0" kern="1200" dirty="0">
+                        <a:solidFill>
+                          <a:schemeClr val="tx1"/>
+                        </a:solidFill>
+                        <a:latin typeface="맑은 고딕" pitchFamily="50" charset="-127"/>
+                        <a:ea typeface="맑은 고딕" pitchFamily="50" charset="-127"/>
+                        <a:cs typeface="+mn-cs"/>
+                      </a:endParaRPr>
+                    </a:p>
+                  </a:txBody>
+                  <a:tcPr marL="91474" marR="91474" marT="45743" marB="45743">
+                    <a:lnL w="9525" cap="flat" cmpd="sng" algn="ctr">
+                      <a:solidFill>
+                        <a:srgbClr val="FFFFFF">
+                          <a:lumMod val="65000"/>
+                        </a:srgbClr>
+                      </a:solidFill>
+                      <a:prstDash val="solid"/>
+                      <a:round/>
+                      <a:headEnd type="none" w="med" len="med"/>
+                      <a:tailEnd type="none" w="med" len="med"/>
+                    </a:lnL>
+                    <a:lnR w="9525" cap="flat" cmpd="sng" algn="ctr">
+                      <a:solidFill>
+                        <a:srgbClr val="FFFFFF">
+                          <a:lumMod val="65000"/>
+                        </a:srgbClr>
+                      </a:solidFill>
+                      <a:prstDash val="solid"/>
+                      <a:round/>
+                      <a:headEnd type="none" w="med" len="med"/>
+                      <a:tailEnd type="none" w="med" len="med"/>
+                    </a:lnR>
+                    <a:lnT w="9525" cap="flat" cmpd="sng" algn="ctr">
+                      <a:solidFill>
+                        <a:srgbClr val="FFFFFF">
+                          <a:lumMod val="65000"/>
+                        </a:srgbClr>
+                      </a:solidFill>
+                      <a:prstDash val="solid"/>
+                      <a:round/>
+                      <a:headEnd type="none" w="med" len="med"/>
+                      <a:tailEnd type="none" w="med" len="med"/>
+                    </a:lnT>
+                    <a:lnB w="9525" cap="flat" cmpd="sng" algn="ctr">
+                      <a:solidFill>
+                        <a:srgbClr val="FFFFFF">
+                          <a:lumMod val="65000"/>
+                        </a:srgbClr>
+                      </a:solidFill>
+                      <a:prstDash val="solid"/>
+                      <a:round/>
+                      <a:headEnd type="none" w="med" len="med"/>
+                      <a:tailEnd type="none" w="med" len="med"/>
+                    </a:lnB>
+                    <a:lnTlToBr w="12700" cmpd="sng">
+                      <a:noFill/>
+                      <a:prstDash val="solid"/>
+                    </a:lnTlToBr>
+                    <a:lnBlToTr w="12700" cmpd="sng">
+                      <a:noFill/>
+                      <a:prstDash val="solid"/>
+                    </a:lnBlToTr>
+                    <a:solidFill>
+                      <a:schemeClr val="bg1">
+                        <a:lumMod val="85000"/>
+                      </a:schemeClr>
+                    </a:solidFill>
+                  </a:tcPr>
+                </a:tc>
+                <a:extLst>
+                  <a:ext uri="{0D108BD9-81ED-4DB2-BD59-A6C34878D82A}">
+                    <a16:rowId xmlns:a16="http://schemas.microsoft.com/office/drawing/2014/main" val="10001"/>
+                  </a:ext>
+                </a:extLst>
+              </a:tr>
+            </a:tbl>
+          </a:graphicData>
+        </a:graphic>
+      </p:graphicFrame>
+      <p:graphicFrame>
+        <p:nvGraphicFramePr>
+          <p:cNvPr id="31" name="표 30">
+            <a:extLst>
+              <a:ext uri="{FF2B5EF4-FFF2-40B4-BE49-F238E27FC236}">
+                <a16:creationId xmlns:a16="http://schemas.microsoft.com/office/drawing/2014/main" id="{7960D1AE-1E0A-4021-A478-3E5A3BE1A5C4}"/>
+              </a:ext>
+            </a:extLst>
+          </p:cNvPr>
+          <p:cNvGraphicFramePr>
+            <a:graphicFrameLocks noGrp="1"/>
+          </p:cNvGraphicFramePr>
+          <p:nvPr>
+            <p:extLst>
+              <p:ext uri="{D42A27DB-BD31-4B8C-83A1-F6EECF244321}">
+                <p14:modId xmlns:p14="http://schemas.microsoft.com/office/powerpoint/2010/main" val="2096784125"/>
+              </p:ext>
+            </p:extLst>
+          </p:nvPr>
+        </p:nvGraphicFramePr>
+        <p:xfrm>
+          <a:off x="866300" y="2766553"/>
           <a:ext cx="951982" cy="402428"/>
         </p:xfrm>
         <a:graphic>
@@ -22274,7 +23743,7 @@
                           <a:ea typeface="맑은 고딕" pitchFamily="50" charset="-127"/>
                           <a:cs typeface="+mn-cs"/>
                         </a:rPr>
-                        <a:t>24 CORE + 16G</a:t>
+                        <a:t>24 CORE + 48G</a:t>
                       </a:r>
                       <a:endParaRPr lang="ko-KR" altLang="en-US" sz="800" b="0" kern="1200" dirty="0">
                         <a:solidFill>
@@ -22462,1390 +23931,6 @@
                       </a:pPr>
                       <a:r>
                         <a:rPr lang="en-US" altLang="ko-KR" sz="800" b="0" kern="1200" dirty="0">
-                          <a:solidFill>
-                            <a:schemeClr val="tx1"/>
-                          </a:solidFill>
-                          <a:latin typeface="맑은 고딕" pitchFamily="50" charset="-127"/>
-                          <a:ea typeface="맑은 고딕" pitchFamily="50" charset="-127"/>
-                          <a:cs typeface="+mn-cs"/>
-                        </a:rPr>
-                        <a:t>4T Disk</a:t>
-                      </a:r>
-                      <a:endParaRPr lang="ko-KR" altLang="en-US" sz="800" b="0" kern="1200" dirty="0">
-                        <a:solidFill>
-                          <a:schemeClr val="tx1"/>
-                        </a:solidFill>
-                        <a:latin typeface="맑은 고딕" pitchFamily="50" charset="-127"/>
-                        <a:ea typeface="맑은 고딕" pitchFamily="50" charset="-127"/>
-                        <a:cs typeface="+mn-cs"/>
-                      </a:endParaRPr>
-                    </a:p>
-                  </a:txBody>
-                  <a:tcPr marL="91474" marR="91474" marT="45743" marB="45743">
-                    <a:lnL w="9525" cap="flat" cmpd="sng" algn="ctr">
-                      <a:solidFill>
-                        <a:srgbClr val="FFFFFF">
-                          <a:lumMod val="65000"/>
-                        </a:srgbClr>
-                      </a:solidFill>
-                      <a:prstDash val="solid"/>
-                      <a:round/>
-                      <a:headEnd type="none" w="med" len="med"/>
-                      <a:tailEnd type="none" w="med" len="med"/>
-                    </a:lnL>
-                    <a:lnR w="9525" cap="flat" cmpd="sng" algn="ctr">
-                      <a:solidFill>
-                        <a:srgbClr val="FFFFFF">
-                          <a:lumMod val="65000"/>
-                        </a:srgbClr>
-                      </a:solidFill>
-                      <a:prstDash val="solid"/>
-                      <a:round/>
-                      <a:headEnd type="none" w="med" len="med"/>
-                      <a:tailEnd type="none" w="med" len="med"/>
-                    </a:lnR>
-                    <a:lnT w="9525" cap="flat" cmpd="sng" algn="ctr">
-                      <a:solidFill>
-                        <a:srgbClr val="FFFFFF">
-                          <a:lumMod val="65000"/>
-                        </a:srgbClr>
-                      </a:solidFill>
-                      <a:prstDash val="solid"/>
-                      <a:round/>
-                      <a:headEnd type="none" w="med" len="med"/>
-                      <a:tailEnd type="none" w="med" len="med"/>
-                    </a:lnT>
-                    <a:lnB w="9525" cap="flat" cmpd="sng" algn="ctr">
-                      <a:solidFill>
-                        <a:srgbClr val="FFFFFF">
-                          <a:lumMod val="65000"/>
-                        </a:srgbClr>
-                      </a:solidFill>
-                      <a:prstDash val="solid"/>
-                      <a:round/>
-                      <a:headEnd type="none" w="med" len="med"/>
-                      <a:tailEnd type="none" w="med" len="med"/>
-                    </a:lnB>
-                    <a:lnTlToBr w="12700" cmpd="sng">
-                      <a:noFill/>
-                      <a:prstDash val="solid"/>
-                    </a:lnTlToBr>
-                    <a:lnBlToTr w="12700" cmpd="sng">
-                      <a:noFill/>
-                      <a:prstDash val="solid"/>
-                    </a:lnBlToTr>
-                    <a:solidFill>
-                      <a:schemeClr val="bg1">
-                        <a:lumMod val="85000"/>
-                      </a:schemeClr>
-                    </a:solidFill>
-                  </a:tcPr>
-                </a:tc>
-                <a:extLst>
-                  <a:ext uri="{0D108BD9-81ED-4DB2-BD59-A6C34878D82A}">
-                    <a16:rowId xmlns:a16="http://schemas.microsoft.com/office/drawing/2014/main" val="10001"/>
-                  </a:ext>
-                </a:extLst>
-              </a:tr>
-            </a:tbl>
-          </a:graphicData>
-        </a:graphic>
-      </p:graphicFrame>
-      <p:graphicFrame>
-        <p:nvGraphicFramePr>
-          <p:cNvPr id="28" name="표 27">
-            <a:extLst>
-              <a:ext uri="{FF2B5EF4-FFF2-40B4-BE49-F238E27FC236}">
-                <a16:creationId xmlns:a16="http://schemas.microsoft.com/office/drawing/2014/main" id="{C04D8146-DB2F-4E3C-82FF-284DE8081132}"/>
-              </a:ext>
-            </a:extLst>
-          </p:cNvPr>
-          <p:cNvGraphicFramePr>
-            <a:graphicFrameLocks noGrp="1"/>
-          </p:cNvGraphicFramePr>
-          <p:nvPr>
-            <p:extLst>
-              <p:ext uri="{D42A27DB-BD31-4B8C-83A1-F6EECF244321}">
-                <p14:modId xmlns:p14="http://schemas.microsoft.com/office/powerpoint/2010/main" val="2642677952"/>
-              </p:ext>
-            </p:extLst>
-          </p:nvPr>
-        </p:nvGraphicFramePr>
-        <p:xfrm>
-          <a:off x="3286290" y="5699410"/>
-          <a:ext cx="1018638" cy="402428"/>
-        </p:xfrm>
-        <a:graphic>
-          <a:graphicData uri="http://schemas.openxmlformats.org/drawingml/2006/table">
-            <a:tbl>
-              <a:tblPr firstRow="1" bandRow="1"/>
-              <a:tblGrid>
-                <a:gridCol w="1018638">
-                  <a:extLst>
-                    <a:ext uri="{9D8B030D-6E8A-4147-A177-3AD203B41FA5}">
-                      <a16:colId xmlns:a16="http://schemas.microsoft.com/office/drawing/2014/main" val="20000"/>
-                    </a:ext>
-                  </a:extLst>
-                </a:gridCol>
-              </a:tblGrid>
-              <a:tr h="130023">
-                <a:tc>
-                  <a:txBody>
-                    <a:bodyPr/>
-                    <a:lstStyle/>
-                    <a:p>
-                      <a:pPr marL="0" marR="0" indent="0" algn="ctr" defTabSz="1388882" rtl="0" eaLnBrk="1" fontAlgn="auto" latinLnBrk="1" hangingPunct="1">
-                        <a:lnSpc>
-                          <a:spcPct val="90000"/>
-                        </a:lnSpc>
-                        <a:spcBef>
-                          <a:spcPts val="0"/>
-                        </a:spcBef>
-                        <a:spcAft>
-                          <a:spcPts val="0"/>
-                        </a:spcAft>
-                        <a:buClrTx/>
-                        <a:buSzTx/>
-                        <a:buFontTx/>
-                        <a:buNone/>
-                        <a:tabLst/>
-                        <a:defRPr/>
-                      </a:pPr>
-                      <a:r>
-                        <a:rPr lang="en-US" altLang="ko-KR" sz="800" b="0" kern="1200" dirty="0">
-                          <a:solidFill>
-                            <a:schemeClr val="tx1"/>
-                          </a:solidFill>
-                          <a:latin typeface="맑은 고딕" pitchFamily="50" charset="-127"/>
-                          <a:ea typeface="맑은 고딕" pitchFamily="50" charset="-127"/>
-                          <a:cs typeface="+mn-cs"/>
-                        </a:rPr>
-                        <a:t>24 CORE + 128G</a:t>
-                      </a:r>
-                      <a:endParaRPr lang="ko-KR" altLang="en-US" sz="800" b="0" kern="1200" dirty="0">
-                        <a:solidFill>
-                          <a:schemeClr val="tx1"/>
-                        </a:solidFill>
-                        <a:latin typeface="맑은 고딕" pitchFamily="50" charset="-127"/>
-                        <a:ea typeface="맑은 고딕" pitchFamily="50" charset="-127"/>
-                        <a:cs typeface="+mn-cs"/>
-                      </a:endParaRPr>
-                    </a:p>
-                  </a:txBody>
-                  <a:tcPr marL="91474" marR="91474" marT="45743" marB="45743">
-                    <a:lnL w="9525" cap="flat" cmpd="sng" algn="ctr">
-                      <a:solidFill>
-                        <a:srgbClr val="FFFFFF">
-                          <a:lumMod val="65000"/>
-                        </a:srgbClr>
-                      </a:solidFill>
-                      <a:prstDash val="solid"/>
-                      <a:round/>
-                      <a:headEnd type="none" w="med" len="med"/>
-                      <a:tailEnd type="none" w="med" len="med"/>
-                    </a:lnL>
-                    <a:lnR w="9525" cap="flat" cmpd="sng" algn="ctr">
-                      <a:solidFill>
-                        <a:srgbClr val="FFFFFF">
-                          <a:lumMod val="65000"/>
-                        </a:srgbClr>
-                      </a:solidFill>
-                      <a:prstDash val="solid"/>
-                      <a:round/>
-                      <a:headEnd type="none" w="med" len="med"/>
-                      <a:tailEnd type="none" w="med" len="med"/>
-                    </a:lnR>
-                    <a:lnT w="9525" cap="flat" cmpd="sng" algn="ctr">
-                      <a:solidFill>
-                        <a:srgbClr val="FFFFFF">
-                          <a:lumMod val="65000"/>
-                        </a:srgbClr>
-                      </a:solidFill>
-                      <a:prstDash val="solid"/>
-                      <a:round/>
-                      <a:headEnd type="none" w="med" len="med"/>
-                      <a:tailEnd type="none" w="med" len="med"/>
-                    </a:lnT>
-                    <a:lnB w="9525" cap="flat" cmpd="sng" algn="ctr">
-                      <a:solidFill>
-                        <a:srgbClr val="FFFFFF">
-                          <a:lumMod val="65000"/>
-                        </a:srgbClr>
-                      </a:solidFill>
-                      <a:prstDash val="solid"/>
-                      <a:round/>
-                      <a:headEnd type="none" w="med" len="med"/>
-                      <a:tailEnd type="none" w="med" len="med"/>
-                    </a:lnB>
-                    <a:lnTlToBr w="12700" cmpd="sng">
-                      <a:noFill/>
-                      <a:prstDash val="solid"/>
-                    </a:lnTlToBr>
-                    <a:lnBlToTr w="12700" cmpd="sng">
-                      <a:noFill/>
-                      <a:prstDash val="solid"/>
-                    </a:lnBlToTr>
-                    <a:solidFill>
-                      <a:schemeClr val="bg1">
-                        <a:lumMod val="85000"/>
-                      </a:schemeClr>
-                    </a:solidFill>
-                  </a:tcPr>
-                </a:tc>
-                <a:extLst>
-                  <a:ext uri="{0D108BD9-81ED-4DB2-BD59-A6C34878D82A}">
-                    <a16:rowId xmlns:a16="http://schemas.microsoft.com/office/drawing/2014/main" val="10000"/>
-                  </a:ext>
-                </a:extLst>
-              </a:tr>
-              <a:tr h="130023">
-                <a:tc>
-                  <a:txBody>
-                    <a:bodyPr/>
-                    <a:lstStyle>
-                      <a:defPPr>
-                        <a:defRPr lang="ko-KR"/>
-                      </a:defPPr>
-                      <a:lvl1pPr marL="0" algn="l" defTabSz="914400" rtl="0" eaLnBrk="1" latinLnBrk="1" hangingPunct="1">
-                        <a:defRPr sz="1800" kern="1200">
-                          <a:solidFill>
-                            <a:schemeClr val="dk1"/>
-                          </a:solidFill>
-                          <a:latin typeface="Arial"/>
-                          <a:ea typeface="맑은 고딕"/>
-                        </a:defRPr>
-                      </a:lvl1pPr>
-                      <a:lvl2pPr marL="457200" algn="l" defTabSz="914400" rtl="0" eaLnBrk="1" latinLnBrk="1" hangingPunct="1">
-                        <a:defRPr sz="1800" kern="1200">
-                          <a:solidFill>
-                            <a:schemeClr val="dk1"/>
-                          </a:solidFill>
-                          <a:latin typeface="Arial"/>
-                          <a:ea typeface="맑은 고딕"/>
-                        </a:defRPr>
-                      </a:lvl2pPr>
-                      <a:lvl3pPr marL="914400" algn="l" defTabSz="914400" rtl="0" eaLnBrk="1" latinLnBrk="1" hangingPunct="1">
-                        <a:defRPr sz="1800" kern="1200">
-                          <a:solidFill>
-                            <a:schemeClr val="dk1"/>
-                          </a:solidFill>
-                          <a:latin typeface="Arial"/>
-                          <a:ea typeface="맑은 고딕"/>
-                        </a:defRPr>
-                      </a:lvl3pPr>
-                      <a:lvl4pPr marL="1371600" algn="l" defTabSz="914400" rtl="0" eaLnBrk="1" latinLnBrk="1" hangingPunct="1">
-                        <a:defRPr sz="1800" kern="1200">
-                          <a:solidFill>
-                            <a:schemeClr val="dk1"/>
-                          </a:solidFill>
-                          <a:latin typeface="Arial"/>
-                          <a:ea typeface="맑은 고딕"/>
-                        </a:defRPr>
-                      </a:lvl4pPr>
-                      <a:lvl5pPr marL="1828800" algn="l" defTabSz="914400" rtl="0" eaLnBrk="1" latinLnBrk="1" hangingPunct="1">
-                        <a:defRPr sz="1800" kern="1200">
-                          <a:solidFill>
-                            <a:schemeClr val="dk1"/>
-                          </a:solidFill>
-                          <a:latin typeface="Arial"/>
-                          <a:ea typeface="맑은 고딕"/>
-                        </a:defRPr>
-                      </a:lvl5pPr>
-                      <a:lvl6pPr marL="2286000" algn="l" defTabSz="914400" rtl="0" eaLnBrk="1" latinLnBrk="1" hangingPunct="1">
-                        <a:defRPr sz="1800" kern="1200">
-                          <a:solidFill>
-                            <a:schemeClr val="dk1"/>
-                          </a:solidFill>
-                          <a:latin typeface="Arial"/>
-                          <a:ea typeface="맑은 고딕"/>
-                        </a:defRPr>
-                      </a:lvl6pPr>
-                      <a:lvl7pPr marL="2743200" algn="l" defTabSz="914400" rtl="0" eaLnBrk="1" latinLnBrk="1" hangingPunct="1">
-                        <a:defRPr sz="1800" kern="1200">
-                          <a:solidFill>
-                            <a:schemeClr val="dk1"/>
-                          </a:solidFill>
-                          <a:latin typeface="Arial"/>
-                          <a:ea typeface="맑은 고딕"/>
-                        </a:defRPr>
-                      </a:lvl7pPr>
-                      <a:lvl8pPr marL="3200400" algn="l" defTabSz="914400" rtl="0" eaLnBrk="1" latinLnBrk="1" hangingPunct="1">
-                        <a:defRPr sz="1800" kern="1200">
-                          <a:solidFill>
-                            <a:schemeClr val="dk1"/>
-                          </a:solidFill>
-                          <a:latin typeface="Arial"/>
-                          <a:ea typeface="맑은 고딕"/>
-                        </a:defRPr>
-                      </a:lvl8pPr>
-                      <a:lvl9pPr marL="3657600" algn="l" defTabSz="914400" rtl="0" eaLnBrk="1" latinLnBrk="1" hangingPunct="1">
-                        <a:defRPr sz="1800" kern="1200">
-                          <a:solidFill>
-                            <a:schemeClr val="dk1"/>
-                          </a:solidFill>
-                          <a:latin typeface="Arial"/>
-                          <a:ea typeface="맑은 고딕"/>
-                        </a:defRPr>
-                      </a:lvl9pPr>
-                    </a:lstStyle>
-                    <a:p>
-                      <a:pPr marL="0" marR="0" indent="0" algn="ctr" defTabSz="1388882" rtl="0" eaLnBrk="1" fontAlgn="auto" latinLnBrk="1" hangingPunct="1">
-                        <a:lnSpc>
-                          <a:spcPct val="90000"/>
-                        </a:lnSpc>
-                        <a:spcBef>
-                          <a:spcPts val="0"/>
-                        </a:spcBef>
-                        <a:spcAft>
-                          <a:spcPts val="0"/>
-                        </a:spcAft>
-                        <a:buClrTx/>
-                        <a:buSzTx/>
-                        <a:buFontTx/>
-                        <a:buNone/>
-                        <a:tabLst/>
-                        <a:defRPr/>
-                      </a:pPr>
-                      <a:r>
-                        <a:rPr lang="en-US" altLang="ko-KR" sz="800" b="0" kern="1200" dirty="0">
-                          <a:solidFill>
-                            <a:schemeClr val="tx1"/>
-                          </a:solidFill>
-                          <a:latin typeface="맑은 고딕" pitchFamily="50" charset="-127"/>
-                          <a:ea typeface="맑은 고딕" pitchFamily="50" charset="-127"/>
-                          <a:cs typeface="+mn-cs"/>
-                        </a:rPr>
-                        <a:t>32T Disk</a:t>
-                      </a:r>
-                      <a:endParaRPr lang="ko-KR" altLang="en-US" sz="800" b="0" kern="1200" dirty="0">
-                        <a:solidFill>
-                          <a:schemeClr val="tx1"/>
-                        </a:solidFill>
-                        <a:latin typeface="맑은 고딕" pitchFamily="50" charset="-127"/>
-                        <a:ea typeface="맑은 고딕" pitchFamily="50" charset="-127"/>
-                        <a:cs typeface="+mn-cs"/>
-                      </a:endParaRPr>
-                    </a:p>
-                  </a:txBody>
-                  <a:tcPr marL="91474" marR="91474" marT="45743" marB="45743">
-                    <a:lnL w="9525" cap="flat" cmpd="sng" algn="ctr">
-                      <a:solidFill>
-                        <a:srgbClr val="FFFFFF">
-                          <a:lumMod val="65000"/>
-                        </a:srgbClr>
-                      </a:solidFill>
-                      <a:prstDash val="solid"/>
-                      <a:round/>
-                      <a:headEnd type="none" w="med" len="med"/>
-                      <a:tailEnd type="none" w="med" len="med"/>
-                    </a:lnL>
-                    <a:lnR w="9525" cap="flat" cmpd="sng" algn="ctr">
-                      <a:solidFill>
-                        <a:srgbClr val="FFFFFF">
-                          <a:lumMod val="65000"/>
-                        </a:srgbClr>
-                      </a:solidFill>
-                      <a:prstDash val="solid"/>
-                      <a:round/>
-                      <a:headEnd type="none" w="med" len="med"/>
-                      <a:tailEnd type="none" w="med" len="med"/>
-                    </a:lnR>
-                    <a:lnT w="9525" cap="flat" cmpd="sng" algn="ctr">
-                      <a:solidFill>
-                        <a:srgbClr val="FFFFFF">
-                          <a:lumMod val="65000"/>
-                        </a:srgbClr>
-                      </a:solidFill>
-                      <a:prstDash val="solid"/>
-                      <a:round/>
-                      <a:headEnd type="none" w="med" len="med"/>
-                      <a:tailEnd type="none" w="med" len="med"/>
-                    </a:lnT>
-                    <a:lnB w="9525" cap="flat" cmpd="sng" algn="ctr">
-                      <a:solidFill>
-                        <a:srgbClr val="FFFFFF">
-                          <a:lumMod val="65000"/>
-                        </a:srgbClr>
-                      </a:solidFill>
-                      <a:prstDash val="solid"/>
-                      <a:round/>
-                      <a:headEnd type="none" w="med" len="med"/>
-                      <a:tailEnd type="none" w="med" len="med"/>
-                    </a:lnB>
-                    <a:lnTlToBr w="12700" cmpd="sng">
-                      <a:noFill/>
-                      <a:prstDash val="solid"/>
-                    </a:lnTlToBr>
-                    <a:lnBlToTr w="12700" cmpd="sng">
-                      <a:noFill/>
-                      <a:prstDash val="solid"/>
-                    </a:lnBlToTr>
-                    <a:solidFill>
-                      <a:schemeClr val="bg1">
-                        <a:lumMod val="85000"/>
-                      </a:schemeClr>
-                    </a:solidFill>
-                  </a:tcPr>
-                </a:tc>
-                <a:extLst>
-                  <a:ext uri="{0D108BD9-81ED-4DB2-BD59-A6C34878D82A}">
-                    <a16:rowId xmlns:a16="http://schemas.microsoft.com/office/drawing/2014/main" val="10001"/>
-                  </a:ext>
-                </a:extLst>
-              </a:tr>
-            </a:tbl>
-          </a:graphicData>
-        </a:graphic>
-      </p:graphicFrame>
-      <p:graphicFrame>
-        <p:nvGraphicFramePr>
-          <p:cNvPr id="29" name="표 28">
-            <a:extLst>
-              <a:ext uri="{FF2B5EF4-FFF2-40B4-BE49-F238E27FC236}">
-                <a16:creationId xmlns:a16="http://schemas.microsoft.com/office/drawing/2014/main" id="{1BA9EE50-9F98-442D-AF05-796301B7B76F}"/>
-              </a:ext>
-            </a:extLst>
-          </p:cNvPr>
-          <p:cNvGraphicFramePr>
-            <a:graphicFrameLocks noGrp="1"/>
-          </p:cNvGraphicFramePr>
-          <p:nvPr>
-            <p:extLst>
-              <p:ext uri="{D42A27DB-BD31-4B8C-83A1-F6EECF244321}">
-                <p14:modId xmlns:p14="http://schemas.microsoft.com/office/powerpoint/2010/main" val="3250975535"/>
-              </p:ext>
-            </p:extLst>
-          </p:nvPr>
-        </p:nvGraphicFramePr>
-        <p:xfrm>
-          <a:off x="4524891" y="5699410"/>
-          <a:ext cx="1000882" cy="402428"/>
-        </p:xfrm>
-        <a:graphic>
-          <a:graphicData uri="http://schemas.openxmlformats.org/drawingml/2006/table">
-            <a:tbl>
-              <a:tblPr firstRow="1" bandRow="1"/>
-              <a:tblGrid>
-                <a:gridCol w="1000882">
-                  <a:extLst>
-                    <a:ext uri="{9D8B030D-6E8A-4147-A177-3AD203B41FA5}">
-                      <a16:colId xmlns:a16="http://schemas.microsoft.com/office/drawing/2014/main" val="20000"/>
-                    </a:ext>
-                  </a:extLst>
-                </a:gridCol>
-              </a:tblGrid>
-              <a:tr h="130023">
-                <a:tc>
-                  <a:txBody>
-                    <a:bodyPr/>
-                    <a:lstStyle/>
-                    <a:p>
-                      <a:pPr marL="0" marR="0" indent="0" algn="ctr" defTabSz="1388882" rtl="0" eaLnBrk="1" fontAlgn="auto" latinLnBrk="1" hangingPunct="1">
-                        <a:lnSpc>
-                          <a:spcPct val="90000"/>
-                        </a:lnSpc>
-                        <a:spcBef>
-                          <a:spcPts val="0"/>
-                        </a:spcBef>
-                        <a:spcAft>
-                          <a:spcPts val="0"/>
-                        </a:spcAft>
-                        <a:buClrTx/>
-                        <a:buSzTx/>
-                        <a:buFontTx/>
-                        <a:buNone/>
-                        <a:tabLst/>
-                        <a:defRPr/>
-                      </a:pPr>
-                      <a:r>
-                        <a:rPr lang="en-US" altLang="ko-KR" sz="800" b="0" kern="1200" dirty="0">
-                          <a:solidFill>
-                            <a:schemeClr val="tx1"/>
-                          </a:solidFill>
-                          <a:latin typeface="맑은 고딕" pitchFamily="50" charset="-127"/>
-                          <a:ea typeface="맑은 고딕" pitchFamily="50" charset="-127"/>
-                          <a:cs typeface="+mn-cs"/>
-                        </a:rPr>
-                        <a:t>24 CORE + 128G</a:t>
-                      </a:r>
-                      <a:endParaRPr lang="ko-KR" altLang="en-US" sz="800" b="0" kern="1200" dirty="0">
-                        <a:solidFill>
-                          <a:schemeClr val="tx1"/>
-                        </a:solidFill>
-                        <a:latin typeface="맑은 고딕" pitchFamily="50" charset="-127"/>
-                        <a:ea typeface="맑은 고딕" pitchFamily="50" charset="-127"/>
-                        <a:cs typeface="+mn-cs"/>
-                      </a:endParaRPr>
-                    </a:p>
-                  </a:txBody>
-                  <a:tcPr marL="91474" marR="91474" marT="45743" marB="45743">
-                    <a:lnL w="9525" cap="flat" cmpd="sng" algn="ctr">
-                      <a:solidFill>
-                        <a:srgbClr val="FFFFFF">
-                          <a:lumMod val="65000"/>
-                        </a:srgbClr>
-                      </a:solidFill>
-                      <a:prstDash val="solid"/>
-                      <a:round/>
-                      <a:headEnd type="none" w="med" len="med"/>
-                      <a:tailEnd type="none" w="med" len="med"/>
-                    </a:lnL>
-                    <a:lnR w="9525" cap="flat" cmpd="sng" algn="ctr">
-                      <a:solidFill>
-                        <a:srgbClr val="FFFFFF">
-                          <a:lumMod val="65000"/>
-                        </a:srgbClr>
-                      </a:solidFill>
-                      <a:prstDash val="solid"/>
-                      <a:round/>
-                      <a:headEnd type="none" w="med" len="med"/>
-                      <a:tailEnd type="none" w="med" len="med"/>
-                    </a:lnR>
-                    <a:lnT w="9525" cap="flat" cmpd="sng" algn="ctr">
-                      <a:solidFill>
-                        <a:srgbClr val="FFFFFF">
-                          <a:lumMod val="65000"/>
-                        </a:srgbClr>
-                      </a:solidFill>
-                      <a:prstDash val="solid"/>
-                      <a:round/>
-                      <a:headEnd type="none" w="med" len="med"/>
-                      <a:tailEnd type="none" w="med" len="med"/>
-                    </a:lnT>
-                    <a:lnB w="9525" cap="flat" cmpd="sng" algn="ctr">
-                      <a:solidFill>
-                        <a:srgbClr val="FFFFFF">
-                          <a:lumMod val="65000"/>
-                        </a:srgbClr>
-                      </a:solidFill>
-                      <a:prstDash val="solid"/>
-                      <a:round/>
-                      <a:headEnd type="none" w="med" len="med"/>
-                      <a:tailEnd type="none" w="med" len="med"/>
-                    </a:lnB>
-                    <a:lnTlToBr w="12700" cmpd="sng">
-                      <a:noFill/>
-                      <a:prstDash val="solid"/>
-                    </a:lnTlToBr>
-                    <a:lnBlToTr w="12700" cmpd="sng">
-                      <a:noFill/>
-                      <a:prstDash val="solid"/>
-                    </a:lnBlToTr>
-                    <a:solidFill>
-                      <a:schemeClr val="bg1">
-                        <a:lumMod val="85000"/>
-                      </a:schemeClr>
-                    </a:solidFill>
-                  </a:tcPr>
-                </a:tc>
-                <a:extLst>
-                  <a:ext uri="{0D108BD9-81ED-4DB2-BD59-A6C34878D82A}">
-                    <a16:rowId xmlns:a16="http://schemas.microsoft.com/office/drawing/2014/main" val="10000"/>
-                  </a:ext>
-                </a:extLst>
-              </a:tr>
-              <a:tr h="130023">
-                <a:tc>
-                  <a:txBody>
-                    <a:bodyPr/>
-                    <a:lstStyle>
-                      <a:defPPr>
-                        <a:defRPr lang="ko-KR"/>
-                      </a:defPPr>
-                      <a:lvl1pPr marL="0" algn="l" defTabSz="914400" rtl="0" eaLnBrk="1" latinLnBrk="1" hangingPunct="1">
-                        <a:defRPr sz="1800" kern="1200">
-                          <a:solidFill>
-                            <a:schemeClr val="dk1"/>
-                          </a:solidFill>
-                          <a:latin typeface="Arial"/>
-                          <a:ea typeface="맑은 고딕"/>
-                        </a:defRPr>
-                      </a:lvl1pPr>
-                      <a:lvl2pPr marL="457200" algn="l" defTabSz="914400" rtl="0" eaLnBrk="1" latinLnBrk="1" hangingPunct="1">
-                        <a:defRPr sz="1800" kern="1200">
-                          <a:solidFill>
-                            <a:schemeClr val="dk1"/>
-                          </a:solidFill>
-                          <a:latin typeface="Arial"/>
-                          <a:ea typeface="맑은 고딕"/>
-                        </a:defRPr>
-                      </a:lvl2pPr>
-                      <a:lvl3pPr marL="914400" algn="l" defTabSz="914400" rtl="0" eaLnBrk="1" latinLnBrk="1" hangingPunct="1">
-                        <a:defRPr sz="1800" kern="1200">
-                          <a:solidFill>
-                            <a:schemeClr val="dk1"/>
-                          </a:solidFill>
-                          <a:latin typeface="Arial"/>
-                          <a:ea typeface="맑은 고딕"/>
-                        </a:defRPr>
-                      </a:lvl3pPr>
-                      <a:lvl4pPr marL="1371600" algn="l" defTabSz="914400" rtl="0" eaLnBrk="1" latinLnBrk="1" hangingPunct="1">
-                        <a:defRPr sz="1800" kern="1200">
-                          <a:solidFill>
-                            <a:schemeClr val="dk1"/>
-                          </a:solidFill>
-                          <a:latin typeface="Arial"/>
-                          <a:ea typeface="맑은 고딕"/>
-                        </a:defRPr>
-                      </a:lvl4pPr>
-                      <a:lvl5pPr marL="1828800" algn="l" defTabSz="914400" rtl="0" eaLnBrk="1" latinLnBrk="1" hangingPunct="1">
-                        <a:defRPr sz="1800" kern="1200">
-                          <a:solidFill>
-                            <a:schemeClr val="dk1"/>
-                          </a:solidFill>
-                          <a:latin typeface="Arial"/>
-                          <a:ea typeface="맑은 고딕"/>
-                        </a:defRPr>
-                      </a:lvl5pPr>
-                      <a:lvl6pPr marL="2286000" algn="l" defTabSz="914400" rtl="0" eaLnBrk="1" latinLnBrk="1" hangingPunct="1">
-                        <a:defRPr sz="1800" kern="1200">
-                          <a:solidFill>
-                            <a:schemeClr val="dk1"/>
-                          </a:solidFill>
-                          <a:latin typeface="Arial"/>
-                          <a:ea typeface="맑은 고딕"/>
-                        </a:defRPr>
-                      </a:lvl6pPr>
-                      <a:lvl7pPr marL="2743200" algn="l" defTabSz="914400" rtl="0" eaLnBrk="1" latinLnBrk="1" hangingPunct="1">
-                        <a:defRPr sz="1800" kern="1200">
-                          <a:solidFill>
-                            <a:schemeClr val="dk1"/>
-                          </a:solidFill>
-                          <a:latin typeface="Arial"/>
-                          <a:ea typeface="맑은 고딕"/>
-                        </a:defRPr>
-                      </a:lvl7pPr>
-                      <a:lvl8pPr marL="3200400" algn="l" defTabSz="914400" rtl="0" eaLnBrk="1" latinLnBrk="1" hangingPunct="1">
-                        <a:defRPr sz="1800" kern="1200">
-                          <a:solidFill>
-                            <a:schemeClr val="dk1"/>
-                          </a:solidFill>
-                          <a:latin typeface="Arial"/>
-                          <a:ea typeface="맑은 고딕"/>
-                        </a:defRPr>
-                      </a:lvl8pPr>
-                      <a:lvl9pPr marL="3657600" algn="l" defTabSz="914400" rtl="0" eaLnBrk="1" latinLnBrk="1" hangingPunct="1">
-                        <a:defRPr sz="1800" kern="1200">
-                          <a:solidFill>
-                            <a:schemeClr val="dk1"/>
-                          </a:solidFill>
-                          <a:latin typeface="Arial"/>
-                          <a:ea typeface="맑은 고딕"/>
-                        </a:defRPr>
-                      </a:lvl9pPr>
-                    </a:lstStyle>
-                    <a:p>
-                      <a:pPr marL="0" marR="0" indent="0" algn="ctr" defTabSz="1388882" rtl="0" eaLnBrk="1" fontAlgn="auto" latinLnBrk="1" hangingPunct="1">
-                        <a:lnSpc>
-                          <a:spcPct val="90000"/>
-                        </a:lnSpc>
-                        <a:spcBef>
-                          <a:spcPts val="0"/>
-                        </a:spcBef>
-                        <a:spcAft>
-                          <a:spcPts val="0"/>
-                        </a:spcAft>
-                        <a:buClrTx/>
-                        <a:buSzTx/>
-                        <a:buFontTx/>
-                        <a:buNone/>
-                        <a:tabLst/>
-                        <a:defRPr/>
-                      </a:pPr>
-                      <a:r>
-                        <a:rPr lang="en-US" altLang="ko-KR" sz="800" b="0" kern="1200" dirty="0">
-                          <a:solidFill>
-                            <a:schemeClr val="tx1"/>
-                          </a:solidFill>
-                          <a:latin typeface="맑은 고딕" pitchFamily="50" charset="-127"/>
-                          <a:ea typeface="맑은 고딕" pitchFamily="50" charset="-127"/>
-                          <a:cs typeface="+mn-cs"/>
-                        </a:rPr>
-                        <a:t>32T Disk</a:t>
-                      </a:r>
-                      <a:endParaRPr lang="ko-KR" altLang="en-US" sz="800" b="0" kern="1200" dirty="0">
-                        <a:solidFill>
-                          <a:schemeClr val="tx1"/>
-                        </a:solidFill>
-                        <a:latin typeface="맑은 고딕" pitchFamily="50" charset="-127"/>
-                        <a:ea typeface="맑은 고딕" pitchFamily="50" charset="-127"/>
-                        <a:cs typeface="+mn-cs"/>
-                      </a:endParaRPr>
-                    </a:p>
-                  </a:txBody>
-                  <a:tcPr marL="91474" marR="91474" marT="45743" marB="45743">
-                    <a:lnL w="9525" cap="flat" cmpd="sng" algn="ctr">
-                      <a:solidFill>
-                        <a:srgbClr val="FFFFFF">
-                          <a:lumMod val="65000"/>
-                        </a:srgbClr>
-                      </a:solidFill>
-                      <a:prstDash val="solid"/>
-                      <a:round/>
-                      <a:headEnd type="none" w="med" len="med"/>
-                      <a:tailEnd type="none" w="med" len="med"/>
-                    </a:lnL>
-                    <a:lnR w="9525" cap="flat" cmpd="sng" algn="ctr">
-                      <a:solidFill>
-                        <a:srgbClr val="FFFFFF">
-                          <a:lumMod val="65000"/>
-                        </a:srgbClr>
-                      </a:solidFill>
-                      <a:prstDash val="solid"/>
-                      <a:round/>
-                      <a:headEnd type="none" w="med" len="med"/>
-                      <a:tailEnd type="none" w="med" len="med"/>
-                    </a:lnR>
-                    <a:lnT w="9525" cap="flat" cmpd="sng" algn="ctr">
-                      <a:solidFill>
-                        <a:srgbClr val="FFFFFF">
-                          <a:lumMod val="65000"/>
-                        </a:srgbClr>
-                      </a:solidFill>
-                      <a:prstDash val="solid"/>
-                      <a:round/>
-                      <a:headEnd type="none" w="med" len="med"/>
-                      <a:tailEnd type="none" w="med" len="med"/>
-                    </a:lnT>
-                    <a:lnB w="9525" cap="flat" cmpd="sng" algn="ctr">
-                      <a:solidFill>
-                        <a:srgbClr val="FFFFFF">
-                          <a:lumMod val="65000"/>
-                        </a:srgbClr>
-                      </a:solidFill>
-                      <a:prstDash val="solid"/>
-                      <a:round/>
-                      <a:headEnd type="none" w="med" len="med"/>
-                      <a:tailEnd type="none" w="med" len="med"/>
-                    </a:lnB>
-                    <a:lnTlToBr w="12700" cmpd="sng">
-                      <a:noFill/>
-                      <a:prstDash val="solid"/>
-                    </a:lnTlToBr>
-                    <a:lnBlToTr w="12700" cmpd="sng">
-                      <a:noFill/>
-                      <a:prstDash val="solid"/>
-                    </a:lnBlToTr>
-                    <a:solidFill>
-                      <a:schemeClr val="bg1">
-                        <a:lumMod val="85000"/>
-                      </a:schemeClr>
-                    </a:solidFill>
-                  </a:tcPr>
-                </a:tc>
-                <a:extLst>
-                  <a:ext uri="{0D108BD9-81ED-4DB2-BD59-A6C34878D82A}">
-                    <a16:rowId xmlns:a16="http://schemas.microsoft.com/office/drawing/2014/main" val="10001"/>
-                  </a:ext>
-                </a:extLst>
-              </a:tr>
-            </a:tbl>
-          </a:graphicData>
-        </a:graphic>
-      </p:graphicFrame>
-      <p:graphicFrame>
-        <p:nvGraphicFramePr>
-          <p:cNvPr id="30" name="표 29">
-            <a:extLst>
-              <a:ext uri="{FF2B5EF4-FFF2-40B4-BE49-F238E27FC236}">
-                <a16:creationId xmlns:a16="http://schemas.microsoft.com/office/drawing/2014/main" id="{A1DED790-4500-4BEF-BDBA-4B3FBE9EF644}"/>
-              </a:ext>
-            </a:extLst>
-          </p:cNvPr>
-          <p:cNvGraphicFramePr>
-            <a:graphicFrameLocks noGrp="1"/>
-          </p:cNvGraphicFramePr>
-          <p:nvPr>
-            <p:extLst>
-              <p:ext uri="{D42A27DB-BD31-4B8C-83A1-F6EECF244321}">
-                <p14:modId xmlns:p14="http://schemas.microsoft.com/office/powerpoint/2010/main" val="44090863"/>
-              </p:ext>
-            </p:extLst>
-          </p:nvPr>
-        </p:nvGraphicFramePr>
-        <p:xfrm>
-          <a:off x="5738393" y="5699410"/>
-          <a:ext cx="1023913" cy="402428"/>
-        </p:xfrm>
-        <a:graphic>
-          <a:graphicData uri="http://schemas.openxmlformats.org/drawingml/2006/table">
-            <a:tbl>
-              <a:tblPr firstRow="1" bandRow="1"/>
-              <a:tblGrid>
-                <a:gridCol w="1023913">
-                  <a:extLst>
-                    <a:ext uri="{9D8B030D-6E8A-4147-A177-3AD203B41FA5}">
-                      <a16:colId xmlns:a16="http://schemas.microsoft.com/office/drawing/2014/main" val="20000"/>
-                    </a:ext>
-                  </a:extLst>
-                </a:gridCol>
-              </a:tblGrid>
-              <a:tr h="130023">
-                <a:tc>
-                  <a:txBody>
-                    <a:bodyPr/>
-                    <a:lstStyle/>
-                    <a:p>
-                      <a:pPr marL="0" marR="0" indent="0" algn="ctr" defTabSz="1388882" rtl="0" eaLnBrk="1" fontAlgn="auto" latinLnBrk="1" hangingPunct="1">
-                        <a:lnSpc>
-                          <a:spcPct val="90000"/>
-                        </a:lnSpc>
-                        <a:spcBef>
-                          <a:spcPts val="0"/>
-                        </a:spcBef>
-                        <a:spcAft>
-                          <a:spcPts val="0"/>
-                        </a:spcAft>
-                        <a:buClrTx/>
-                        <a:buSzTx/>
-                        <a:buFontTx/>
-                        <a:buNone/>
-                        <a:tabLst/>
-                        <a:defRPr/>
-                      </a:pPr>
-                      <a:r>
-                        <a:rPr lang="en-US" altLang="ko-KR" sz="800" b="0" kern="1200" dirty="0">
-                          <a:solidFill>
-                            <a:schemeClr val="tx1"/>
-                          </a:solidFill>
-                          <a:latin typeface="맑은 고딕" pitchFamily="50" charset="-127"/>
-                          <a:ea typeface="맑은 고딕" pitchFamily="50" charset="-127"/>
-                          <a:cs typeface="+mn-cs"/>
-                        </a:rPr>
-                        <a:t>24 CORE + 128G</a:t>
-                      </a:r>
-                      <a:endParaRPr lang="ko-KR" altLang="en-US" sz="800" b="0" kern="1200" dirty="0">
-                        <a:solidFill>
-                          <a:schemeClr val="tx1"/>
-                        </a:solidFill>
-                        <a:latin typeface="맑은 고딕" pitchFamily="50" charset="-127"/>
-                        <a:ea typeface="맑은 고딕" pitchFamily="50" charset="-127"/>
-                        <a:cs typeface="+mn-cs"/>
-                      </a:endParaRPr>
-                    </a:p>
-                  </a:txBody>
-                  <a:tcPr marL="91474" marR="91474" marT="45743" marB="45743">
-                    <a:lnL w="9525" cap="flat" cmpd="sng" algn="ctr">
-                      <a:solidFill>
-                        <a:srgbClr val="FFFFFF">
-                          <a:lumMod val="65000"/>
-                        </a:srgbClr>
-                      </a:solidFill>
-                      <a:prstDash val="solid"/>
-                      <a:round/>
-                      <a:headEnd type="none" w="med" len="med"/>
-                      <a:tailEnd type="none" w="med" len="med"/>
-                    </a:lnL>
-                    <a:lnR w="9525" cap="flat" cmpd="sng" algn="ctr">
-                      <a:solidFill>
-                        <a:srgbClr val="FFFFFF">
-                          <a:lumMod val="65000"/>
-                        </a:srgbClr>
-                      </a:solidFill>
-                      <a:prstDash val="solid"/>
-                      <a:round/>
-                      <a:headEnd type="none" w="med" len="med"/>
-                      <a:tailEnd type="none" w="med" len="med"/>
-                    </a:lnR>
-                    <a:lnT w="9525" cap="flat" cmpd="sng" algn="ctr">
-                      <a:solidFill>
-                        <a:srgbClr val="FFFFFF">
-                          <a:lumMod val="65000"/>
-                        </a:srgbClr>
-                      </a:solidFill>
-                      <a:prstDash val="solid"/>
-                      <a:round/>
-                      <a:headEnd type="none" w="med" len="med"/>
-                      <a:tailEnd type="none" w="med" len="med"/>
-                    </a:lnT>
-                    <a:lnB w="9525" cap="flat" cmpd="sng" algn="ctr">
-                      <a:solidFill>
-                        <a:srgbClr val="FFFFFF">
-                          <a:lumMod val="65000"/>
-                        </a:srgbClr>
-                      </a:solidFill>
-                      <a:prstDash val="solid"/>
-                      <a:round/>
-                      <a:headEnd type="none" w="med" len="med"/>
-                      <a:tailEnd type="none" w="med" len="med"/>
-                    </a:lnB>
-                    <a:lnTlToBr w="12700" cmpd="sng">
-                      <a:noFill/>
-                      <a:prstDash val="solid"/>
-                    </a:lnTlToBr>
-                    <a:lnBlToTr w="12700" cmpd="sng">
-                      <a:noFill/>
-                      <a:prstDash val="solid"/>
-                    </a:lnBlToTr>
-                    <a:solidFill>
-                      <a:schemeClr val="bg1">
-                        <a:lumMod val="85000"/>
-                      </a:schemeClr>
-                    </a:solidFill>
-                  </a:tcPr>
-                </a:tc>
-                <a:extLst>
-                  <a:ext uri="{0D108BD9-81ED-4DB2-BD59-A6C34878D82A}">
-                    <a16:rowId xmlns:a16="http://schemas.microsoft.com/office/drawing/2014/main" val="10000"/>
-                  </a:ext>
-                </a:extLst>
-              </a:tr>
-              <a:tr h="130023">
-                <a:tc>
-                  <a:txBody>
-                    <a:bodyPr/>
-                    <a:lstStyle>
-                      <a:defPPr>
-                        <a:defRPr lang="ko-KR"/>
-                      </a:defPPr>
-                      <a:lvl1pPr marL="0" algn="l" defTabSz="914400" rtl="0" eaLnBrk="1" latinLnBrk="1" hangingPunct="1">
-                        <a:defRPr sz="1800" kern="1200">
-                          <a:solidFill>
-                            <a:schemeClr val="dk1"/>
-                          </a:solidFill>
-                          <a:latin typeface="Arial"/>
-                          <a:ea typeface="맑은 고딕"/>
-                        </a:defRPr>
-                      </a:lvl1pPr>
-                      <a:lvl2pPr marL="457200" algn="l" defTabSz="914400" rtl="0" eaLnBrk="1" latinLnBrk="1" hangingPunct="1">
-                        <a:defRPr sz="1800" kern="1200">
-                          <a:solidFill>
-                            <a:schemeClr val="dk1"/>
-                          </a:solidFill>
-                          <a:latin typeface="Arial"/>
-                          <a:ea typeface="맑은 고딕"/>
-                        </a:defRPr>
-                      </a:lvl2pPr>
-                      <a:lvl3pPr marL="914400" algn="l" defTabSz="914400" rtl="0" eaLnBrk="1" latinLnBrk="1" hangingPunct="1">
-                        <a:defRPr sz="1800" kern="1200">
-                          <a:solidFill>
-                            <a:schemeClr val="dk1"/>
-                          </a:solidFill>
-                          <a:latin typeface="Arial"/>
-                          <a:ea typeface="맑은 고딕"/>
-                        </a:defRPr>
-                      </a:lvl3pPr>
-                      <a:lvl4pPr marL="1371600" algn="l" defTabSz="914400" rtl="0" eaLnBrk="1" latinLnBrk="1" hangingPunct="1">
-                        <a:defRPr sz="1800" kern="1200">
-                          <a:solidFill>
-                            <a:schemeClr val="dk1"/>
-                          </a:solidFill>
-                          <a:latin typeface="Arial"/>
-                          <a:ea typeface="맑은 고딕"/>
-                        </a:defRPr>
-                      </a:lvl4pPr>
-                      <a:lvl5pPr marL="1828800" algn="l" defTabSz="914400" rtl="0" eaLnBrk="1" latinLnBrk="1" hangingPunct="1">
-                        <a:defRPr sz="1800" kern="1200">
-                          <a:solidFill>
-                            <a:schemeClr val="dk1"/>
-                          </a:solidFill>
-                          <a:latin typeface="Arial"/>
-                          <a:ea typeface="맑은 고딕"/>
-                        </a:defRPr>
-                      </a:lvl5pPr>
-                      <a:lvl6pPr marL="2286000" algn="l" defTabSz="914400" rtl="0" eaLnBrk="1" latinLnBrk="1" hangingPunct="1">
-                        <a:defRPr sz="1800" kern="1200">
-                          <a:solidFill>
-                            <a:schemeClr val="dk1"/>
-                          </a:solidFill>
-                          <a:latin typeface="Arial"/>
-                          <a:ea typeface="맑은 고딕"/>
-                        </a:defRPr>
-                      </a:lvl6pPr>
-                      <a:lvl7pPr marL="2743200" algn="l" defTabSz="914400" rtl="0" eaLnBrk="1" latinLnBrk="1" hangingPunct="1">
-                        <a:defRPr sz="1800" kern="1200">
-                          <a:solidFill>
-                            <a:schemeClr val="dk1"/>
-                          </a:solidFill>
-                          <a:latin typeface="Arial"/>
-                          <a:ea typeface="맑은 고딕"/>
-                        </a:defRPr>
-                      </a:lvl7pPr>
-                      <a:lvl8pPr marL="3200400" algn="l" defTabSz="914400" rtl="0" eaLnBrk="1" latinLnBrk="1" hangingPunct="1">
-                        <a:defRPr sz="1800" kern="1200">
-                          <a:solidFill>
-                            <a:schemeClr val="dk1"/>
-                          </a:solidFill>
-                          <a:latin typeface="Arial"/>
-                          <a:ea typeface="맑은 고딕"/>
-                        </a:defRPr>
-                      </a:lvl8pPr>
-                      <a:lvl9pPr marL="3657600" algn="l" defTabSz="914400" rtl="0" eaLnBrk="1" latinLnBrk="1" hangingPunct="1">
-                        <a:defRPr sz="1800" kern="1200">
-                          <a:solidFill>
-                            <a:schemeClr val="dk1"/>
-                          </a:solidFill>
-                          <a:latin typeface="Arial"/>
-                          <a:ea typeface="맑은 고딕"/>
-                        </a:defRPr>
-                      </a:lvl9pPr>
-                    </a:lstStyle>
-                    <a:p>
-                      <a:pPr marL="0" marR="0" indent="0" algn="ctr" defTabSz="1388882" rtl="0" eaLnBrk="1" fontAlgn="auto" latinLnBrk="1" hangingPunct="1">
-                        <a:lnSpc>
-                          <a:spcPct val="90000"/>
-                        </a:lnSpc>
-                        <a:spcBef>
-                          <a:spcPts val="0"/>
-                        </a:spcBef>
-                        <a:spcAft>
-                          <a:spcPts val="0"/>
-                        </a:spcAft>
-                        <a:buClrTx/>
-                        <a:buSzTx/>
-                        <a:buFontTx/>
-                        <a:buNone/>
-                        <a:tabLst/>
-                        <a:defRPr/>
-                      </a:pPr>
-                      <a:r>
-                        <a:rPr lang="en-US" altLang="ko-KR" sz="800" b="0" kern="1200" dirty="0">
-                          <a:solidFill>
-                            <a:schemeClr val="tx1"/>
-                          </a:solidFill>
-                          <a:latin typeface="맑은 고딕" pitchFamily="50" charset="-127"/>
-                          <a:ea typeface="맑은 고딕" pitchFamily="50" charset="-127"/>
-                          <a:cs typeface="+mn-cs"/>
-                        </a:rPr>
-                        <a:t>32T Disk</a:t>
-                      </a:r>
-                      <a:endParaRPr lang="ko-KR" altLang="en-US" sz="800" b="0" kern="1200" dirty="0">
-                        <a:solidFill>
-                          <a:schemeClr val="tx1"/>
-                        </a:solidFill>
-                        <a:latin typeface="맑은 고딕" pitchFamily="50" charset="-127"/>
-                        <a:ea typeface="맑은 고딕" pitchFamily="50" charset="-127"/>
-                        <a:cs typeface="+mn-cs"/>
-                      </a:endParaRPr>
-                    </a:p>
-                  </a:txBody>
-                  <a:tcPr marL="91474" marR="91474" marT="45743" marB="45743">
-                    <a:lnL w="9525" cap="flat" cmpd="sng" algn="ctr">
-                      <a:solidFill>
-                        <a:srgbClr val="FFFFFF">
-                          <a:lumMod val="65000"/>
-                        </a:srgbClr>
-                      </a:solidFill>
-                      <a:prstDash val="solid"/>
-                      <a:round/>
-                      <a:headEnd type="none" w="med" len="med"/>
-                      <a:tailEnd type="none" w="med" len="med"/>
-                    </a:lnL>
-                    <a:lnR w="9525" cap="flat" cmpd="sng" algn="ctr">
-                      <a:solidFill>
-                        <a:srgbClr val="FFFFFF">
-                          <a:lumMod val="65000"/>
-                        </a:srgbClr>
-                      </a:solidFill>
-                      <a:prstDash val="solid"/>
-                      <a:round/>
-                      <a:headEnd type="none" w="med" len="med"/>
-                      <a:tailEnd type="none" w="med" len="med"/>
-                    </a:lnR>
-                    <a:lnT w="9525" cap="flat" cmpd="sng" algn="ctr">
-                      <a:solidFill>
-                        <a:srgbClr val="FFFFFF">
-                          <a:lumMod val="65000"/>
-                        </a:srgbClr>
-                      </a:solidFill>
-                      <a:prstDash val="solid"/>
-                      <a:round/>
-                      <a:headEnd type="none" w="med" len="med"/>
-                      <a:tailEnd type="none" w="med" len="med"/>
-                    </a:lnT>
-                    <a:lnB w="9525" cap="flat" cmpd="sng" algn="ctr">
-                      <a:solidFill>
-                        <a:srgbClr val="FFFFFF">
-                          <a:lumMod val="65000"/>
-                        </a:srgbClr>
-                      </a:solidFill>
-                      <a:prstDash val="solid"/>
-                      <a:round/>
-                      <a:headEnd type="none" w="med" len="med"/>
-                      <a:tailEnd type="none" w="med" len="med"/>
-                    </a:lnB>
-                    <a:lnTlToBr w="12700" cmpd="sng">
-                      <a:noFill/>
-                      <a:prstDash val="solid"/>
-                    </a:lnTlToBr>
-                    <a:lnBlToTr w="12700" cmpd="sng">
-                      <a:noFill/>
-                      <a:prstDash val="solid"/>
-                    </a:lnBlToTr>
-                    <a:solidFill>
-                      <a:schemeClr val="bg1">
-                        <a:lumMod val="85000"/>
-                      </a:schemeClr>
-                    </a:solidFill>
-                  </a:tcPr>
-                </a:tc>
-                <a:extLst>
-                  <a:ext uri="{0D108BD9-81ED-4DB2-BD59-A6C34878D82A}">
-                    <a16:rowId xmlns:a16="http://schemas.microsoft.com/office/drawing/2014/main" val="10001"/>
-                  </a:ext>
-                </a:extLst>
-              </a:tr>
-            </a:tbl>
-          </a:graphicData>
-        </a:graphic>
-      </p:graphicFrame>
-      <p:graphicFrame>
-        <p:nvGraphicFramePr>
-          <p:cNvPr id="31" name="표 30">
-            <a:extLst>
-              <a:ext uri="{FF2B5EF4-FFF2-40B4-BE49-F238E27FC236}">
-                <a16:creationId xmlns:a16="http://schemas.microsoft.com/office/drawing/2014/main" id="{7960D1AE-1E0A-4021-A478-3E5A3BE1A5C4}"/>
-              </a:ext>
-            </a:extLst>
-          </p:cNvPr>
-          <p:cNvGraphicFramePr>
-            <a:graphicFrameLocks noGrp="1"/>
-          </p:cNvGraphicFramePr>
-          <p:nvPr>
-            <p:extLst>
-              <p:ext uri="{D42A27DB-BD31-4B8C-83A1-F6EECF244321}">
-                <p14:modId xmlns:p14="http://schemas.microsoft.com/office/powerpoint/2010/main" val="4210904419"/>
-              </p:ext>
-            </p:extLst>
-          </p:nvPr>
-        </p:nvGraphicFramePr>
-        <p:xfrm>
-          <a:off x="866300" y="2915082"/>
-          <a:ext cx="951982" cy="402428"/>
-        </p:xfrm>
-        <a:graphic>
-          <a:graphicData uri="http://schemas.openxmlformats.org/drawingml/2006/table">
-            <a:tbl>
-              <a:tblPr firstRow="1" bandRow="1"/>
-              <a:tblGrid>
-                <a:gridCol w="951982">
-                  <a:extLst>
-                    <a:ext uri="{9D8B030D-6E8A-4147-A177-3AD203B41FA5}">
-                      <a16:colId xmlns:a16="http://schemas.microsoft.com/office/drawing/2014/main" val="20000"/>
-                    </a:ext>
-                  </a:extLst>
-                </a:gridCol>
-              </a:tblGrid>
-              <a:tr h="130023">
-                <a:tc>
-                  <a:txBody>
-                    <a:bodyPr/>
-                    <a:lstStyle/>
-                    <a:p>
-                      <a:pPr marL="0" marR="0" indent="0" algn="ctr" defTabSz="1388882" rtl="0" eaLnBrk="1" fontAlgn="auto" latinLnBrk="1" hangingPunct="1">
-                        <a:lnSpc>
-                          <a:spcPct val="90000"/>
-                        </a:lnSpc>
-                        <a:spcBef>
-                          <a:spcPts val="0"/>
-                        </a:spcBef>
-                        <a:spcAft>
-                          <a:spcPts val="0"/>
-                        </a:spcAft>
-                        <a:buClrTx/>
-                        <a:buSzTx/>
-                        <a:buFontTx/>
-                        <a:buNone/>
-                        <a:tabLst/>
-                        <a:defRPr/>
-                      </a:pPr>
-                      <a:r>
-                        <a:rPr lang="en-US" altLang="ko-KR" sz="800" b="0" kern="1200">
-                          <a:solidFill>
-                            <a:schemeClr val="tx1"/>
-                          </a:solidFill>
-                          <a:latin typeface="맑은 고딕" pitchFamily="50" charset="-127"/>
-                          <a:ea typeface="맑은 고딕" pitchFamily="50" charset="-127"/>
-                          <a:cs typeface="+mn-cs"/>
-                        </a:rPr>
-                        <a:t>4 CORE + 16G</a:t>
-                      </a:r>
-                      <a:endParaRPr lang="ko-KR" altLang="en-US" sz="800" b="0" kern="1200" dirty="0">
-                        <a:solidFill>
-                          <a:schemeClr val="tx1"/>
-                        </a:solidFill>
-                        <a:latin typeface="맑은 고딕" pitchFamily="50" charset="-127"/>
-                        <a:ea typeface="맑은 고딕" pitchFamily="50" charset="-127"/>
-                        <a:cs typeface="+mn-cs"/>
-                      </a:endParaRPr>
-                    </a:p>
-                  </a:txBody>
-                  <a:tcPr marL="91474" marR="91474" marT="45743" marB="45743">
-                    <a:lnL w="9525" cap="flat" cmpd="sng" algn="ctr">
-                      <a:solidFill>
-                        <a:srgbClr val="FFFFFF">
-                          <a:lumMod val="65000"/>
-                        </a:srgbClr>
-                      </a:solidFill>
-                      <a:prstDash val="solid"/>
-                      <a:round/>
-                      <a:headEnd type="none" w="med" len="med"/>
-                      <a:tailEnd type="none" w="med" len="med"/>
-                    </a:lnL>
-                    <a:lnR w="9525" cap="flat" cmpd="sng" algn="ctr">
-                      <a:solidFill>
-                        <a:srgbClr val="FFFFFF">
-                          <a:lumMod val="65000"/>
-                        </a:srgbClr>
-                      </a:solidFill>
-                      <a:prstDash val="solid"/>
-                      <a:round/>
-                      <a:headEnd type="none" w="med" len="med"/>
-                      <a:tailEnd type="none" w="med" len="med"/>
-                    </a:lnR>
-                    <a:lnT w="9525" cap="flat" cmpd="sng" algn="ctr">
-                      <a:solidFill>
-                        <a:srgbClr val="FFFFFF">
-                          <a:lumMod val="65000"/>
-                        </a:srgbClr>
-                      </a:solidFill>
-                      <a:prstDash val="solid"/>
-                      <a:round/>
-                      <a:headEnd type="none" w="med" len="med"/>
-                      <a:tailEnd type="none" w="med" len="med"/>
-                    </a:lnT>
-                    <a:lnB w="9525" cap="flat" cmpd="sng" algn="ctr">
-                      <a:solidFill>
-                        <a:srgbClr val="FFFFFF">
-                          <a:lumMod val="65000"/>
-                        </a:srgbClr>
-                      </a:solidFill>
-                      <a:prstDash val="solid"/>
-                      <a:round/>
-                      <a:headEnd type="none" w="med" len="med"/>
-                      <a:tailEnd type="none" w="med" len="med"/>
-                    </a:lnB>
-                    <a:lnTlToBr w="12700" cmpd="sng">
-                      <a:noFill/>
-                      <a:prstDash val="solid"/>
-                    </a:lnTlToBr>
-                    <a:lnBlToTr w="12700" cmpd="sng">
-                      <a:noFill/>
-                      <a:prstDash val="solid"/>
-                    </a:lnBlToTr>
-                    <a:solidFill>
-                      <a:schemeClr val="bg1">
-                        <a:lumMod val="85000"/>
-                      </a:schemeClr>
-                    </a:solidFill>
-                  </a:tcPr>
-                </a:tc>
-                <a:extLst>
-                  <a:ext uri="{0D108BD9-81ED-4DB2-BD59-A6C34878D82A}">
-                    <a16:rowId xmlns:a16="http://schemas.microsoft.com/office/drawing/2014/main" val="10000"/>
-                  </a:ext>
-                </a:extLst>
-              </a:tr>
-              <a:tr h="130023">
-                <a:tc>
-                  <a:txBody>
-                    <a:bodyPr/>
-                    <a:lstStyle>
-                      <a:defPPr>
-                        <a:defRPr lang="ko-KR"/>
-                      </a:defPPr>
-                      <a:lvl1pPr marL="0" algn="l" defTabSz="914400" rtl="0" eaLnBrk="1" latinLnBrk="1" hangingPunct="1">
-                        <a:defRPr sz="1800" kern="1200">
-                          <a:solidFill>
-                            <a:schemeClr val="dk1"/>
-                          </a:solidFill>
-                          <a:latin typeface="Arial"/>
-                          <a:ea typeface="맑은 고딕"/>
-                        </a:defRPr>
-                      </a:lvl1pPr>
-                      <a:lvl2pPr marL="457200" algn="l" defTabSz="914400" rtl="0" eaLnBrk="1" latinLnBrk="1" hangingPunct="1">
-                        <a:defRPr sz="1800" kern="1200">
-                          <a:solidFill>
-                            <a:schemeClr val="dk1"/>
-                          </a:solidFill>
-                          <a:latin typeface="Arial"/>
-                          <a:ea typeface="맑은 고딕"/>
-                        </a:defRPr>
-                      </a:lvl2pPr>
-                      <a:lvl3pPr marL="914400" algn="l" defTabSz="914400" rtl="0" eaLnBrk="1" latinLnBrk="1" hangingPunct="1">
-                        <a:defRPr sz="1800" kern="1200">
-                          <a:solidFill>
-                            <a:schemeClr val="dk1"/>
-                          </a:solidFill>
-                          <a:latin typeface="Arial"/>
-                          <a:ea typeface="맑은 고딕"/>
-                        </a:defRPr>
-                      </a:lvl3pPr>
-                      <a:lvl4pPr marL="1371600" algn="l" defTabSz="914400" rtl="0" eaLnBrk="1" latinLnBrk="1" hangingPunct="1">
-                        <a:defRPr sz="1800" kern="1200">
-                          <a:solidFill>
-                            <a:schemeClr val="dk1"/>
-                          </a:solidFill>
-                          <a:latin typeface="Arial"/>
-                          <a:ea typeface="맑은 고딕"/>
-                        </a:defRPr>
-                      </a:lvl4pPr>
-                      <a:lvl5pPr marL="1828800" algn="l" defTabSz="914400" rtl="0" eaLnBrk="1" latinLnBrk="1" hangingPunct="1">
-                        <a:defRPr sz="1800" kern="1200">
-                          <a:solidFill>
-                            <a:schemeClr val="dk1"/>
-                          </a:solidFill>
-                          <a:latin typeface="Arial"/>
-                          <a:ea typeface="맑은 고딕"/>
-                        </a:defRPr>
-                      </a:lvl5pPr>
-                      <a:lvl6pPr marL="2286000" algn="l" defTabSz="914400" rtl="0" eaLnBrk="1" latinLnBrk="1" hangingPunct="1">
-                        <a:defRPr sz="1800" kern="1200">
-                          <a:solidFill>
-                            <a:schemeClr val="dk1"/>
-                          </a:solidFill>
-                          <a:latin typeface="Arial"/>
-                          <a:ea typeface="맑은 고딕"/>
-                        </a:defRPr>
-                      </a:lvl6pPr>
-                      <a:lvl7pPr marL="2743200" algn="l" defTabSz="914400" rtl="0" eaLnBrk="1" latinLnBrk="1" hangingPunct="1">
-                        <a:defRPr sz="1800" kern="1200">
-                          <a:solidFill>
-                            <a:schemeClr val="dk1"/>
-                          </a:solidFill>
-                          <a:latin typeface="Arial"/>
-                          <a:ea typeface="맑은 고딕"/>
-                        </a:defRPr>
-                      </a:lvl7pPr>
-                      <a:lvl8pPr marL="3200400" algn="l" defTabSz="914400" rtl="0" eaLnBrk="1" latinLnBrk="1" hangingPunct="1">
-                        <a:defRPr sz="1800" kern="1200">
-                          <a:solidFill>
-                            <a:schemeClr val="dk1"/>
-                          </a:solidFill>
-                          <a:latin typeface="Arial"/>
-                          <a:ea typeface="맑은 고딕"/>
-                        </a:defRPr>
-                      </a:lvl8pPr>
-                      <a:lvl9pPr marL="3657600" algn="l" defTabSz="914400" rtl="0" eaLnBrk="1" latinLnBrk="1" hangingPunct="1">
-                        <a:defRPr sz="1800" kern="1200">
-                          <a:solidFill>
-                            <a:schemeClr val="dk1"/>
-                          </a:solidFill>
-                          <a:latin typeface="Arial"/>
-                          <a:ea typeface="맑은 고딕"/>
-                        </a:defRPr>
-                      </a:lvl9pPr>
-                    </a:lstStyle>
-                    <a:p>
-                      <a:pPr marL="0" marR="0" indent="0" algn="ctr" defTabSz="1388882" rtl="0" eaLnBrk="1" fontAlgn="auto" latinLnBrk="1" hangingPunct="1">
-                        <a:lnSpc>
-                          <a:spcPct val="90000"/>
-                        </a:lnSpc>
-                        <a:spcBef>
-                          <a:spcPts val="0"/>
-                        </a:spcBef>
-                        <a:spcAft>
-                          <a:spcPts val="0"/>
-                        </a:spcAft>
-                        <a:buClrTx/>
-                        <a:buSzTx/>
-                        <a:buFontTx/>
-                        <a:buNone/>
-                        <a:tabLst/>
-                        <a:defRPr/>
-                      </a:pPr>
-                      <a:r>
-                        <a:rPr lang="en-US" altLang="ko-KR" sz="800" b="0" kern="1200">
                           <a:solidFill>
                             <a:schemeClr val="tx1"/>
                           </a:solidFill>
@@ -23949,7 +24034,7 @@
         </p:nvSpPr>
         <p:spPr>
           <a:xfrm>
-            <a:off x="2950881" y="1349845"/>
+            <a:off x="2950881" y="1201316"/>
             <a:ext cx="1142074" cy="2002839"/>
           </a:xfrm>
           <a:prstGeom prst="rect">
@@ -23990,862 +24075,6 @@
           </a:p>
         </p:txBody>
       </p:sp>
-      <p:graphicFrame>
-        <p:nvGraphicFramePr>
-          <p:cNvPr id="33" name="표 32">
-            <a:extLst>
-              <a:ext uri="{FF2B5EF4-FFF2-40B4-BE49-F238E27FC236}">
-                <a16:creationId xmlns:a16="http://schemas.microsoft.com/office/drawing/2014/main" id="{956AB3E4-E344-4E1C-8905-1F10765F8F09}"/>
-              </a:ext>
-            </a:extLst>
-          </p:cNvPr>
-          <p:cNvGraphicFramePr>
-            <a:graphicFrameLocks noGrp="1"/>
-          </p:cNvGraphicFramePr>
-          <p:nvPr>
-            <p:extLst>
-              <p:ext uri="{D42A27DB-BD31-4B8C-83A1-F6EECF244321}">
-                <p14:modId xmlns:p14="http://schemas.microsoft.com/office/powerpoint/2010/main" val="3581963160"/>
-              </p:ext>
-            </p:extLst>
-          </p:nvPr>
-        </p:nvGraphicFramePr>
-        <p:xfrm>
-          <a:off x="3060958" y="1681163"/>
-          <a:ext cx="951982" cy="1030454"/>
-        </p:xfrm>
-        <a:graphic>
-          <a:graphicData uri="http://schemas.openxmlformats.org/drawingml/2006/table">
-            <a:tbl>
-              <a:tblPr firstRow="1" bandRow="1"/>
-              <a:tblGrid>
-                <a:gridCol w="951982">
-                  <a:extLst>
-                    <a:ext uri="{9D8B030D-6E8A-4147-A177-3AD203B41FA5}">
-                      <a16:colId xmlns:a16="http://schemas.microsoft.com/office/drawing/2014/main" val="20000"/>
-                    </a:ext>
-                  </a:extLst>
-                </a:gridCol>
-              </a:tblGrid>
-              <a:tr h="193146">
-                <a:tc>
-                  <a:txBody>
-                    <a:bodyPr/>
-                    <a:lstStyle/>
-                    <a:p>
-                      <a:pPr marL="0" algn="ctr" defTabSz="1388882" rtl="0" eaLnBrk="1" latinLnBrk="1" hangingPunct="1">
-                        <a:lnSpc>
-                          <a:spcPct val="90000"/>
-                        </a:lnSpc>
-                      </a:pPr>
-                      <a:r>
-                        <a:rPr lang="en-US" altLang="ko-KR" sz="800" b="0" kern="1200" dirty="0" err="1">
-                          <a:solidFill>
-                            <a:schemeClr val="tx1"/>
-                          </a:solidFill>
-                          <a:latin typeface="맑은 고딕" pitchFamily="50" charset="-127"/>
-                          <a:ea typeface="맑은 고딕" pitchFamily="50" charset="-127"/>
-                          <a:cs typeface="+mn-cs"/>
-                        </a:rPr>
-                        <a:t>Postgre</a:t>
-                      </a:r>
-                      <a:r>
-                        <a:rPr lang="en-US" altLang="ko-KR" sz="800" b="0" kern="1200" dirty="0">
-                          <a:solidFill>
-                            <a:schemeClr val="tx1"/>
-                          </a:solidFill>
-                          <a:latin typeface="맑은 고딕" pitchFamily="50" charset="-127"/>
-                          <a:ea typeface="맑은 고딕" pitchFamily="50" charset="-127"/>
-                          <a:cs typeface="+mn-cs"/>
-                        </a:rPr>
-                        <a:t> SQL</a:t>
-                      </a:r>
-                      <a:endParaRPr lang="ko-KR" altLang="en-US" sz="800" b="0" kern="1200" dirty="0">
-                        <a:solidFill>
-                          <a:schemeClr val="tx1"/>
-                        </a:solidFill>
-                        <a:latin typeface="맑은 고딕" pitchFamily="50" charset="-127"/>
-                        <a:ea typeface="맑은 고딕" pitchFamily="50" charset="-127"/>
-                        <a:cs typeface="+mn-cs"/>
-                      </a:endParaRPr>
-                    </a:p>
-                  </a:txBody>
-                  <a:tcPr marL="91474" marR="91474" marT="45743" marB="45743">
-                    <a:lnL w="9525" cap="flat" cmpd="sng" algn="ctr">
-                      <a:solidFill>
-                        <a:srgbClr val="FFFFFF">
-                          <a:lumMod val="65000"/>
-                        </a:srgbClr>
-                      </a:solidFill>
-                      <a:prstDash val="solid"/>
-                      <a:round/>
-                      <a:headEnd type="none" w="med" len="med"/>
-                      <a:tailEnd type="none" w="med" len="med"/>
-                    </a:lnL>
-                    <a:lnR w="9525" cap="flat" cmpd="sng" algn="ctr">
-                      <a:solidFill>
-                        <a:srgbClr val="FFFFFF">
-                          <a:lumMod val="65000"/>
-                        </a:srgbClr>
-                      </a:solidFill>
-                      <a:prstDash val="solid"/>
-                      <a:round/>
-                      <a:headEnd type="none" w="med" len="med"/>
-                      <a:tailEnd type="none" w="med" len="med"/>
-                    </a:lnR>
-                    <a:lnT w="9525" cap="flat" cmpd="sng" algn="ctr">
-                      <a:solidFill>
-                        <a:srgbClr val="FFFFFF">
-                          <a:lumMod val="65000"/>
-                        </a:srgbClr>
-                      </a:solidFill>
-                      <a:prstDash val="solid"/>
-                      <a:round/>
-                      <a:headEnd type="none" w="med" len="med"/>
-                      <a:tailEnd type="none" w="med" len="med"/>
-                    </a:lnT>
-                    <a:lnB w="9525" cap="flat" cmpd="sng" algn="ctr">
-                      <a:solidFill>
-                        <a:srgbClr val="FFFFFF">
-                          <a:lumMod val="65000"/>
-                        </a:srgbClr>
-                      </a:solidFill>
-                      <a:prstDash val="solid"/>
-                      <a:round/>
-                      <a:headEnd type="none" w="med" len="med"/>
-                      <a:tailEnd type="none" w="med" len="med"/>
-                    </a:lnB>
-                    <a:lnTlToBr w="12700" cmpd="sng">
-                      <a:noFill/>
-                      <a:prstDash val="solid"/>
-                    </a:lnTlToBr>
-                    <a:lnBlToTr w="12700" cmpd="sng">
-                      <a:noFill/>
-                      <a:prstDash val="solid"/>
-                    </a:lnBlToTr>
-                    <a:solidFill>
-                      <a:srgbClr val="FFFFFF">
-                        <a:lumMod val="95000"/>
-                      </a:srgbClr>
-                    </a:solidFill>
-                  </a:tcPr>
-                </a:tc>
-                <a:extLst>
-                  <a:ext uri="{0D108BD9-81ED-4DB2-BD59-A6C34878D82A}">
-                    <a16:rowId xmlns:a16="http://schemas.microsoft.com/office/drawing/2014/main" val="10000"/>
-                  </a:ext>
-                </a:extLst>
-              </a:tr>
-              <a:tr h="193146">
-                <a:tc>
-                  <a:txBody>
-                    <a:bodyPr/>
-                    <a:lstStyle>
-                      <a:defPPr>
-                        <a:defRPr lang="ko-KR"/>
-                      </a:defPPr>
-                      <a:lvl1pPr marL="0" algn="l" defTabSz="914400" rtl="0" eaLnBrk="1" latinLnBrk="1" hangingPunct="1">
-                        <a:defRPr sz="1800" b="1" kern="1200">
-                          <a:solidFill>
-                            <a:schemeClr val="lt1"/>
-                          </a:solidFill>
-                          <a:latin typeface="Arial"/>
-                          <a:ea typeface="맑은 고딕"/>
-                        </a:defRPr>
-                      </a:lvl1pPr>
-                      <a:lvl2pPr marL="457200" algn="l" defTabSz="914400" rtl="0" eaLnBrk="1" latinLnBrk="1" hangingPunct="1">
-                        <a:defRPr sz="1800" b="1" kern="1200">
-                          <a:solidFill>
-                            <a:schemeClr val="lt1"/>
-                          </a:solidFill>
-                          <a:latin typeface="Arial"/>
-                          <a:ea typeface="맑은 고딕"/>
-                        </a:defRPr>
-                      </a:lvl2pPr>
-                      <a:lvl3pPr marL="914400" algn="l" defTabSz="914400" rtl="0" eaLnBrk="1" latinLnBrk="1" hangingPunct="1">
-                        <a:defRPr sz="1800" b="1" kern="1200">
-                          <a:solidFill>
-                            <a:schemeClr val="lt1"/>
-                          </a:solidFill>
-                          <a:latin typeface="Arial"/>
-                          <a:ea typeface="맑은 고딕"/>
-                        </a:defRPr>
-                      </a:lvl3pPr>
-                      <a:lvl4pPr marL="1371600" algn="l" defTabSz="914400" rtl="0" eaLnBrk="1" latinLnBrk="1" hangingPunct="1">
-                        <a:defRPr sz="1800" b="1" kern="1200">
-                          <a:solidFill>
-                            <a:schemeClr val="lt1"/>
-                          </a:solidFill>
-                          <a:latin typeface="Arial"/>
-                          <a:ea typeface="맑은 고딕"/>
-                        </a:defRPr>
-                      </a:lvl4pPr>
-                      <a:lvl5pPr marL="1828800" algn="l" defTabSz="914400" rtl="0" eaLnBrk="1" latinLnBrk="1" hangingPunct="1">
-                        <a:defRPr sz="1800" b="1" kern="1200">
-                          <a:solidFill>
-                            <a:schemeClr val="lt1"/>
-                          </a:solidFill>
-                          <a:latin typeface="Arial"/>
-                          <a:ea typeface="맑은 고딕"/>
-                        </a:defRPr>
-                      </a:lvl5pPr>
-                      <a:lvl6pPr marL="2286000" algn="l" defTabSz="914400" rtl="0" eaLnBrk="1" latinLnBrk="1" hangingPunct="1">
-                        <a:defRPr sz="1800" b="1" kern="1200">
-                          <a:solidFill>
-                            <a:schemeClr val="lt1"/>
-                          </a:solidFill>
-                          <a:latin typeface="Arial"/>
-                          <a:ea typeface="맑은 고딕"/>
-                        </a:defRPr>
-                      </a:lvl6pPr>
-                      <a:lvl7pPr marL="2743200" algn="l" defTabSz="914400" rtl="0" eaLnBrk="1" latinLnBrk="1" hangingPunct="1">
-                        <a:defRPr sz="1800" b="1" kern="1200">
-                          <a:solidFill>
-                            <a:schemeClr val="lt1"/>
-                          </a:solidFill>
-                          <a:latin typeface="Arial"/>
-                          <a:ea typeface="맑은 고딕"/>
-                        </a:defRPr>
-                      </a:lvl7pPr>
-                      <a:lvl8pPr marL="3200400" algn="l" defTabSz="914400" rtl="0" eaLnBrk="1" latinLnBrk="1" hangingPunct="1">
-                        <a:defRPr sz="1800" b="1" kern="1200">
-                          <a:solidFill>
-                            <a:schemeClr val="lt1"/>
-                          </a:solidFill>
-                          <a:latin typeface="Arial"/>
-                          <a:ea typeface="맑은 고딕"/>
-                        </a:defRPr>
-                      </a:lvl8pPr>
-                      <a:lvl9pPr marL="3657600" algn="l" defTabSz="914400" rtl="0" eaLnBrk="1" latinLnBrk="1" hangingPunct="1">
-                        <a:defRPr sz="1800" b="1" kern="1200">
-                          <a:solidFill>
-                            <a:schemeClr val="lt1"/>
-                          </a:solidFill>
-                          <a:latin typeface="Arial"/>
-                          <a:ea typeface="맑은 고딕"/>
-                        </a:defRPr>
-                      </a:lvl9pPr>
-                    </a:lstStyle>
-                    <a:p>
-                      <a:pPr marL="0" marR="0" indent="0" algn="ctr" defTabSz="1388882" rtl="0" eaLnBrk="1" fontAlgn="auto" latinLnBrk="1" hangingPunct="1">
-                        <a:lnSpc>
-                          <a:spcPct val="90000"/>
-                        </a:lnSpc>
-                        <a:spcBef>
-                          <a:spcPts val="0"/>
-                        </a:spcBef>
-                        <a:spcAft>
-                          <a:spcPts val="0"/>
-                        </a:spcAft>
-                        <a:buClrTx/>
-                        <a:buSzTx/>
-                        <a:buFontTx/>
-                        <a:buNone/>
-                        <a:tabLst/>
-                        <a:defRPr/>
-                      </a:pPr>
-                      <a:r>
-                        <a:rPr lang="en-US" altLang="ko-KR" sz="800" b="0" kern="1200" dirty="0" err="1">
-                          <a:solidFill>
-                            <a:schemeClr val="tx1"/>
-                          </a:solidFill>
-                          <a:latin typeface="맑은 고딕" pitchFamily="50" charset="-127"/>
-                          <a:ea typeface="맑은 고딕" pitchFamily="50" charset="-127"/>
-                          <a:cs typeface="+mn-cs"/>
-                        </a:rPr>
-                        <a:t>Citus</a:t>
-                      </a:r>
-                      <a:r>
-                        <a:rPr lang="en-US" altLang="ko-KR" sz="800" b="0" kern="1200" dirty="0">
-                          <a:solidFill>
-                            <a:schemeClr val="tx1"/>
-                          </a:solidFill>
-                          <a:latin typeface="맑은 고딕" pitchFamily="50" charset="-127"/>
-                          <a:ea typeface="맑은 고딕" pitchFamily="50" charset="-127"/>
-                          <a:cs typeface="+mn-cs"/>
-                        </a:rPr>
-                        <a:t> Master</a:t>
-                      </a:r>
-                      <a:endParaRPr lang="ko-KR" altLang="en-US" sz="800" b="0" kern="1200" dirty="0">
-                        <a:solidFill>
-                          <a:schemeClr val="tx1"/>
-                        </a:solidFill>
-                        <a:latin typeface="맑은 고딕" pitchFamily="50" charset="-127"/>
-                        <a:ea typeface="맑은 고딕" pitchFamily="50" charset="-127"/>
-                        <a:cs typeface="+mn-cs"/>
-                      </a:endParaRPr>
-                    </a:p>
-                  </a:txBody>
-                  <a:tcPr marL="91474" marR="91474" marT="45743" marB="45743">
-                    <a:lnL w="9525" cap="flat" cmpd="sng" algn="ctr">
-                      <a:solidFill>
-                        <a:srgbClr val="FFFFFF">
-                          <a:lumMod val="65000"/>
-                        </a:srgbClr>
-                      </a:solidFill>
-                      <a:prstDash val="solid"/>
-                      <a:round/>
-                      <a:headEnd type="none" w="med" len="med"/>
-                      <a:tailEnd type="none" w="med" len="med"/>
-                    </a:lnL>
-                    <a:lnR w="9525" cap="flat" cmpd="sng" algn="ctr">
-                      <a:solidFill>
-                        <a:srgbClr val="FFFFFF">
-                          <a:lumMod val="65000"/>
-                        </a:srgbClr>
-                      </a:solidFill>
-                      <a:prstDash val="solid"/>
-                      <a:round/>
-                      <a:headEnd type="none" w="med" len="med"/>
-                      <a:tailEnd type="none" w="med" len="med"/>
-                    </a:lnR>
-                    <a:lnT w="9525" cap="flat" cmpd="sng" algn="ctr">
-                      <a:solidFill>
-                        <a:srgbClr val="FFFFFF">
-                          <a:lumMod val="65000"/>
-                        </a:srgbClr>
-                      </a:solidFill>
-                      <a:prstDash val="solid"/>
-                      <a:round/>
-                      <a:headEnd type="none" w="med" len="med"/>
-                      <a:tailEnd type="none" w="med" len="med"/>
-                    </a:lnT>
-                    <a:lnB w="9525" cap="flat" cmpd="sng" algn="ctr">
-                      <a:solidFill>
-                        <a:srgbClr val="FFFFFF">
-                          <a:lumMod val="65000"/>
-                        </a:srgbClr>
-                      </a:solidFill>
-                      <a:prstDash val="solid"/>
-                      <a:round/>
-                      <a:headEnd type="none" w="med" len="med"/>
-                      <a:tailEnd type="none" w="med" len="med"/>
-                    </a:lnB>
-                    <a:lnTlToBr w="12700" cmpd="sng">
-                      <a:noFill/>
-                      <a:prstDash val="solid"/>
-                    </a:lnTlToBr>
-                    <a:lnBlToTr w="12700" cmpd="sng">
-                      <a:noFill/>
-                      <a:prstDash val="solid"/>
-                    </a:lnBlToTr>
-                    <a:solidFill>
-                      <a:srgbClr val="FFFFFF">
-                        <a:lumMod val="95000"/>
-                      </a:srgbClr>
-                    </a:solidFill>
-                  </a:tcPr>
-                </a:tc>
-                <a:extLst>
-                  <a:ext uri="{0D108BD9-81ED-4DB2-BD59-A6C34878D82A}">
-                    <a16:rowId xmlns:a16="http://schemas.microsoft.com/office/drawing/2014/main" val="10001"/>
-                  </a:ext>
-                </a:extLst>
-              </a:tr>
-              <a:tr h="193146">
-                <a:tc>
-                  <a:txBody>
-                    <a:bodyPr/>
-                    <a:lstStyle/>
-                    <a:p>
-                      <a:pPr marL="0" marR="0" indent="0" algn="ctr" defTabSz="1388882" rtl="0" eaLnBrk="1" fontAlgn="auto" latinLnBrk="1" hangingPunct="1">
-                        <a:lnSpc>
-                          <a:spcPct val="90000"/>
-                        </a:lnSpc>
-                        <a:spcBef>
-                          <a:spcPts val="0"/>
-                        </a:spcBef>
-                        <a:spcAft>
-                          <a:spcPts val="0"/>
-                        </a:spcAft>
-                        <a:buClrTx/>
-                        <a:buSzTx/>
-                        <a:buFontTx/>
-                        <a:buNone/>
-                        <a:tabLst/>
-                        <a:defRPr/>
-                      </a:pPr>
-                      <a:r>
-                        <a:rPr lang="en-US" altLang="ko-KR" sz="800" b="0" kern="1200" dirty="0">
-                          <a:solidFill>
-                            <a:schemeClr val="tx1"/>
-                          </a:solidFill>
-                          <a:latin typeface="맑은 고딕" pitchFamily="50" charset="-127"/>
-                          <a:ea typeface="맑은 고딕" pitchFamily="50" charset="-127"/>
-                          <a:cs typeface="+mn-cs"/>
-                        </a:rPr>
-                        <a:t>HA Proxy</a:t>
-                      </a:r>
-                      <a:endParaRPr lang="ko-KR" altLang="en-US" sz="800" b="0" kern="1200" dirty="0">
-                        <a:solidFill>
-                          <a:schemeClr val="tx1"/>
-                        </a:solidFill>
-                        <a:latin typeface="맑은 고딕" pitchFamily="50" charset="-127"/>
-                        <a:ea typeface="맑은 고딕" pitchFamily="50" charset="-127"/>
-                        <a:cs typeface="+mn-cs"/>
-                      </a:endParaRPr>
-                    </a:p>
-                  </a:txBody>
-                  <a:tcPr marL="91474" marR="91474" marT="45743" marB="45743">
-                    <a:lnL w="9525" cap="flat" cmpd="sng" algn="ctr">
-                      <a:solidFill>
-                        <a:srgbClr val="FFFFFF">
-                          <a:lumMod val="65000"/>
-                        </a:srgbClr>
-                      </a:solidFill>
-                      <a:prstDash val="solid"/>
-                      <a:round/>
-                      <a:headEnd type="none" w="med" len="med"/>
-                      <a:tailEnd type="none" w="med" len="med"/>
-                    </a:lnL>
-                    <a:lnR w="9525" cap="flat" cmpd="sng" algn="ctr">
-                      <a:solidFill>
-                        <a:srgbClr val="FFFFFF">
-                          <a:lumMod val="65000"/>
-                        </a:srgbClr>
-                      </a:solidFill>
-                      <a:prstDash val="solid"/>
-                      <a:round/>
-                      <a:headEnd type="none" w="med" len="med"/>
-                      <a:tailEnd type="none" w="med" len="med"/>
-                    </a:lnR>
-                    <a:lnT w="9525" cap="flat" cmpd="sng" algn="ctr">
-                      <a:solidFill>
-                        <a:srgbClr val="FFFFFF">
-                          <a:lumMod val="65000"/>
-                        </a:srgbClr>
-                      </a:solidFill>
-                      <a:prstDash val="solid"/>
-                      <a:round/>
-                      <a:headEnd type="none" w="med" len="med"/>
-                      <a:tailEnd type="none" w="med" len="med"/>
-                    </a:lnT>
-                    <a:lnB w="9525" cap="flat" cmpd="sng" algn="ctr">
-                      <a:solidFill>
-                        <a:srgbClr val="FFFFFF">
-                          <a:lumMod val="65000"/>
-                        </a:srgbClr>
-                      </a:solidFill>
-                      <a:prstDash val="solid"/>
-                      <a:round/>
-                      <a:headEnd type="none" w="med" len="med"/>
-                      <a:tailEnd type="none" w="med" len="med"/>
-                    </a:lnB>
-                    <a:lnTlToBr w="12700" cmpd="sng">
-                      <a:noFill/>
-                      <a:prstDash val="solid"/>
-                    </a:lnTlToBr>
-                    <a:lnBlToTr w="12700" cmpd="sng">
-                      <a:noFill/>
-                      <a:prstDash val="solid"/>
-                    </a:lnBlToTr>
-                    <a:solidFill>
-                      <a:srgbClr val="FFFFFF">
-                        <a:lumMod val="95000"/>
-                      </a:srgbClr>
-                    </a:solidFill>
-                  </a:tcPr>
-                </a:tc>
-                <a:extLst>
-                  <a:ext uri="{0D108BD9-81ED-4DB2-BD59-A6C34878D82A}">
-                    <a16:rowId xmlns:a16="http://schemas.microsoft.com/office/drawing/2014/main" val="10005"/>
-                  </a:ext>
-                </a:extLst>
-              </a:tr>
-              <a:tr h="203309">
-                <a:tc>
-                  <a:txBody>
-                    <a:bodyPr/>
-                    <a:lstStyle>
-                      <a:defPPr>
-                        <a:defRPr lang="ko-KR"/>
-                      </a:defPPr>
-                      <a:lvl1pPr marL="0" algn="l" defTabSz="914400" rtl="0" eaLnBrk="1" latinLnBrk="1" hangingPunct="1">
-                        <a:defRPr sz="1800" kern="1200">
-                          <a:solidFill>
-                            <a:schemeClr val="dk1"/>
-                          </a:solidFill>
-                          <a:latin typeface="Arial"/>
-                          <a:ea typeface="맑은 고딕"/>
-                        </a:defRPr>
-                      </a:lvl1pPr>
-                      <a:lvl2pPr marL="457200" algn="l" defTabSz="914400" rtl="0" eaLnBrk="1" latinLnBrk="1" hangingPunct="1">
-                        <a:defRPr sz="1800" kern="1200">
-                          <a:solidFill>
-                            <a:schemeClr val="dk1"/>
-                          </a:solidFill>
-                          <a:latin typeface="Arial"/>
-                          <a:ea typeface="맑은 고딕"/>
-                        </a:defRPr>
-                      </a:lvl2pPr>
-                      <a:lvl3pPr marL="914400" algn="l" defTabSz="914400" rtl="0" eaLnBrk="1" latinLnBrk="1" hangingPunct="1">
-                        <a:defRPr sz="1800" kern="1200">
-                          <a:solidFill>
-                            <a:schemeClr val="dk1"/>
-                          </a:solidFill>
-                          <a:latin typeface="Arial"/>
-                          <a:ea typeface="맑은 고딕"/>
-                        </a:defRPr>
-                      </a:lvl3pPr>
-                      <a:lvl4pPr marL="1371600" algn="l" defTabSz="914400" rtl="0" eaLnBrk="1" latinLnBrk="1" hangingPunct="1">
-                        <a:defRPr sz="1800" kern="1200">
-                          <a:solidFill>
-                            <a:schemeClr val="dk1"/>
-                          </a:solidFill>
-                          <a:latin typeface="Arial"/>
-                          <a:ea typeface="맑은 고딕"/>
-                        </a:defRPr>
-                      </a:lvl4pPr>
-                      <a:lvl5pPr marL="1828800" algn="l" defTabSz="914400" rtl="0" eaLnBrk="1" latinLnBrk="1" hangingPunct="1">
-                        <a:defRPr sz="1800" kern="1200">
-                          <a:solidFill>
-                            <a:schemeClr val="dk1"/>
-                          </a:solidFill>
-                          <a:latin typeface="Arial"/>
-                          <a:ea typeface="맑은 고딕"/>
-                        </a:defRPr>
-                      </a:lvl5pPr>
-                      <a:lvl6pPr marL="2286000" algn="l" defTabSz="914400" rtl="0" eaLnBrk="1" latinLnBrk="1" hangingPunct="1">
-                        <a:defRPr sz="1800" kern="1200">
-                          <a:solidFill>
-                            <a:schemeClr val="dk1"/>
-                          </a:solidFill>
-                          <a:latin typeface="Arial"/>
-                          <a:ea typeface="맑은 고딕"/>
-                        </a:defRPr>
-                      </a:lvl6pPr>
-                      <a:lvl7pPr marL="2743200" algn="l" defTabSz="914400" rtl="0" eaLnBrk="1" latinLnBrk="1" hangingPunct="1">
-                        <a:defRPr sz="1800" kern="1200">
-                          <a:solidFill>
-                            <a:schemeClr val="dk1"/>
-                          </a:solidFill>
-                          <a:latin typeface="Arial"/>
-                          <a:ea typeface="맑은 고딕"/>
-                        </a:defRPr>
-                      </a:lvl7pPr>
-                      <a:lvl8pPr marL="3200400" algn="l" defTabSz="914400" rtl="0" eaLnBrk="1" latinLnBrk="1" hangingPunct="1">
-                        <a:defRPr sz="1800" kern="1200">
-                          <a:solidFill>
-                            <a:schemeClr val="dk1"/>
-                          </a:solidFill>
-                          <a:latin typeface="Arial"/>
-                          <a:ea typeface="맑은 고딕"/>
-                        </a:defRPr>
-                      </a:lvl8pPr>
-                      <a:lvl9pPr marL="3657600" algn="l" defTabSz="914400" rtl="0" eaLnBrk="1" latinLnBrk="1" hangingPunct="1">
-                        <a:defRPr sz="1800" kern="1200">
-                          <a:solidFill>
-                            <a:schemeClr val="dk1"/>
-                          </a:solidFill>
-                          <a:latin typeface="Arial"/>
-                          <a:ea typeface="맑은 고딕"/>
-                        </a:defRPr>
-                      </a:lvl9pPr>
-                    </a:lstStyle>
-                    <a:p>
-                      <a:pPr algn="ctr" latinLnBrk="1"/>
-                      <a:r>
-                        <a:rPr lang="en-US" altLang="ko-KR" sz="800" dirty="0">
-                          <a:solidFill>
-                            <a:schemeClr val="tx1"/>
-                          </a:solidFill>
-                          <a:latin typeface="맑은 고딕" pitchFamily="50" charset="-127"/>
-                          <a:ea typeface="맑은 고딕" pitchFamily="50" charset="-127"/>
-                        </a:rPr>
-                        <a:t>OPENJDK 1.8</a:t>
-                      </a:r>
-                      <a:endParaRPr lang="ko-KR" altLang="en-US" sz="800" dirty="0">
-                        <a:solidFill>
-                          <a:schemeClr val="tx1"/>
-                        </a:solidFill>
-                        <a:latin typeface="맑은 고딕" pitchFamily="50" charset="-127"/>
-                        <a:ea typeface="맑은 고딕" pitchFamily="50" charset="-127"/>
-                      </a:endParaRPr>
-                    </a:p>
-                  </a:txBody>
-                  <a:tcPr marL="91474" marR="91474" marT="45743" marB="45743">
-                    <a:lnL w="9525" cap="flat" cmpd="sng" algn="ctr">
-                      <a:solidFill>
-                        <a:srgbClr val="FFFFFF">
-                          <a:lumMod val="65000"/>
-                        </a:srgbClr>
-                      </a:solidFill>
-                      <a:prstDash val="solid"/>
-                      <a:round/>
-                      <a:headEnd type="none" w="med" len="med"/>
-                      <a:tailEnd type="none" w="med" len="med"/>
-                    </a:lnL>
-                    <a:lnR w="9525" cap="flat" cmpd="sng" algn="ctr">
-                      <a:solidFill>
-                        <a:srgbClr val="FFFFFF">
-                          <a:lumMod val="65000"/>
-                        </a:srgbClr>
-                      </a:solidFill>
-                      <a:prstDash val="solid"/>
-                      <a:round/>
-                      <a:headEnd type="none" w="med" len="med"/>
-                      <a:tailEnd type="none" w="med" len="med"/>
-                    </a:lnR>
-                    <a:lnT w="9525" cap="flat" cmpd="sng" algn="ctr">
-                      <a:solidFill>
-                        <a:srgbClr val="FFFFFF">
-                          <a:lumMod val="65000"/>
-                        </a:srgbClr>
-                      </a:solidFill>
-                      <a:prstDash val="solid"/>
-                      <a:round/>
-                      <a:headEnd type="none" w="med" len="med"/>
-                      <a:tailEnd type="none" w="med" len="med"/>
-                    </a:lnT>
-                    <a:lnB w="9525" cap="flat" cmpd="sng" algn="ctr">
-                      <a:solidFill>
-                        <a:srgbClr val="FFFFFF">
-                          <a:lumMod val="65000"/>
-                        </a:srgbClr>
-                      </a:solidFill>
-                      <a:prstDash val="solid"/>
-                      <a:round/>
-                      <a:headEnd type="none" w="med" len="med"/>
-                      <a:tailEnd type="none" w="med" len="med"/>
-                    </a:lnB>
-                    <a:lnTlToBr w="12700" cmpd="sng">
-                      <a:noFill/>
-                      <a:prstDash val="solid"/>
-                    </a:lnTlToBr>
-                    <a:lnBlToTr w="12700" cmpd="sng">
-                      <a:noFill/>
-                      <a:prstDash val="solid"/>
-                    </a:lnBlToTr>
-                    <a:solidFill>
-                      <a:srgbClr val="FFFFFF">
-                        <a:lumMod val="95000"/>
-                      </a:srgbClr>
-                    </a:solidFill>
-                  </a:tcPr>
-                </a:tc>
-                <a:extLst>
-                  <a:ext uri="{0D108BD9-81ED-4DB2-BD59-A6C34878D82A}">
-                    <a16:rowId xmlns:a16="http://schemas.microsoft.com/office/drawing/2014/main" val="10003"/>
-                  </a:ext>
-                </a:extLst>
-              </a:tr>
-              <a:tr h="203309">
-                <a:tc>
-                  <a:txBody>
-                    <a:bodyPr/>
-                    <a:lstStyle>
-                      <a:defPPr>
-                        <a:defRPr lang="ko-KR"/>
-                      </a:defPPr>
-                      <a:lvl1pPr marL="0" algn="l" defTabSz="914400" rtl="0" eaLnBrk="1" latinLnBrk="1" hangingPunct="1">
-                        <a:defRPr sz="1800" kern="1200">
-                          <a:solidFill>
-                            <a:schemeClr val="dk1"/>
-                          </a:solidFill>
-                          <a:latin typeface="Arial"/>
-                          <a:ea typeface="맑은 고딕"/>
-                        </a:defRPr>
-                      </a:lvl1pPr>
-                      <a:lvl2pPr marL="457200" algn="l" defTabSz="914400" rtl="0" eaLnBrk="1" latinLnBrk="1" hangingPunct="1">
-                        <a:defRPr sz="1800" kern="1200">
-                          <a:solidFill>
-                            <a:schemeClr val="dk1"/>
-                          </a:solidFill>
-                          <a:latin typeface="Arial"/>
-                          <a:ea typeface="맑은 고딕"/>
-                        </a:defRPr>
-                      </a:lvl2pPr>
-                      <a:lvl3pPr marL="914400" algn="l" defTabSz="914400" rtl="0" eaLnBrk="1" latinLnBrk="1" hangingPunct="1">
-                        <a:defRPr sz="1800" kern="1200">
-                          <a:solidFill>
-                            <a:schemeClr val="dk1"/>
-                          </a:solidFill>
-                          <a:latin typeface="Arial"/>
-                          <a:ea typeface="맑은 고딕"/>
-                        </a:defRPr>
-                      </a:lvl3pPr>
-                      <a:lvl4pPr marL="1371600" algn="l" defTabSz="914400" rtl="0" eaLnBrk="1" latinLnBrk="1" hangingPunct="1">
-                        <a:defRPr sz="1800" kern="1200">
-                          <a:solidFill>
-                            <a:schemeClr val="dk1"/>
-                          </a:solidFill>
-                          <a:latin typeface="Arial"/>
-                          <a:ea typeface="맑은 고딕"/>
-                        </a:defRPr>
-                      </a:lvl4pPr>
-                      <a:lvl5pPr marL="1828800" algn="l" defTabSz="914400" rtl="0" eaLnBrk="1" latinLnBrk="1" hangingPunct="1">
-                        <a:defRPr sz="1800" kern="1200">
-                          <a:solidFill>
-                            <a:schemeClr val="dk1"/>
-                          </a:solidFill>
-                          <a:latin typeface="Arial"/>
-                          <a:ea typeface="맑은 고딕"/>
-                        </a:defRPr>
-                      </a:lvl5pPr>
-                      <a:lvl6pPr marL="2286000" algn="l" defTabSz="914400" rtl="0" eaLnBrk="1" latinLnBrk="1" hangingPunct="1">
-                        <a:defRPr sz="1800" kern="1200">
-                          <a:solidFill>
-                            <a:schemeClr val="dk1"/>
-                          </a:solidFill>
-                          <a:latin typeface="Arial"/>
-                          <a:ea typeface="맑은 고딕"/>
-                        </a:defRPr>
-                      </a:lvl6pPr>
-                      <a:lvl7pPr marL="2743200" algn="l" defTabSz="914400" rtl="0" eaLnBrk="1" latinLnBrk="1" hangingPunct="1">
-                        <a:defRPr sz="1800" kern="1200">
-                          <a:solidFill>
-                            <a:schemeClr val="dk1"/>
-                          </a:solidFill>
-                          <a:latin typeface="Arial"/>
-                          <a:ea typeface="맑은 고딕"/>
-                        </a:defRPr>
-                      </a:lvl7pPr>
-                      <a:lvl8pPr marL="3200400" algn="l" defTabSz="914400" rtl="0" eaLnBrk="1" latinLnBrk="1" hangingPunct="1">
-                        <a:defRPr sz="1800" kern="1200">
-                          <a:solidFill>
-                            <a:schemeClr val="dk1"/>
-                          </a:solidFill>
-                          <a:latin typeface="Arial"/>
-                          <a:ea typeface="맑은 고딕"/>
-                        </a:defRPr>
-                      </a:lvl8pPr>
-                      <a:lvl9pPr marL="3657600" algn="l" defTabSz="914400" rtl="0" eaLnBrk="1" latinLnBrk="1" hangingPunct="1">
-                        <a:defRPr sz="1800" kern="1200">
-                          <a:solidFill>
-                            <a:schemeClr val="dk1"/>
-                          </a:solidFill>
-                          <a:latin typeface="Arial"/>
-                          <a:ea typeface="맑은 고딕"/>
-                        </a:defRPr>
-                      </a:lvl9pPr>
-                    </a:lstStyle>
-                    <a:p>
-                      <a:pPr marL="0" marR="0" lvl="0" indent="0" algn="ctr" defTabSz="914400" rtl="0" eaLnBrk="1" fontAlgn="auto" latinLnBrk="1" hangingPunct="1">
-                        <a:lnSpc>
-                          <a:spcPct val="100000"/>
-                        </a:lnSpc>
-                        <a:spcBef>
-                          <a:spcPts val="0"/>
-                        </a:spcBef>
-                        <a:spcAft>
-                          <a:spcPts val="0"/>
-                        </a:spcAft>
-                        <a:buClrTx/>
-                        <a:buSzTx/>
-                        <a:buFontTx/>
-                        <a:buNone/>
-                        <a:tabLst/>
-                        <a:defRPr/>
-                      </a:pPr>
-                      <a:r>
-                        <a:rPr kumimoji="0" lang="en-US" altLang="ko-KR" sz="800" b="0" i="0" u="none" strike="noStrike" kern="1200" cap="none" normalizeH="0" baseline="0" dirty="0" err="1">
-                          <a:ln>
-                            <a:noFill/>
-                          </a:ln>
-                          <a:solidFill>
-                            <a:srgbClr val="000000"/>
-                          </a:solidFill>
-                          <a:effectLst/>
-                          <a:latin typeface="맑은 고딕" pitchFamily="50" charset="-127"/>
-                          <a:ea typeface="맑은 고딕" pitchFamily="50" charset="-127"/>
-                          <a:cs typeface="+mn-cs"/>
-                        </a:rPr>
-                        <a:t>CentOS</a:t>
-                      </a:r>
-                      <a:r>
-                        <a:rPr kumimoji="0" lang="en-US" altLang="ko-KR" sz="800" b="0" i="0" u="none" strike="noStrike" kern="1200" cap="none" normalizeH="0" baseline="0" dirty="0">
-                          <a:ln>
-                            <a:noFill/>
-                          </a:ln>
-                          <a:solidFill>
-                            <a:srgbClr val="000000"/>
-                          </a:solidFill>
-                          <a:effectLst/>
-                          <a:latin typeface="맑은 고딕" pitchFamily="50" charset="-127"/>
-                          <a:ea typeface="맑은 고딕" pitchFamily="50" charset="-127"/>
-                          <a:cs typeface="+mn-cs"/>
-                        </a:rPr>
-                        <a:t> 7.6</a:t>
-                      </a:r>
-                      <a:endParaRPr lang="ko-KR" altLang="en-US" sz="800" dirty="0">
-                        <a:solidFill>
-                          <a:schemeClr val="tx1"/>
-                        </a:solidFill>
-                        <a:latin typeface="맑은 고딕" pitchFamily="50" charset="-127"/>
-                        <a:ea typeface="맑은 고딕" pitchFamily="50" charset="-127"/>
-                      </a:endParaRPr>
-                    </a:p>
-                  </a:txBody>
-                  <a:tcPr marL="91474" marR="91474" marT="45743" marB="45743">
-                    <a:lnL w="9525" cap="flat" cmpd="sng" algn="ctr">
-                      <a:solidFill>
-                        <a:srgbClr val="FFFFFF">
-                          <a:lumMod val="65000"/>
-                        </a:srgbClr>
-                      </a:solidFill>
-                      <a:prstDash val="solid"/>
-                      <a:round/>
-                      <a:headEnd type="none" w="med" len="med"/>
-                      <a:tailEnd type="none" w="med" len="med"/>
-                    </a:lnL>
-                    <a:lnR w="9525" cap="flat" cmpd="sng" algn="ctr">
-                      <a:solidFill>
-                        <a:srgbClr val="FFFFFF">
-                          <a:lumMod val="65000"/>
-                        </a:srgbClr>
-                      </a:solidFill>
-                      <a:prstDash val="solid"/>
-                      <a:round/>
-                      <a:headEnd type="none" w="med" len="med"/>
-                      <a:tailEnd type="none" w="med" len="med"/>
-                    </a:lnR>
-                    <a:lnT w="9525" cap="flat" cmpd="sng" algn="ctr">
-                      <a:solidFill>
-                        <a:srgbClr val="FFFFFF">
-                          <a:lumMod val="65000"/>
-                        </a:srgbClr>
-                      </a:solidFill>
-                      <a:prstDash val="solid"/>
-                      <a:round/>
-                      <a:headEnd type="none" w="med" len="med"/>
-                      <a:tailEnd type="none" w="med" len="med"/>
-                    </a:lnT>
-                    <a:lnB w="9525" cap="flat" cmpd="sng" algn="ctr">
-                      <a:solidFill>
-                        <a:srgbClr val="FFFFFF">
-                          <a:lumMod val="65000"/>
-                        </a:srgbClr>
-                      </a:solidFill>
-                      <a:prstDash val="solid"/>
-                      <a:round/>
-                      <a:headEnd type="none" w="med" len="med"/>
-                      <a:tailEnd type="none" w="med" len="med"/>
-                    </a:lnB>
-                    <a:lnTlToBr w="12700" cmpd="sng">
-                      <a:noFill/>
-                      <a:prstDash val="solid"/>
-                    </a:lnTlToBr>
-                    <a:lnBlToTr w="12700" cmpd="sng">
-                      <a:noFill/>
-                      <a:prstDash val="solid"/>
-                    </a:lnBlToTr>
-                    <a:solidFill>
-                      <a:srgbClr val="FFFFFF">
-                        <a:lumMod val="95000"/>
-                      </a:srgbClr>
-                    </a:solidFill>
-                  </a:tcPr>
-                </a:tc>
-                <a:extLst>
-                  <a:ext uri="{0D108BD9-81ED-4DB2-BD59-A6C34878D82A}">
-                    <a16:rowId xmlns:a16="http://schemas.microsoft.com/office/drawing/2014/main" val="10004"/>
-                  </a:ext>
-                </a:extLst>
-              </a:tr>
-            </a:tbl>
-          </a:graphicData>
-        </a:graphic>
-      </p:graphicFrame>
       <p:sp>
         <p:nvSpPr>
           <p:cNvPr id="34" name="직사각형 33">
@@ -24860,7 +24089,7 @@
         </p:nvSpPr>
         <p:spPr>
           <a:xfrm>
-            <a:off x="3002973" y="1385158"/>
+            <a:off x="3002973" y="1236629"/>
             <a:ext cx="1035730" cy="215444"/>
           </a:xfrm>
           <a:prstGeom prst="rect">
@@ -24899,13 +24128,13 @@
           <p:nvPr>
             <p:extLst>
               <p:ext uri="{D42A27DB-BD31-4B8C-83A1-F6EECF244321}">
-                <p14:modId xmlns:p14="http://schemas.microsoft.com/office/powerpoint/2010/main" val="588105219"/>
+                <p14:modId xmlns:p14="http://schemas.microsoft.com/office/powerpoint/2010/main" val="2748151488"/>
               </p:ext>
             </p:extLst>
           </p:nvPr>
         </p:nvGraphicFramePr>
         <p:xfrm>
-          <a:off x="3002973" y="2915082"/>
+          <a:off x="3002973" y="2766553"/>
           <a:ext cx="1042730" cy="402428"/>
         </p:xfrm>
         <a:graphic>
@@ -25148,7 +24377,7 @@
                           <a:ea typeface="맑은 고딕" pitchFamily="50" charset="-127"/>
                           <a:cs typeface="+mn-cs"/>
                         </a:rPr>
-                        <a:t>3T Disk</a:t>
+                        <a:t>11T Disk</a:t>
                       </a:r>
                       <a:endParaRPr lang="ko-KR" altLang="en-US" sz="800" b="0" kern="1200" dirty="0">
                         <a:solidFill>
@@ -25244,7 +24473,7 @@
         </p:nvSpPr>
         <p:spPr>
           <a:xfrm>
-            <a:off x="4160912" y="1349845"/>
+            <a:off x="4160912" y="1201316"/>
             <a:ext cx="1142074" cy="2002839"/>
           </a:xfrm>
           <a:prstGeom prst="rect">
@@ -25300,13 +24529,13 @@
           <p:nvPr>
             <p:extLst>
               <p:ext uri="{D42A27DB-BD31-4B8C-83A1-F6EECF244321}">
-                <p14:modId xmlns:p14="http://schemas.microsoft.com/office/powerpoint/2010/main" val="228822045"/>
+                <p14:modId xmlns:p14="http://schemas.microsoft.com/office/powerpoint/2010/main" val="69004593"/>
               </p:ext>
             </p:extLst>
           </p:nvPr>
         </p:nvGraphicFramePr>
         <p:xfrm>
-          <a:off x="4270989" y="1681163"/>
+          <a:off x="4270989" y="1532634"/>
           <a:ext cx="951982" cy="829240"/>
         </p:xfrm>
         <a:graphic>
@@ -26057,7 +25286,7 @@
         </p:nvSpPr>
         <p:spPr>
           <a:xfrm>
-            <a:off x="4213004" y="1385158"/>
+            <a:off x="4213004" y="1236629"/>
             <a:ext cx="1035730" cy="215444"/>
           </a:xfrm>
           <a:prstGeom prst="rect">
@@ -26075,7 +25304,7 @@
               <a:rPr lang="en-US" altLang="ko-KR" sz="800" dirty="0">
                 <a:latin typeface="+mn-ea"/>
               </a:rPr>
-              <a:t>Worker Node</a:t>
+              <a:t>Worker Node1</a:t>
             </a:r>
             <a:endParaRPr lang="ko-KR" altLang="en-US" sz="800" dirty="0"/>
           </a:p>
@@ -26096,13 +25325,13 @@
           <p:nvPr>
             <p:extLst>
               <p:ext uri="{D42A27DB-BD31-4B8C-83A1-F6EECF244321}">
-                <p14:modId xmlns:p14="http://schemas.microsoft.com/office/powerpoint/2010/main" val="2877920587"/>
+                <p14:modId xmlns:p14="http://schemas.microsoft.com/office/powerpoint/2010/main" val="3567775637"/>
               </p:ext>
             </p:extLst>
           </p:nvPr>
         </p:nvGraphicFramePr>
         <p:xfrm>
-          <a:off x="4213004" y="2915082"/>
+          <a:off x="4213004" y="2766553"/>
           <a:ext cx="1042730" cy="402428"/>
         </p:xfrm>
         <a:graphic>
@@ -26345,7 +25574,7 @@
                           <a:ea typeface="맑은 고딕" pitchFamily="50" charset="-127"/>
                           <a:cs typeface="+mn-cs"/>
                         </a:rPr>
-                        <a:t>3T Disk</a:t>
+                        <a:t>11T Disk</a:t>
                       </a:r>
                       <a:endParaRPr lang="ko-KR" altLang="en-US" sz="800" b="0" kern="1200" dirty="0">
                         <a:solidFill>
@@ -26441,7 +25670,7 @@
         </p:nvSpPr>
         <p:spPr>
           <a:xfrm>
-            <a:off x="5385048" y="1346584"/>
+            <a:off x="5385048" y="1198055"/>
             <a:ext cx="1142074" cy="2002839"/>
           </a:xfrm>
           <a:prstGeom prst="rect">
@@ -26497,13 +25726,13 @@
           <p:nvPr>
             <p:extLst>
               <p:ext uri="{D42A27DB-BD31-4B8C-83A1-F6EECF244321}">
-                <p14:modId xmlns:p14="http://schemas.microsoft.com/office/powerpoint/2010/main" val="747361406"/>
+                <p14:modId xmlns:p14="http://schemas.microsoft.com/office/powerpoint/2010/main" val="282622323"/>
               </p:ext>
             </p:extLst>
           </p:nvPr>
         </p:nvGraphicFramePr>
         <p:xfrm>
-          <a:off x="5495125" y="1677902"/>
+          <a:off x="5495125" y="1529373"/>
           <a:ext cx="951982" cy="829240"/>
         </p:xfrm>
         <a:graphic>
@@ -27254,7 +26483,7 @@
         </p:nvSpPr>
         <p:spPr>
           <a:xfrm>
-            <a:off x="5437140" y="1381897"/>
+            <a:off x="5437140" y="1233368"/>
             <a:ext cx="1035730" cy="215444"/>
           </a:xfrm>
           <a:prstGeom prst="rect">
@@ -27272,7 +26501,7 @@
               <a:rPr lang="en-US" altLang="ko-KR" sz="800" dirty="0">
                 <a:latin typeface="+mn-ea"/>
               </a:rPr>
-              <a:t>Worker Node</a:t>
+              <a:t>Worker Node2</a:t>
             </a:r>
             <a:endParaRPr lang="ko-KR" altLang="en-US" sz="800" dirty="0"/>
           </a:p>
@@ -27293,13 +26522,13 @@
           <p:nvPr>
             <p:extLst>
               <p:ext uri="{D42A27DB-BD31-4B8C-83A1-F6EECF244321}">
-                <p14:modId xmlns:p14="http://schemas.microsoft.com/office/powerpoint/2010/main" val="2499386735"/>
+                <p14:modId xmlns:p14="http://schemas.microsoft.com/office/powerpoint/2010/main" val="1537162183"/>
               </p:ext>
             </p:extLst>
           </p:nvPr>
         </p:nvGraphicFramePr>
         <p:xfrm>
-          <a:off x="5444140" y="2911821"/>
+          <a:off x="5444140" y="2763292"/>
           <a:ext cx="1028730" cy="402428"/>
         </p:xfrm>
         <a:graphic>
@@ -27542,7 +26771,7 @@
                           <a:ea typeface="맑은 고딕" pitchFamily="50" charset="-127"/>
                           <a:cs typeface="+mn-cs"/>
                         </a:rPr>
-                        <a:t>3T Disk</a:t>
+                        <a:t>11T Disk</a:t>
                       </a:r>
                       <a:endParaRPr lang="ko-KR" altLang="en-US" sz="800" b="0" kern="1200" dirty="0">
                         <a:solidFill>
@@ -27638,7 +26867,7 @@
         </p:nvSpPr>
         <p:spPr>
           <a:xfrm>
-            <a:off x="6609184" y="1346584"/>
+            <a:off x="6609184" y="1198055"/>
             <a:ext cx="1142074" cy="2002839"/>
           </a:xfrm>
           <a:prstGeom prst="rect">
@@ -27694,13 +26923,13 @@
           <p:nvPr>
             <p:extLst>
               <p:ext uri="{D42A27DB-BD31-4B8C-83A1-F6EECF244321}">
-                <p14:modId xmlns:p14="http://schemas.microsoft.com/office/powerpoint/2010/main" val="4140585698"/>
+                <p14:modId xmlns:p14="http://schemas.microsoft.com/office/powerpoint/2010/main" val="2747230671"/>
               </p:ext>
             </p:extLst>
           </p:nvPr>
         </p:nvGraphicFramePr>
         <p:xfrm>
-          <a:off x="6719261" y="1677902"/>
+          <a:off x="6719261" y="1529373"/>
           <a:ext cx="951982" cy="829240"/>
         </p:xfrm>
         <a:graphic>
@@ -28451,7 +27680,7 @@
         </p:nvSpPr>
         <p:spPr>
           <a:xfrm>
-            <a:off x="6661276" y="1381897"/>
+            <a:off x="6661276" y="1233368"/>
             <a:ext cx="1035730" cy="215444"/>
           </a:xfrm>
           <a:prstGeom prst="rect">
@@ -28469,7 +27698,7 @@
               <a:rPr lang="en-US" altLang="ko-KR" sz="800" dirty="0">
                 <a:latin typeface="+mn-ea"/>
               </a:rPr>
-              <a:t>Worker Node</a:t>
+              <a:t>Worker Node3</a:t>
             </a:r>
             <a:endParaRPr lang="ko-KR" altLang="en-US" sz="800" dirty="0"/>
           </a:p>
@@ -28490,13 +27719,13 @@
           <p:nvPr>
             <p:extLst>
               <p:ext uri="{D42A27DB-BD31-4B8C-83A1-F6EECF244321}">
-                <p14:modId xmlns:p14="http://schemas.microsoft.com/office/powerpoint/2010/main" val="3276783670"/>
+                <p14:modId xmlns:p14="http://schemas.microsoft.com/office/powerpoint/2010/main" val="1733004728"/>
               </p:ext>
             </p:extLst>
           </p:nvPr>
         </p:nvGraphicFramePr>
         <p:xfrm>
-          <a:off x="6661276" y="2911821"/>
+          <a:off x="6661276" y="2763292"/>
           <a:ext cx="1042730" cy="402428"/>
         </p:xfrm>
         <a:graphic>
@@ -28739,7 +27968,7 @@
                           <a:ea typeface="맑은 고딕" pitchFamily="50" charset="-127"/>
                           <a:cs typeface="+mn-cs"/>
                         </a:rPr>
-                        <a:t>3T Disk</a:t>
+                        <a:t>11T Disk</a:t>
                       </a:r>
                       <a:endParaRPr lang="ko-KR" altLang="en-US" sz="800" b="0" kern="1200" dirty="0">
                         <a:solidFill>
@@ -28821,6 +28050,2542 @@
           </a:graphicData>
         </a:graphic>
       </p:graphicFrame>
+      <p:sp>
+        <p:nvSpPr>
+          <p:cNvPr id="48" name="직사각형 47">
+            <a:extLst>
+              <a:ext uri="{FF2B5EF4-FFF2-40B4-BE49-F238E27FC236}">
+                <a16:creationId xmlns:a16="http://schemas.microsoft.com/office/drawing/2014/main" id="{878C40D3-9558-431A-83B7-CAFC2CFB596B}"/>
+              </a:ext>
+            </a:extLst>
+          </p:cNvPr>
+          <p:cNvSpPr/>
+          <p:nvPr/>
+        </p:nvSpPr>
+        <p:spPr>
+          <a:xfrm>
+            <a:off x="7843374" y="3843756"/>
+            <a:ext cx="1142074" cy="2312782"/>
+          </a:xfrm>
+          <a:prstGeom prst="rect">
+            <a:avLst/>
+          </a:prstGeom>
+          <a:solidFill>
+            <a:schemeClr val="bg1"/>
+          </a:solidFill>
+          <a:ln w="12700"/>
+        </p:spPr>
+        <p:style>
+          <a:lnRef idx="2">
+            <a:schemeClr val="accent1">
+              <a:shade val="50000"/>
+            </a:schemeClr>
+          </a:lnRef>
+          <a:fillRef idx="1">
+            <a:schemeClr val="accent1"/>
+          </a:fillRef>
+          <a:effectRef idx="0">
+            <a:schemeClr val="accent1"/>
+          </a:effectRef>
+          <a:fontRef idx="minor">
+            <a:schemeClr val="lt1"/>
+          </a:fontRef>
+        </p:style>
+        <p:txBody>
+          <a:bodyPr lIns="0" rIns="0" rtlCol="0" anchor="t"/>
+          <a:lstStyle/>
+          <a:p>
+            <a:pPr algn="ctr"/>
+            <a:endParaRPr lang="en-US" altLang="ko-KR" sz="800" dirty="0">
+              <a:solidFill>
+                <a:schemeClr val="tx1"/>
+              </a:solidFill>
+              <a:latin typeface="+mn-ea"/>
+            </a:endParaRPr>
+          </a:p>
+        </p:txBody>
+      </p:sp>
+      <p:graphicFrame>
+        <p:nvGraphicFramePr>
+          <p:cNvPr id="49" name="표 48">
+            <a:extLst>
+              <a:ext uri="{FF2B5EF4-FFF2-40B4-BE49-F238E27FC236}">
+                <a16:creationId xmlns:a16="http://schemas.microsoft.com/office/drawing/2014/main" id="{D4727C46-B242-424E-943B-D87A3B27E039}"/>
+              </a:ext>
+            </a:extLst>
+          </p:cNvPr>
+          <p:cNvGraphicFramePr>
+            <a:graphicFrameLocks noGrp="1"/>
+          </p:cNvGraphicFramePr>
+          <p:nvPr>
+            <p:extLst>
+              <p:ext uri="{D42A27DB-BD31-4B8C-83A1-F6EECF244321}">
+                <p14:modId xmlns:p14="http://schemas.microsoft.com/office/powerpoint/2010/main" val="1481871301"/>
+              </p:ext>
+            </p:extLst>
+          </p:nvPr>
+        </p:nvGraphicFramePr>
+        <p:xfrm>
+          <a:off x="7953451" y="4219828"/>
+          <a:ext cx="951982" cy="829240"/>
+        </p:xfrm>
+        <a:graphic>
+          <a:graphicData uri="http://schemas.openxmlformats.org/drawingml/2006/table">
+            <a:tbl>
+              <a:tblPr firstRow="1" bandRow="1"/>
+              <a:tblGrid>
+                <a:gridCol w="951982">
+                  <a:extLst>
+                    <a:ext uri="{9D8B030D-6E8A-4147-A177-3AD203B41FA5}">
+                      <a16:colId xmlns:a16="http://schemas.microsoft.com/office/drawing/2014/main" val="20000"/>
+                    </a:ext>
+                  </a:extLst>
+                </a:gridCol>
+              </a:tblGrid>
+              <a:tr h="179548">
+                <a:tc>
+                  <a:txBody>
+                    <a:bodyPr/>
+                    <a:lstStyle/>
+                    <a:p>
+                      <a:pPr marL="0" marR="0" indent="0" algn="ctr" defTabSz="1388882" rtl="0" eaLnBrk="1" fontAlgn="auto" latinLnBrk="1" hangingPunct="1">
+                        <a:lnSpc>
+                          <a:spcPct val="90000"/>
+                        </a:lnSpc>
+                        <a:spcBef>
+                          <a:spcPts val="0"/>
+                        </a:spcBef>
+                        <a:spcAft>
+                          <a:spcPts val="0"/>
+                        </a:spcAft>
+                        <a:buClrTx/>
+                        <a:buSzTx/>
+                        <a:buFontTx/>
+                        <a:buNone/>
+                        <a:tabLst/>
+                        <a:defRPr/>
+                      </a:pPr>
+                      <a:r>
+                        <a:rPr lang="en-US" altLang="ko-KR" sz="800" b="0" kern="1200" dirty="0">
+                          <a:solidFill>
+                            <a:schemeClr val="tx1"/>
+                          </a:solidFill>
+                          <a:latin typeface="맑은 고딕" pitchFamily="50" charset="-127"/>
+                          <a:ea typeface="맑은 고딕" pitchFamily="50" charset="-127"/>
+                          <a:cs typeface="+mn-cs"/>
+                        </a:rPr>
+                        <a:t>Spark 2.4.0</a:t>
+                      </a:r>
+                      <a:endParaRPr lang="ko-KR" altLang="en-US" sz="800" b="0" kern="1200" dirty="0">
+                        <a:solidFill>
+                          <a:schemeClr val="tx1"/>
+                        </a:solidFill>
+                        <a:latin typeface="맑은 고딕" pitchFamily="50" charset="-127"/>
+                        <a:ea typeface="맑은 고딕" pitchFamily="50" charset="-127"/>
+                        <a:cs typeface="+mn-cs"/>
+                      </a:endParaRPr>
+                    </a:p>
+                  </a:txBody>
+                  <a:tcPr marL="91474" marR="91474" marT="45743" marB="45743">
+                    <a:lnL w="9525" cap="flat" cmpd="sng" algn="ctr">
+                      <a:solidFill>
+                        <a:srgbClr val="FFFFFF">
+                          <a:lumMod val="65000"/>
+                        </a:srgbClr>
+                      </a:solidFill>
+                      <a:prstDash val="solid"/>
+                      <a:round/>
+                      <a:headEnd type="none" w="med" len="med"/>
+                      <a:tailEnd type="none" w="med" len="med"/>
+                    </a:lnL>
+                    <a:lnR w="9525" cap="flat" cmpd="sng" algn="ctr">
+                      <a:solidFill>
+                        <a:srgbClr val="FFFFFF">
+                          <a:lumMod val="65000"/>
+                        </a:srgbClr>
+                      </a:solidFill>
+                      <a:prstDash val="solid"/>
+                      <a:round/>
+                      <a:headEnd type="none" w="med" len="med"/>
+                      <a:tailEnd type="none" w="med" len="med"/>
+                    </a:lnR>
+                    <a:lnT w="9525" cap="flat" cmpd="sng" algn="ctr">
+                      <a:solidFill>
+                        <a:srgbClr val="FFFFFF">
+                          <a:lumMod val="65000"/>
+                        </a:srgbClr>
+                      </a:solidFill>
+                      <a:prstDash val="solid"/>
+                      <a:round/>
+                      <a:headEnd type="none" w="med" len="med"/>
+                      <a:tailEnd type="none" w="med" len="med"/>
+                    </a:lnT>
+                    <a:lnB w="9525" cap="flat" cmpd="sng" algn="ctr">
+                      <a:solidFill>
+                        <a:srgbClr val="FFFFFF">
+                          <a:lumMod val="65000"/>
+                        </a:srgbClr>
+                      </a:solidFill>
+                      <a:prstDash val="solid"/>
+                      <a:round/>
+                      <a:headEnd type="none" w="med" len="med"/>
+                      <a:tailEnd type="none" w="med" len="med"/>
+                    </a:lnB>
+                    <a:lnTlToBr w="12700" cmpd="sng">
+                      <a:noFill/>
+                      <a:prstDash val="solid"/>
+                    </a:lnTlToBr>
+                    <a:lnBlToTr w="12700" cmpd="sng">
+                      <a:noFill/>
+                      <a:prstDash val="solid"/>
+                    </a:lnBlToTr>
+                    <a:solidFill>
+                      <a:srgbClr val="FFFFFF">
+                        <a:lumMod val="95000"/>
+                      </a:srgbClr>
+                    </a:solidFill>
+                  </a:tcPr>
+                </a:tc>
+                <a:extLst>
+                  <a:ext uri="{0D108BD9-81ED-4DB2-BD59-A6C34878D82A}">
+                    <a16:rowId xmlns:a16="http://schemas.microsoft.com/office/drawing/2014/main" val="10000"/>
+                  </a:ext>
+                </a:extLst>
+              </a:tr>
+              <a:tr h="179548">
+                <a:tc>
+                  <a:txBody>
+                    <a:bodyPr/>
+                    <a:lstStyle>
+                      <a:defPPr>
+                        <a:defRPr lang="ko-KR"/>
+                      </a:defPPr>
+                      <a:lvl1pPr marL="0" algn="l" defTabSz="914400" rtl="0" eaLnBrk="1" latinLnBrk="1" hangingPunct="1">
+                        <a:defRPr sz="1800" kern="1200">
+                          <a:solidFill>
+                            <a:schemeClr val="dk1"/>
+                          </a:solidFill>
+                          <a:latin typeface="Arial"/>
+                          <a:ea typeface="맑은 고딕"/>
+                        </a:defRPr>
+                      </a:lvl1pPr>
+                      <a:lvl2pPr marL="457200" algn="l" defTabSz="914400" rtl="0" eaLnBrk="1" latinLnBrk="1" hangingPunct="1">
+                        <a:defRPr sz="1800" kern="1200">
+                          <a:solidFill>
+                            <a:schemeClr val="dk1"/>
+                          </a:solidFill>
+                          <a:latin typeface="Arial"/>
+                          <a:ea typeface="맑은 고딕"/>
+                        </a:defRPr>
+                      </a:lvl2pPr>
+                      <a:lvl3pPr marL="914400" algn="l" defTabSz="914400" rtl="0" eaLnBrk="1" latinLnBrk="1" hangingPunct="1">
+                        <a:defRPr sz="1800" kern="1200">
+                          <a:solidFill>
+                            <a:schemeClr val="dk1"/>
+                          </a:solidFill>
+                          <a:latin typeface="Arial"/>
+                          <a:ea typeface="맑은 고딕"/>
+                        </a:defRPr>
+                      </a:lvl3pPr>
+                      <a:lvl4pPr marL="1371600" algn="l" defTabSz="914400" rtl="0" eaLnBrk="1" latinLnBrk="1" hangingPunct="1">
+                        <a:defRPr sz="1800" kern="1200">
+                          <a:solidFill>
+                            <a:schemeClr val="dk1"/>
+                          </a:solidFill>
+                          <a:latin typeface="Arial"/>
+                          <a:ea typeface="맑은 고딕"/>
+                        </a:defRPr>
+                      </a:lvl4pPr>
+                      <a:lvl5pPr marL="1828800" algn="l" defTabSz="914400" rtl="0" eaLnBrk="1" latinLnBrk="1" hangingPunct="1">
+                        <a:defRPr sz="1800" kern="1200">
+                          <a:solidFill>
+                            <a:schemeClr val="dk1"/>
+                          </a:solidFill>
+                          <a:latin typeface="Arial"/>
+                          <a:ea typeface="맑은 고딕"/>
+                        </a:defRPr>
+                      </a:lvl5pPr>
+                      <a:lvl6pPr marL="2286000" algn="l" defTabSz="914400" rtl="0" eaLnBrk="1" latinLnBrk="1" hangingPunct="1">
+                        <a:defRPr sz="1800" kern="1200">
+                          <a:solidFill>
+                            <a:schemeClr val="dk1"/>
+                          </a:solidFill>
+                          <a:latin typeface="Arial"/>
+                          <a:ea typeface="맑은 고딕"/>
+                        </a:defRPr>
+                      </a:lvl6pPr>
+                      <a:lvl7pPr marL="2743200" algn="l" defTabSz="914400" rtl="0" eaLnBrk="1" latinLnBrk="1" hangingPunct="1">
+                        <a:defRPr sz="1800" kern="1200">
+                          <a:solidFill>
+                            <a:schemeClr val="dk1"/>
+                          </a:solidFill>
+                          <a:latin typeface="Arial"/>
+                          <a:ea typeface="맑은 고딕"/>
+                        </a:defRPr>
+                      </a:lvl7pPr>
+                      <a:lvl8pPr marL="3200400" algn="l" defTabSz="914400" rtl="0" eaLnBrk="1" latinLnBrk="1" hangingPunct="1">
+                        <a:defRPr sz="1800" kern="1200">
+                          <a:solidFill>
+                            <a:schemeClr val="dk1"/>
+                          </a:solidFill>
+                          <a:latin typeface="Arial"/>
+                          <a:ea typeface="맑은 고딕"/>
+                        </a:defRPr>
+                      </a:lvl8pPr>
+                      <a:lvl9pPr marL="3657600" algn="l" defTabSz="914400" rtl="0" eaLnBrk="1" latinLnBrk="1" hangingPunct="1">
+                        <a:defRPr sz="1800" kern="1200">
+                          <a:solidFill>
+                            <a:schemeClr val="dk1"/>
+                          </a:solidFill>
+                          <a:latin typeface="Arial"/>
+                          <a:ea typeface="맑은 고딕"/>
+                        </a:defRPr>
+                      </a:lvl9pPr>
+                    </a:lstStyle>
+                    <a:p>
+                      <a:pPr marL="0" marR="0" indent="0" algn="ctr" defTabSz="1388882" rtl="0" eaLnBrk="1" fontAlgn="auto" latinLnBrk="1" hangingPunct="1">
+                        <a:lnSpc>
+                          <a:spcPct val="90000"/>
+                        </a:lnSpc>
+                        <a:spcBef>
+                          <a:spcPts val="0"/>
+                        </a:spcBef>
+                        <a:spcAft>
+                          <a:spcPts val="0"/>
+                        </a:spcAft>
+                        <a:buClrTx/>
+                        <a:buSzTx/>
+                        <a:buFontTx/>
+                        <a:buNone/>
+                        <a:tabLst/>
+                        <a:defRPr/>
+                      </a:pPr>
+                      <a:r>
+                        <a:rPr lang="en-US" altLang="ko-KR" sz="800" b="0" kern="1200" dirty="0" err="1">
+                          <a:solidFill>
+                            <a:schemeClr val="tx1"/>
+                          </a:solidFill>
+                          <a:latin typeface="맑은 고딕" pitchFamily="50" charset="-127"/>
+                          <a:ea typeface="맑은 고딕" pitchFamily="50" charset="-127"/>
+                          <a:cs typeface="+mn-cs"/>
+                        </a:rPr>
+                        <a:t>DataNode</a:t>
+                      </a:r>
+                      <a:endParaRPr lang="ko-KR" altLang="en-US" sz="800" b="0" kern="1200" dirty="0">
+                        <a:solidFill>
+                          <a:schemeClr val="tx1"/>
+                        </a:solidFill>
+                        <a:latin typeface="맑은 고딕" pitchFamily="50" charset="-127"/>
+                        <a:ea typeface="맑은 고딕" pitchFamily="50" charset="-127"/>
+                        <a:cs typeface="+mn-cs"/>
+                      </a:endParaRPr>
+                    </a:p>
+                  </a:txBody>
+                  <a:tcPr marL="91474" marR="91474" marT="45743" marB="45743">
+                    <a:lnL w="9525" cap="flat" cmpd="sng" algn="ctr">
+                      <a:solidFill>
+                        <a:srgbClr val="FFFFFF">
+                          <a:lumMod val="65000"/>
+                        </a:srgbClr>
+                      </a:solidFill>
+                      <a:prstDash val="solid"/>
+                      <a:round/>
+                      <a:headEnd type="none" w="med" len="med"/>
+                      <a:tailEnd type="none" w="med" len="med"/>
+                    </a:lnL>
+                    <a:lnR w="9525" cap="flat" cmpd="sng" algn="ctr">
+                      <a:solidFill>
+                        <a:srgbClr val="FFFFFF">
+                          <a:lumMod val="65000"/>
+                        </a:srgbClr>
+                      </a:solidFill>
+                      <a:prstDash val="solid"/>
+                      <a:round/>
+                      <a:headEnd type="none" w="med" len="med"/>
+                      <a:tailEnd type="none" w="med" len="med"/>
+                    </a:lnR>
+                    <a:lnT w="9525" cap="flat" cmpd="sng" algn="ctr">
+                      <a:solidFill>
+                        <a:srgbClr val="FFFFFF">
+                          <a:lumMod val="65000"/>
+                        </a:srgbClr>
+                      </a:solidFill>
+                      <a:prstDash val="solid"/>
+                      <a:round/>
+                      <a:headEnd type="none" w="med" len="med"/>
+                      <a:tailEnd type="none" w="med" len="med"/>
+                    </a:lnT>
+                    <a:lnB w="9525" cap="flat" cmpd="sng" algn="ctr">
+                      <a:solidFill>
+                        <a:srgbClr val="FFFFFF">
+                          <a:lumMod val="65000"/>
+                        </a:srgbClr>
+                      </a:solidFill>
+                      <a:prstDash val="solid"/>
+                      <a:round/>
+                      <a:headEnd type="none" w="med" len="med"/>
+                      <a:tailEnd type="none" w="med" len="med"/>
+                    </a:lnB>
+                    <a:lnTlToBr w="12700" cmpd="sng">
+                      <a:noFill/>
+                      <a:prstDash val="solid"/>
+                    </a:lnTlToBr>
+                    <a:lnBlToTr w="12700" cmpd="sng">
+                      <a:noFill/>
+                      <a:prstDash val="solid"/>
+                    </a:lnBlToTr>
+                    <a:solidFill>
+                      <a:srgbClr val="FFFFFF">
+                        <a:lumMod val="95000"/>
+                      </a:srgbClr>
+                    </a:solidFill>
+                  </a:tcPr>
+                </a:tc>
+                <a:extLst>
+                  <a:ext uri="{0D108BD9-81ED-4DB2-BD59-A6C34878D82A}">
+                    <a16:rowId xmlns:a16="http://schemas.microsoft.com/office/drawing/2014/main" val="10001"/>
+                  </a:ext>
+                </a:extLst>
+              </a:tr>
+              <a:tr h="191006">
+                <a:tc>
+                  <a:txBody>
+                    <a:bodyPr/>
+                    <a:lstStyle>
+                      <a:defPPr>
+                        <a:defRPr lang="ko-KR"/>
+                      </a:defPPr>
+                      <a:lvl1pPr marL="0" algn="l" defTabSz="914400" rtl="0" eaLnBrk="1" latinLnBrk="1" hangingPunct="1">
+                        <a:defRPr sz="1800" kern="1200">
+                          <a:solidFill>
+                            <a:schemeClr val="dk1"/>
+                          </a:solidFill>
+                          <a:latin typeface="Arial"/>
+                          <a:ea typeface="맑은 고딕"/>
+                        </a:defRPr>
+                      </a:lvl1pPr>
+                      <a:lvl2pPr marL="457200" algn="l" defTabSz="914400" rtl="0" eaLnBrk="1" latinLnBrk="1" hangingPunct="1">
+                        <a:defRPr sz="1800" kern="1200">
+                          <a:solidFill>
+                            <a:schemeClr val="dk1"/>
+                          </a:solidFill>
+                          <a:latin typeface="Arial"/>
+                          <a:ea typeface="맑은 고딕"/>
+                        </a:defRPr>
+                      </a:lvl2pPr>
+                      <a:lvl3pPr marL="914400" algn="l" defTabSz="914400" rtl="0" eaLnBrk="1" latinLnBrk="1" hangingPunct="1">
+                        <a:defRPr sz="1800" kern="1200">
+                          <a:solidFill>
+                            <a:schemeClr val="dk1"/>
+                          </a:solidFill>
+                          <a:latin typeface="Arial"/>
+                          <a:ea typeface="맑은 고딕"/>
+                        </a:defRPr>
+                      </a:lvl3pPr>
+                      <a:lvl4pPr marL="1371600" algn="l" defTabSz="914400" rtl="0" eaLnBrk="1" latinLnBrk="1" hangingPunct="1">
+                        <a:defRPr sz="1800" kern="1200">
+                          <a:solidFill>
+                            <a:schemeClr val="dk1"/>
+                          </a:solidFill>
+                          <a:latin typeface="Arial"/>
+                          <a:ea typeface="맑은 고딕"/>
+                        </a:defRPr>
+                      </a:lvl4pPr>
+                      <a:lvl5pPr marL="1828800" algn="l" defTabSz="914400" rtl="0" eaLnBrk="1" latinLnBrk="1" hangingPunct="1">
+                        <a:defRPr sz="1800" kern="1200">
+                          <a:solidFill>
+                            <a:schemeClr val="dk1"/>
+                          </a:solidFill>
+                          <a:latin typeface="Arial"/>
+                          <a:ea typeface="맑은 고딕"/>
+                        </a:defRPr>
+                      </a:lvl5pPr>
+                      <a:lvl6pPr marL="2286000" algn="l" defTabSz="914400" rtl="0" eaLnBrk="1" latinLnBrk="1" hangingPunct="1">
+                        <a:defRPr sz="1800" kern="1200">
+                          <a:solidFill>
+                            <a:schemeClr val="dk1"/>
+                          </a:solidFill>
+                          <a:latin typeface="Arial"/>
+                          <a:ea typeface="맑은 고딕"/>
+                        </a:defRPr>
+                      </a:lvl6pPr>
+                      <a:lvl7pPr marL="2743200" algn="l" defTabSz="914400" rtl="0" eaLnBrk="1" latinLnBrk="1" hangingPunct="1">
+                        <a:defRPr sz="1800" kern="1200">
+                          <a:solidFill>
+                            <a:schemeClr val="dk1"/>
+                          </a:solidFill>
+                          <a:latin typeface="Arial"/>
+                          <a:ea typeface="맑은 고딕"/>
+                        </a:defRPr>
+                      </a:lvl7pPr>
+                      <a:lvl8pPr marL="3200400" algn="l" defTabSz="914400" rtl="0" eaLnBrk="1" latinLnBrk="1" hangingPunct="1">
+                        <a:defRPr sz="1800" kern="1200">
+                          <a:solidFill>
+                            <a:schemeClr val="dk1"/>
+                          </a:solidFill>
+                          <a:latin typeface="Arial"/>
+                          <a:ea typeface="맑은 고딕"/>
+                        </a:defRPr>
+                      </a:lvl8pPr>
+                      <a:lvl9pPr marL="3657600" algn="l" defTabSz="914400" rtl="0" eaLnBrk="1" latinLnBrk="1" hangingPunct="1">
+                        <a:defRPr sz="1800" kern="1200">
+                          <a:solidFill>
+                            <a:schemeClr val="dk1"/>
+                          </a:solidFill>
+                          <a:latin typeface="Arial"/>
+                          <a:ea typeface="맑은 고딕"/>
+                        </a:defRPr>
+                      </a:lvl9pPr>
+                    </a:lstStyle>
+                    <a:p>
+                      <a:pPr algn="ctr" latinLnBrk="1"/>
+                      <a:r>
+                        <a:rPr lang="en-US" altLang="ko-KR" sz="800" dirty="0">
+                          <a:solidFill>
+                            <a:schemeClr val="tx1"/>
+                          </a:solidFill>
+                          <a:latin typeface="맑은 고딕" pitchFamily="50" charset="-127"/>
+                          <a:ea typeface="맑은 고딕" pitchFamily="50" charset="-127"/>
+                        </a:rPr>
+                        <a:t>OPENJDK 1.8</a:t>
+                      </a:r>
+                      <a:endParaRPr lang="ko-KR" altLang="en-US" sz="800" dirty="0">
+                        <a:solidFill>
+                          <a:schemeClr val="tx1"/>
+                        </a:solidFill>
+                        <a:latin typeface="맑은 고딕" pitchFamily="50" charset="-127"/>
+                        <a:ea typeface="맑은 고딕" pitchFamily="50" charset="-127"/>
+                      </a:endParaRPr>
+                    </a:p>
+                  </a:txBody>
+                  <a:tcPr marL="91474" marR="91474" marT="45743" marB="45743">
+                    <a:lnL w="9525" cap="flat" cmpd="sng" algn="ctr">
+                      <a:solidFill>
+                        <a:srgbClr val="FFFFFF">
+                          <a:lumMod val="65000"/>
+                        </a:srgbClr>
+                      </a:solidFill>
+                      <a:prstDash val="solid"/>
+                      <a:round/>
+                      <a:headEnd type="none" w="med" len="med"/>
+                      <a:tailEnd type="none" w="med" len="med"/>
+                    </a:lnL>
+                    <a:lnR w="9525" cap="flat" cmpd="sng" algn="ctr">
+                      <a:solidFill>
+                        <a:srgbClr val="FFFFFF">
+                          <a:lumMod val="65000"/>
+                        </a:srgbClr>
+                      </a:solidFill>
+                      <a:prstDash val="solid"/>
+                      <a:round/>
+                      <a:headEnd type="none" w="med" len="med"/>
+                      <a:tailEnd type="none" w="med" len="med"/>
+                    </a:lnR>
+                    <a:lnT w="9525" cap="flat" cmpd="sng" algn="ctr">
+                      <a:solidFill>
+                        <a:srgbClr val="FFFFFF">
+                          <a:lumMod val="65000"/>
+                        </a:srgbClr>
+                      </a:solidFill>
+                      <a:prstDash val="solid"/>
+                      <a:round/>
+                      <a:headEnd type="none" w="med" len="med"/>
+                      <a:tailEnd type="none" w="med" len="med"/>
+                    </a:lnT>
+                    <a:lnB w="9525" cap="flat" cmpd="sng" algn="ctr">
+                      <a:solidFill>
+                        <a:srgbClr val="FFFFFF">
+                          <a:lumMod val="65000"/>
+                        </a:srgbClr>
+                      </a:solidFill>
+                      <a:prstDash val="solid"/>
+                      <a:round/>
+                      <a:headEnd type="none" w="med" len="med"/>
+                      <a:tailEnd type="none" w="med" len="med"/>
+                    </a:lnB>
+                    <a:lnTlToBr w="12700" cmpd="sng">
+                      <a:noFill/>
+                      <a:prstDash val="solid"/>
+                    </a:lnTlToBr>
+                    <a:lnBlToTr w="12700" cmpd="sng">
+                      <a:noFill/>
+                      <a:prstDash val="solid"/>
+                    </a:lnBlToTr>
+                    <a:solidFill>
+                      <a:srgbClr val="FFFFFF">
+                        <a:lumMod val="95000"/>
+                      </a:srgbClr>
+                    </a:solidFill>
+                  </a:tcPr>
+                </a:tc>
+                <a:extLst>
+                  <a:ext uri="{0D108BD9-81ED-4DB2-BD59-A6C34878D82A}">
+                    <a16:rowId xmlns:a16="http://schemas.microsoft.com/office/drawing/2014/main" val="10002"/>
+                  </a:ext>
+                </a:extLst>
+              </a:tr>
+              <a:tr h="191006">
+                <a:tc>
+                  <a:txBody>
+                    <a:bodyPr/>
+                    <a:lstStyle>
+                      <a:defPPr>
+                        <a:defRPr lang="ko-KR"/>
+                      </a:defPPr>
+                      <a:lvl1pPr marL="0" algn="l" defTabSz="914400" rtl="0" eaLnBrk="1" latinLnBrk="1" hangingPunct="1">
+                        <a:defRPr sz="1800" kern="1200">
+                          <a:solidFill>
+                            <a:schemeClr val="dk1"/>
+                          </a:solidFill>
+                          <a:latin typeface="Arial"/>
+                          <a:ea typeface="맑은 고딕"/>
+                        </a:defRPr>
+                      </a:lvl1pPr>
+                      <a:lvl2pPr marL="457200" algn="l" defTabSz="914400" rtl="0" eaLnBrk="1" latinLnBrk="1" hangingPunct="1">
+                        <a:defRPr sz="1800" kern="1200">
+                          <a:solidFill>
+                            <a:schemeClr val="dk1"/>
+                          </a:solidFill>
+                          <a:latin typeface="Arial"/>
+                          <a:ea typeface="맑은 고딕"/>
+                        </a:defRPr>
+                      </a:lvl2pPr>
+                      <a:lvl3pPr marL="914400" algn="l" defTabSz="914400" rtl="0" eaLnBrk="1" latinLnBrk="1" hangingPunct="1">
+                        <a:defRPr sz="1800" kern="1200">
+                          <a:solidFill>
+                            <a:schemeClr val="dk1"/>
+                          </a:solidFill>
+                          <a:latin typeface="Arial"/>
+                          <a:ea typeface="맑은 고딕"/>
+                        </a:defRPr>
+                      </a:lvl3pPr>
+                      <a:lvl4pPr marL="1371600" algn="l" defTabSz="914400" rtl="0" eaLnBrk="1" latinLnBrk="1" hangingPunct="1">
+                        <a:defRPr sz="1800" kern="1200">
+                          <a:solidFill>
+                            <a:schemeClr val="dk1"/>
+                          </a:solidFill>
+                          <a:latin typeface="Arial"/>
+                          <a:ea typeface="맑은 고딕"/>
+                        </a:defRPr>
+                      </a:lvl4pPr>
+                      <a:lvl5pPr marL="1828800" algn="l" defTabSz="914400" rtl="0" eaLnBrk="1" latinLnBrk="1" hangingPunct="1">
+                        <a:defRPr sz="1800" kern="1200">
+                          <a:solidFill>
+                            <a:schemeClr val="dk1"/>
+                          </a:solidFill>
+                          <a:latin typeface="Arial"/>
+                          <a:ea typeface="맑은 고딕"/>
+                        </a:defRPr>
+                      </a:lvl5pPr>
+                      <a:lvl6pPr marL="2286000" algn="l" defTabSz="914400" rtl="0" eaLnBrk="1" latinLnBrk="1" hangingPunct="1">
+                        <a:defRPr sz="1800" kern="1200">
+                          <a:solidFill>
+                            <a:schemeClr val="dk1"/>
+                          </a:solidFill>
+                          <a:latin typeface="Arial"/>
+                          <a:ea typeface="맑은 고딕"/>
+                        </a:defRPr>
+                      </a:lvl6pPr>
+                      <a:lvl7pPr marL="2743200" algn="l" defTabSz="914400" rtl="0" eaLnBrk="1" latinLnBrk="1" hangingPunct="1">
+                        <a:defRPr sz="1800" kern="1200">
+                          <a:solidFill>
+                            <a:schemeClr val="dk1"/>
+                          </a:solidFill>
+                          <a:latin typeface="Arial"/>
+                          <a:ea typeface="맑은 고딕"/>
+                        </a:defRPr>
+                      </a:lvl7pPr>
+                      <a:lvl8pPr marL="3200400" algn="l" defTabSz="914400" rtl="0" eaLnBrk="1" latinLnBrk="1" hangingPunct="1">
+                        <a:defRPr sz="1800" kern="1200">
+                          <a:solidFill>
+                            <a:schemeClr val="dk1"/>
+                          </a:solidFill>
+                          <a:latin typeface="Arial"/>
+                          <a:ea typeface="맑은 고딕"/>
+                        </a:defRPr>
+                      </a:lvl8pPr>
+                      <a:lvl9pPr marL="3657600" algn="l" defTabSz="914400" rtl="0" eaLnBrk="1" latinLnBrk="1" hangingPunct="1">
+                        <a:defRPr sz="1800" kern="1200">
+                          <a:solidFill>
+                            <a:schemeClr val="dk1"/>
+                          </a:solidFill>
+                          <a:latin typeface="Arial"/>
+                          <a:ea typeface="맑은 고딕"/>
+                        </a:defRPr>
+                      </a:lvl9pPr>
+                    </a:lstStyle>
+                    <a:p>
+                      <a:pPr marL="0" marR="0" lvl="0" indent="0" algn="ctr" defTabSz="914400" rtl="0" eaLnBrk="1" fontAlgn="auto" latinLnBrk="1" hangingPunct="1">
+                        <a:lnSpc>
+                          <a:spcPct val="100000"/>
+                        </a:lnSpc>
+                        <a:spcBef>
+                          <a:spcPts val="0"/>
+                        </a:spcBef>
+                        <a:spcAft>
+                          <a:spcPts val="0"/>
+                        </a:spcAft>
+                        <a:buClrTx/>
+                        <a:buSzTx/>
+                        <a:buFontTx/>
+                        <a:buNone/>
+                        <a:tabLst/>
+                        <a:defRPr/>
+                      </a:pPr>
+                      <a:r>
+                        <a:rPr kumimoji="0" lang="en-US" altLang="ko-KR" sz="800" b="0" i="0" u="none" strike="noStrike" kern="1200" cap="none" normalizeH="0" baseline="0" dirty="0" err="1">
+                          <a:ln>
+                            <a:noFill/>
+                          </a:ln>
+                          <a:solidFill>
+                            <a:srgbClr val="000000"/>
+                          </a:solidFill>
+                          <a:effectLst/>
+                          <a:latin typeface="맑은 고딕" pitchFamily="50" charset="-127"/>
+                          <a:ea typeface="맑은 고딕" pitchFamily="50" charset="-127"/>
+                          <a:cs typeface="+mn-cs"/>
+                        </a:rPr>
+                        <a:t>CentOS</a:t>
+                      </a:r>
+                      <a:r>
+                        <a:rPr kumimoji="0" lang="en-US" altLang="ko-KR" sz="800" b="0" i="0" u="none" strike="noStrike" kern="1200" cap="none" normalizeH="0" baseline="0" dirty="0">
+                          <a:ln>
+                            <a:noFill/>
+                          </a:ln>
+                          <a:solidFill>
+                            <a:srgbClr val="000000"/>
+                          </a:solidFill>
+                          <a:effectLst/>
+                          <a:latin typeface="맑은 고딕" pitchFamily="50" charset="-127"/>
+                          <a:ea typeface="맑은 고딕" pitchFamily="50" charset="-127"/>
+                          <a:cs typeface="+mn-cs"/>
+                        </a:rPr>
+                        <a:t> 7.6</a:t>
+                      </a:r>
+                      <a:endParaRPr lang="ko-KR" altLang="en-US" sz="800" dirty="0">
+                        <a:solidFill>
+                          <a:schemeClr val="tx1"/>
+                        </a:solidFill>
+                        <a:latin typeface="맑은 고딕" pitchFamily="50" charset="-127"/>
+                        <a:ea typeface="맑은 고딕" pitchFamily="50" charset="-127"/>
+                      </a:endParaRPr>
+                    </a:p>
+                  </a:txBody>
+                  <a:tcPr marL="91474" marR="91474" marT="45743" marB="45743">
+                    <a:lnL w="9525" cap="flat" cmpd="sng" algn="ctr">
+                      <a:solidFill>
+                        <a:srgbClr val="FFFFFF">
+                          <a:lumMod val="65000"/>
+                        </a:srgbClr>
+                      </a:solidFill>
+                      <a:prstDash val="solid"/>
+                      <a:round/>
+                      <a:headEnd type="none" w="med" len="med"/>
+                      <a:tailEnd type="none" w="med" len="med"/>
+                    </a:lnL>
+                    <a:lnR w="9525" cap="flat" cmpd="sng" algn="ctr">
+                      <a:solidFill>
+                        <a:srgbClr val="FFFFFF">
+                          <a:lumMod val="65000"/>
+                        </a:srgbClr>
+                      </a:solidFill>
+                      <a:prstDash val="solid"/>
+                      <a:round/>
+                      <a:headEnd type="none" w="med" len="med"/>
+                      <a:tailEnd type="none" w="med" len="med"/>
+                    </a:lnR>
+                    <a:lnT w="9525" cap="flat" cmpd="sng" algn="ctr">
+                      <a:solidFill>
+                        <a:srgbClr val="FFFFFF">
+                          <a:lumMod val="65000"/>
+                        </a:srgbClr>
+                      </a:solidFill>
+                      <a:prstDash val="solid"/>
+                      <a:round/>
+                      <a:headEnd type="none" w="med" len="med"/>
+                      <a:tailEnd type="none" w="med" len="med"/>
+                    </a:lnT>
+                    <a:lnB w="9525" cap="flat" cmpd="sng" algn="ctr">
+                      <a:solidFill>
+                        <a:srgbClr val="FFFFFF">
+                          <a:lumMod val="65000"/>
+                        </a:srgbClr>
+                      </a:solidFill>
+                      <a:prstDash val="solid"/>
+                      <a:round/>
+                      <a:headEnd type="none" w="med" len="med"/>
+                      <a:tailEnd type="none" w="med" len="med"/>
+                    </a:lnB>
+                    <a:lnTlToBr w="12700" cmpd="sng">
+                      <a:noFill/>
+                      <a:prstDash val="solid"/>
+                    </a:lnTlToBr>
+                    <a:lnBlToTr w="12700" cmpd="sng">
+                      <a:noFill/>
+                      <a:prstDash val="solid"/>
+                    </a:lnBlToTr>
+                    <a:solidFill>
+                      <a:srgbClr val="FFFFFF">
+                        <a:lumMod val="95000"/>
+                      </a:srgbClr>
+                    </a:solidFill>
+                  </a:tcPr>
+                </a:tc>
+                <a:extLst>
+                  <a:ext uri="{0D108BD9-81ED-4DB2-BD59-A6C34878D82A}">
+                    <a16:rowId xmlns:a16="http://schemas.microsoft.com/office/drawing/2014/main" val="10003"/>
+                  </a:ext>
+                </a:extLst>
+              </a:tr>
+            </a:tbl>
+          </a:graphicData>
+        </a:graphic>
+      </p:graphicFrame>
+      <p:sp>
+        <p:nvSpPr>
+          <p:cNvPr id="50" name="직사각형 49">
+            <a:extLst>
+              <a:ext uri="{FF2B5EF4-FFF2-40B4-BE49-F238E27FC236}">
+                <a16:creationId xmlns:a16="http://schemas.microsoft.com/office/drawing/2014/main" id="{CB7E8E75-5DBD-4A64-BE9F-AE83AEA96E6B}"/>
+              </a:ext>
+            </a:extLst>
+          </p:cNvPr>
+          <p:cNvSpPr/>
+          <p:nvPr/>
+        </p:nvSpPr>
+        <p:spPr>
+          <a:xfrm>
+            <a:off x="8061930" y="3871539"/>
+            <a:ext cx="748924" cy="338554"/>
+          </a:xfrm>
+          <a:prstGeom prst="rect">
+            <a:avLst/>
+          </a:prstGeom>
+        </p:spPr>
+        <p:txBody>
+          <a:bodyPr wrap="none">
+            <a:spAutoFit/>
+          </a:bodyPr>
+          <a:lstStyle/>
+          <a:p>
+            <a:pPr algn="ctr"/>
+            <a:r>
+              <a:rPr lang="en-US" altLang="ko-KR" sz="800" dirty="0">
+                <a:latin typeface="+mn-ea"/>
+              </a:rPr>
+              <a:t>CDH5.13.3</a:t>
+            </a:r>
+          </a:p>
+          <a:p>
+            <a:pPr algn="ctr"/>
+            <a:r>
+              <a:rPr lang="en-US" altLang="ko-KR" sz="800" dirty="0">
+                <a:latin typeface="+mn-ea"/>
+              </a:rPr>
+              <a:t>Data Node4</a:t>
+            </a:r>
+            <a:endParaRPr lang="ko-KR" altLang="en-US" sz="800" dirty="0"/>
+          </a:p>
+        </p:txBody>
+      </p:sp>
+      <p:graphicFrame>
+        <p:nvGraphicFramePr>
+          <p:cNvPr id="51" name="표 50">
+            <a:extLst>
+              <a:ext uri="{FF2B5EF4-FFF2-40B4-BE49-F238E27FC236}">
+                <a16:creationId xmlns:a16="http://schemas.microsoft.com/office/drawing/2014/main" id="{A5BF1E3A-1841-4319-8A19-1B852F2D46F8}"/>
+              </a:ext>
+            </a:extLst>
+          </p:cNvPr>
+          <p:cNvGraphicFramePr>
+            <a:graphicFrameLocks noGrp="1"/>
+          </p:cNvGraphicFramePr>
+          <p:nvPr>
+            <p:extLst>
+              <p:ext uri="{D42A27DB-BD31-4B8C-83A1-F6EECF244321}">
+                <p14:modId xmlns:p14="http://schemas.microsoft.com/office/powerpoint/2010/main" val="2472407550"/>
+              </p:ext>
+            </p:extLst>
+          </p:nvPr>
+        </p:nvGraphicFramePr>
+        <p:xfrm>
+          <a:off x="7904550" y="5687021"/>
+          <a:ext cx="1023913" cy="402428"/>
+        </p:xfrm>
+        <a:graphic>
+          <a:graphicData uri="http://schemas.openxmlformats.org/drawingml/2006/table">
+            <a:tbl>
+              <a:tblPr firstRow="1" bandRow="1"/>
+              <a:tblGrid>
+                <a:gridCol w="1023913">
+                  <a:extLst>
+                    <a:ext uri="{9D8B030D-6E8A-4147-A177-3AD203B41FA5}">
+                      <a16:colId xmlns:a16="http://schemas.microsoft.com/office/drawing/2014/main" val="20000"/>
+                    </a:ext>
+                  </a:extLst>
+                </a:gridCol>
+              </a:tblGrid>
+              <a:tr h="130023">
+                <a:tc>
+                  <a:txBody>
+                    <a:bodyPr/>
+                    <a:lstStyle/>
+                    <a:p>
+                      <a:pPr marL="0" marR="0" indent="0" algn="ctr" defTabSz="1388882" rtl="0" eaLnBrk="1" fontAlgn="auto" latinLnBrk="1" hangingPunct="1">
+                        <a:lnSpc>
+                          <a:spcPct val="90000"/>
+                        </a:lnSpc>
+                        <a:spcBef>
+                          <a:spcPts val="0"/>
+                        </a:spcBef>
+                        <a:spcAft>
+                          <a:spcPts val="0"/>
+                        </a:spcAft>
+                        <a:buClrTx/>
+                        <a:buSzTx/>
+                        <a:buFontTx/>
+                        <a:buNone/>
+                        <a:tabLst/>
+                        <a:defRPr/>
+                      </a:pPr>
+                      <a:r>
+                        <a:rPr lang="en-US" altLang="ko-KR" sz="800" b="0" kern="1200" dirty="0">
+                          <a:solidFill>
+                            <a:schemeClr val="tx1"/>
+                          </a:solidFill>
+                          <a:latin typeface="맑은 고딕" pitchFamily="50" charset="-127"/>
+                          <a:ea typeface="맑은 고딕" pitchFamily="50" charset="-127"/>
+                          <a:cs typeface="+mn-cs"/>
+                        </a:rPr>
+                        <a:t>24 CORE + 128G</a:t>
+                      </a:r>
+                      <a:endParaRPr lang="ko-KR" altLang="en-US" sz="800" b="0" kern="1200" dirty="0">
+                        <a:solidFill>
+                          <a:schemeClr val="tx1"/>
+                        </a:solidFill>
+                        <a:latin typeface="맑은 고딕" pitchFamily="50" charset="-127"/>
+                        <a:ea typeface="맑은 고딕" pitchFamily="50" charset="-127"/>
+                        <a:cs typeface="+mn-cs"/>
+                      </a:endParaRPr>
+                    </a:p>
+                  </a:txBody>
+                  <a:tcPr marL="91474" marR="91474" marT="45743" marB="45743">
+                    <a:lnL w="9525" cap="flat" cmpd="sng" algn="ctr">
+                      <a:solidFill>
+                        <a:srgbClr val="FFFFFF">
+                          <a:lumMod val="65000"/>
+                        </a:srgbClr>
+                      </a:solidFill>
+                      <a:prstDash val="solid"/>
+                      <a:round/>
+                      <a:headEnd type="none" w="med" len="med"/>
+                      <a:tailEnd type="none" w="med" len="med"/>
+                    </a:lnL>
+                    <a:lnR w="9525" cap="flat" cmpd="sng" algn="ctr">
+                      <a:solidFill>
+                        <a:srgbClr val="FFFFFF">
+                          <a:lumMod val="65000"/>
+                        </a:srgbClr>
+                      </a:solidFill>
+                      <a:prstDash val="solid"/>
+                      <a:round/>
+                      <a:headEnd type="none" w="med" len="med"/>
+                      <a:tailEnd type="none" w="med" len="med"/>
+                    </a:lnR>
+                    <a:lnT w="9525" cap="flat" cmpd="sng" algn="ctr">
+                      <a:solidFill>
+                        <a:srgbClr val="FFFFFF">
+                          <a:lumMod val="65000"/>
+                        </a:srgbClr>
+                      </a:solidFill>
+                      <a:prstDash val="solid"/>
+                      <a:round/>
+                      <a:headEnd type="none" w="med" len="med"/>
+                      <a:tailEnd type="none" w="med" len="med"/>
+                    </a:lnT>
+                    <a:lnB w="9525" cap="flat" cmpd="sng" algn="ctr">
+                      <a:solidFill>
+                        <a:srgbClr val="FFFFFF">
+                          <a:lumMod val="65000"/>
+                        </a:srgbClr>
+                      </a:solidFill>
+                      <a:prstDash val="solid"/>
+                      <a:round/>
+                      <a:headEnd type="none" w="med" len="med"/>
+                      <a:tailEnd type="none" w="med" len="med"/>
+                    </a:lnB>
+                    <a:lnTlToBr w="12700" cmpd="sng">
+                      <a:noFill/>
+                      <a:prstDash val="solid"/>
+                    </a:lnTlToBr>
+                    <a:lnBlToTr w="12700" cmpd="sng">
+                      <a:noFill/>
+                      <a:prstDash val="solid"/>
+                    </a:lnBlToTr>
+                    <a:solidFill>
+                      <a:schemeClr val="bg1">
+                        <a:lumMod val="85000"/>
+                      </a:schemeClr>
+                    </a:solidFill>
+                  </a:tcPr>
+                </a:tc>
+                <a:extLst>
+                  <a:ext uri="{0D108BD9-81ED-4DB2-BD59-A6C34878D82A}">
+                    <a16:rowId xmlns:a16="http://schemas.microsoft.com/office/drawing/2014/main" val="10000"/>
+                  </a:ext>
+                </a:extLst>
+              </a:tr>
+              <a:tr h="130023">
+                <a:tc>
+                  <a:txBody>
+                    <a:bodyPr/>
+                    <a:lstStyle>
+                      <a:defPPr>
+                        <a:defRPr lang="ko-KR"/>
+                      </a:defPPr>
+                      <a:lvl1pPr marL="0" algn="l" defTabSz="914400" rtl="0" eaLnBrk="1" latinLnBrk="1" hangingPunct="1">
+                        <a:defRPr sz="1800" kern="1200">
+                          <a:solidFill>
+                            <a:schemeClr val="dk1"/>
+                          </a:solidFill>
+                          <a:latin typeface="Arial"/>
+                          <a:ea typeface="맑은 고딕"/>
+                        </a:defRPr>
+                      </a:lvl1pPr>
+                      <a:lvl2pPr marL="457200" algn="l" defTabSz="914400" rtl="0" eaLnBrk="1" latinLnBrk="1" hangingPunct="1">
+                        <a:defRPr sz="1800" kern="1200">
+                          <a:solidFill>
+                            <a:schemeClr val="dk1"/>
+                          </a:solidFill>
+                          <a:latin typeface="Arial"/>
+                          <a:ea typeface="맑은 고딕"/>
+                        </a:defRPr>
+                      </a:lvl2pPr>
+                      <a:lvl3pPr marL="914400" algn="l" defTabSz="914400" rtl="0" eaLnBrk="1" latinLnBrk="1" hangingPunct="1">
+                        <a:defRPr sz="1800" kern="1200">
+                          <a:solidFill>
+                            <a:schemeClr val="dk1"/>
+                          </a:solidFill>
+                          <a:latin typeface="Arial"/>
+                          <a:ea typeface="맑은 고딕"/>
+                        </a:defRPr>
+                      </a:lvl3pPr>
+                      <a:lvl4pPr marL="1371600" algn="l" defTabSz="914400" rtl="0" eaLnBrk="1" latinLnBrk="1" hangingPunct="1">
+                        <a:defRPr sz="1800" kern="1200">
+                          <a:solidFill>
+                            <a:schemeClr val="dk1"/>
+                          </a:solidFill>
+                          <a:latin typeface="Arial"/>
+                          <a:ea typeface="맑은 고딕"/>
+                        </a:defRPr>
+                      </a:lvl4pPr>
+                      <a:lvl5pPr marL="1828800" algn="l" defTabSz="914400" rtl="0" eaLnBrk="1" latinLnBrk="1" hangingPunct="1">
+                        <a:defRPr sz="1800" kern="1200">
+                          <a:solidFill>
+                            <a:schemeClr val="dk1"/>
+                          </a:solidFill>
+                          <a:latin typeface="Arial"/>
+                          <a:ea typeface="맑은 고딕"/>
+                        </a:defRPr>
+                      </a:lvl5pPr>
+                      <a:lvl6pPr marL="2286000" algn="l" defTabSz="914400" rtl="0" eaLnBrk="1" latinLnBrk="1" hangingPunct="1">
+                        <a:defRPr sz="1800" kern="1200">
+                          <a:solidFill>
+                            <a:schemeClr val="dk1"/>
+                          </a:solidFill>
+                          <a:latin typeface="Arial"/>
+                          <a:ea typeface="맑은 고딕"/>
+                        </a:defRPr>
+                      </a:lvl6pPr>
+                      <a:lvl7pPr marL="2743200" algn="l" defTabSz="914400" rtl="0" eaLnBrk="1" latinLnBrk="1" hangingPunct="1">
+                        <a:defRPr sz="1800" kern="1200">
+                          <a:solidFill>
+                            <a:schemeClr val="dk1"/>
+                          </a:solidFill>
+                          <a:latin typeface="Arial"/>
+                          <a:ea typeface="맑은 고딕"/>
+                        </a:defRPr>
+                      </a:lvl7pPr>
+                      <a:lvl8pPr marL="3200400" algn="l" defTabSz="914400" rtl="0" eaLnBrk="1" latinLnBrk="1" hangingPunct="1">
+                        <a:defRPr sz="1800" kern="1200">
+                          <a:solidFill>
+                            <a:schemeClr val="dk1"/>
+                          </a:solidFill>
+                          <a:latin typeface="Arial"/>
+                          <a:ea typeface="맑은 고딕"/>
+                        </a:defRPr>
+                      </a:lvl8pPr>
+                      <a:lvl9pPr marL="3657600" algn="l" defTabSz="914400" rtl="0" eaLnBrk="1" latinLnBrk="1" hangingPunct="1">
+                        <a:defRPr sz="1800" kern="1200">
+                          <a:solidFill>
+                            <a:schemeClr val="dk1"/>
+                          </a:solidFill>
+                          <a:latin typeface="Arial"/>
+                          <a:ea typeface="맑은 고딕"/>
+                        </a:defRPr>
+                      </a:lvl9pPr>
+                    </a:lstStyle>
+                    <a:p>
+                      <a:pPr marL="0" marR="0" indent="0" algn="ctr" defTabSz="1388882" rtl="0" eaLnBrk="1" fontAlgn="auto" latinLnBrk="1" hangingPunct="1">
+                        <a:lnSpc>
+                          <a:spcPct val="90000"/>
+                        </a:lnSpc>
+                        <a:spcBef>
+                          <a:spcPts val="0"/>
+                        </a:spcBef>
+                        <a:spcAft>
+                          <a:spcPts val="0"/>
+                        </a:spcAft>
+                        <a:buClrTx/>
+                        <a:buSzTx/>
+                        <a:buFontTx/>
+                        <a:buNone/>
+                        <a:tabLst/>
+                        <a:defRPr/>
+                      </a:pPr>
+                      <a:r>
+                        <a:rPr lang="en-US" altLang="ko-KR" sz="800" b="0" kern="1200" dirty="0">
+                          <a:solidFill>
+                            <a:schemeClr val="tx1"/>
+                          </a:solidFill>
+                          <a:latin typeface="맑은 고딕" pitchFamily="50" charset="-127"/>
+                          <a:ea typeface="맑은 고딕" pitchFamily="50" charset="-127"/>
+                          <a:cs typeface="+mn-cs"/>
+                        </a:rPr>
+                        <a:t>30T Disk</a:t>
+                      </a:r>
+                      <a:endParaRPr lang="ko-KR" altLang="en-US" sz="800" b="0" kern="1200" dirty="0">
+                        <a:solidFill>
+                          <a:schemeClr val="tx1"/>
+                        </a:solidFill>
+                        <a:latin typeface="맑은 고딕" pitchFamily="50" charset="-127"/>
+                        <a:ea typeface="맑은 고딕" pitchFamily="50" charset="-127"/>
+                        <a:cs typeface="+mn-cs"/>
+                      </a:endParaRPr>
+                    </a:p>
+                  </a:txBody>
+                  <a:tcPr marL="91474" marR="91474" marT="45743" marB="45743">
+                    <a:lnL w="9525" cap="flat" cmpd="sng" algn="ctr">
+                      <a:solidFill>
+                        <a:srgbClr val="FFFFFF">
+                          <a:lumMod val="65000"/>
+                        </a:srgbClr>
+                      </a:solidFill>
+                      <a:prstDash val="solid"/>
+                      <a:round/>
+                      <a:headEnd type="none" w="med" len="med"/>
+                      <a:tailEnd type="none" w="med" len="med"/>
+                    </a:lnL>
+                    <a:lnR w="9525" cap="flat" cmpd="sng" algn="ctr">
+                      <a:solidFill>
+                        <a:srgbClr val="FFFFFF">
+                          <a:lumMod val="65000"/>
+                        </a:srgbClr>
+                      </a:solidFill>
+                      <a:prstDash val="solid"/>
+                      <a:round/>
+                      <a:headEnd type="none" w="med" len="med"/>
+                      <a:tailEnd type="none" w="med" len="med"/>
+                    </a:lnR>
+                    <a:lnT w="9525" cap="flat" cmpd="sng" algn="ctr">
+                      <a:solidFill>
+                        <a:srgbClr val="FFFFFF">
+                          <a:lumMod val="65000"/>
+                        </a:srgbClr>
+                      </a:solidFill>
+                      <a:prstDash val="solid"/>
+                      <a:round/>
+                      <a:headEnd type="none" w="med" len="med"/>
+                      <a:tailEnd type="none" w="med" len="med"/>
+                    </a:lnT>
+                    <a:lnB w="9525" cap="flat" cmpd="sng" algn="ctr">
+                      <a:solidFill>
+                        <a:srgbClr val="FFFFFF">
+                          <a:lumMod val="65000"/>
+                        </a:srgbClr>
+                      </a:solidFill>
+                      <a:prstDash val="solid"/>
+                      <a:round/>
+                      <a:headEnd type="none" w="med" len="med"/>
+                      <a:tailEnd type="none" w="med" len="med"/>
+                    </a:lnB>
+                    <a:lnTlToBr w="12700" cmpd="sng">
+                      <a:noFill/>
+                      <a:prstDash val="solid"/>
+                    </a:lnTlToBr>
+                    <a:lnBlToTr w="12700" cmpd="sng">
+                      <a:noFill/>
+                      <a:prstDash val="solid"/>
+                    </a:lnBlToTr>
+                    <a:solidFill>
+                      <a:schemeClr val="bg1">
+                        <a:lumMod val="85000"/>
+                      </a:schemeClr>
+                    </a:solidFill>
+                  </a:tcPr>
+                </a:tc>
+                <a:extLst>
+                  <a:ext uri="{0D108BD9-81ED-4DB2-BD59-A6C34878D82A}">
+                    <a16:rowId xmlns:a16="http://schemas.microsoft.com/office/drawing/2014/main" val="10001"/>
+                  </a:ext>
+                </a:extLst>
+              </a:tr>
+            </a:tbl>
+          </a:graphicData>
+        </a:graphic>
+      </p:graphicFrame>
+      <p:graphicFrame>
+        <p:nvGraphicFramePr>
+          <p:cNvPr id="52" name="표 51">
+            <a:extLst>
+              <a:ext uri="{FF2B5EF4-FFF2-40B4-BE49-F238E27FC236}">
+                <a16:creationId xmlns:a16="http://schemas.microsoft.com/office/drawing/2014/main" id="{2BF702B1-C0DC-4A0C-9AE4-B54A98C07AD3}"/>
+              </a:ext>
+            </a:extLst>
+          </p:cNvPr>
+          <p:cNvGraphicFramePr>
+            <a:graphicFrameLocks noGrp="1"/>
+          </p:cNvGraphicFramePr>
+          <p:nvPr>
+            <p:extLst>
+              <p:ext uri="{D42A27DB-BD31-4B8C-83A1-F6EECF244321}">
+                <p14:modId xmlns:p14="http://schemas.microsoft.com/office/powerpoint/2010/main" val="4154622506"/>
+              </p:ext>
+            </p:extLst>
+          </p:nvPr>
+        </p:nvGraphicFramePr>
+        <p:xfrm>
+          <a:off x="3048347" y="1521915"/>
+          <a:ext cx="951982" cy="829240"/>
+        </p:xfrm>
+        <a:graphic>
+          <a:graphicData uri="http://schemas.openxmlformats.org/drawingml/2006/table">
+            <a:tbl>
+              <a:tblPr firstRow="1" bandRow="1"/>
+              <a:tblGrid>
+                <a:gridCol w="951982">
+                  <a:extLst>
+                    <a:ext uri="{9D8B030D-6E8A-4147-A177-3AD203B41FA5}">
+                      <a16:colId xmlns:a16="http://schemas.microsoft.com/office/drawing/2014/main" val="20000"/>
+                    </a:ext>
+                  </a:extLst>
+                </a:gridCol>
+              </a:tblGrid>
+              <a:tr h="193146">
+                <a:tc>
+                  <a:txBody>
+                    <a:bodyPr/>
+                    <a:lstStyle>
+                      <a:defPPr>
+                        <a:defRPr lang="ko-KR"/>
+                      </a:defPPr>
+                      <a:lvl1pPr marL="0" algn="l" defTabSz="914400" rtl="0" eaLnBrk="1" latinLnBrk="1" hangingPunct="1">
+                        <a:defRPr sz="1800" b="1" kern="1200">
+                          <a:solidFill>
+                            <a:schemeClr val="lt1"/>
+                          </a:solidFill>
+                          <a:latin typeface="Arial"/>
+                          <a:ea typeface="맑은 고딕"/>
+                        </a:defRPr>
+                      </a:lvl1pPr>
+                      <a:lvl2pPr marL="457200" algn="l" defTabSz="914400" rtl="0" eaLnBrk="1" latinLnBrk="1" hangingPunct="1">
+                        <a:defRPr sz="1800" b="1" kern="1200">
+                          <a:solidFill>
+                            <a:schemeClr val="lt1"/>
+                          </a:solidFill>
+                          <a:latin typeface="Arial"/>
+                          <a:ea typeface="맑은 고딕"/>
+                        </a:defRPr>
+                      </a:lvl2pPr>
+                      <a:lvl3pPr marL="914400" algn="l" defTabSz="914400" rtl="0" eaLnBrk="1" latinLnBrk="1" hangingPunct="1">
+                        <a:defRPr sz="1800" b="1" kern="1200">
+                          <a:solidFill>
+                            <a:schemeClr val="lt1"/>
+                          </a:solidFill>
+                          <a:latin typeface="Arial"/>
+                          <a:ea typeface="맑은 고딕"/>
+                        </a:defRPr>
+                      </a:lvl3pPr>
+                      <a:lvl4pPr marL="1371600" algn="l" defTabSz="914400" rtl="0" eaLnBrk="1" latinLnBrk="1" hangingPunct="1">
+                        <a:defRPr sz="1800" b="1" kern="1200">
+                          <a:solidFill>
+                            <a:schemeClr val="lt1"/>
+                          </a:solidFill>
+                          <a:latin typeface="Arial"/>
+                          <a:ea typeface="맑은 고딕"/>
+                        </a:defRPr>
+                      </a:lvl4pPr>
+                      <a:lvl5pPr marL="1828800" algn="l" defTabSz="914400" rtl="0" eaLnBrk="1" latinLnBrk="1" hangingPunct="1">
+                        <a:defRPr sz="1800" b="1" kern="1200">
+                          <a:solidFill>
+                            <a:schemeClr val="lt1"/>
+                          </a:solidFill>
+                          <a:latin typeface="Arial"/>
+                          <a:ea typeface="맑은 고딕"/>
+                        </a:defRPr>
+                      </a:lvl5pPr>
+                      <a:lvl6pPr marL="2286000" algn="l" defTabSz="914400" rtl="0" eaLnBrk="1" latinLnBrk="1" hangingPunct="1">
+                        <a:defRPr sz="1800" b="1" kern="1200">
+                          <a:solidFill>
+                            <a:schemeClr val="lt1"/>
+                          </a:solidFill>
+                          <a:latin typeface="Arial"/>
+                          <a:ea typeface="맑은 고딕"/>
+                        </a:defRPr>
+                      </a:lvl6pPr>
+                      <a:lvl7pPr marL="2743200" algn="l" defTabSz="914400" rtl="0" eaLnBrk="1" latinLnBrk="1" hangingPunct="1">
+                        <a:defRPr sz="1800" b="1" kern="1200">
+                          <a:solidFill>
+                            <a:schemeClr val="lt1"/>
+                          </a:solidFill>
+                          <a:latin typeface="Arial"/>
+                          <a:ea typeface="맑은 고딕"/>
+                        </a:defRPr>
+                      </a:lvl7pPr>
+                      <a:lvl8pPr marL="3200400" algn="l" defTabSz="914400" rtl="0" eaLnBrk="1" latinLnBrk="1" hangingPunct="1">
+                        <a:defRPr sz="1800" b="1" kern="1200">
+                          <a:solidFill>
+                            <a:schemeClr val="lt1"/>
+                          </a:solidFill>
+                          <a:latin typeface="Arial"/>
+                          <a:ea typeface="맑은 고딕"/>
+                        </a:defRPr>
+                      </a:lvl8pPr>
+                      <a:lvl9pPr marL="3657600" algn="l" defTabSz="914400" rtl="0" eaLnBrk="1" latinLnBrk="1" hangingPunct="1">
+                        <a:defRPr sz="1800" b="1" kern="1200">
+                          <a:solidFill>
+                            <a:schemeClr val="lt1"/>
+                          </a:solidFill>
+                          <a:latin typeface="Arial"/>
+                          <a:ea typeface="맑은 고딕"/>
+                        </a:defRPr>
+                      </a:lvl9pPr>
+                    </a:lstStyle>
+                    <a:p>
+                      <a:pPr marL="0" marR="0" indent="0" algn="ctr" defTabSz="1388882" rtl="0" eaLnBrk="1" fontAlgn="auto" latinLnBrk="1" hangingPunct="1">
+                        <a:lnSpc>
+                          <a:spcPct val="90000"/>
+                        </a:lnSpc>
+                        <a:spcBef>
+                          <a:spcPts val="0"/>
+                        </a:spcBef>
+                        <a:spcAft>
+                          <a:spcPts val="0"/>
+                        </a:spcAft>
+                        <a:buClrTx/>
+                        <a:buSzTx/>
+                        <a:buFontTx/>
+                        <a:buNone/>
+                        <a:tabLst/>
+                        <a:defRPr/>
+                      </a:pPr>
+                      <a:r>
+                        <a:rPr lang="en-US" altLang="ko-KR" sz="800" b="0" kern="1200" dirty="0" err="1">
+                          <a:solidFill>
+                            <a:schemeClr val="tx1"/>
+                          </a:solidFill>
+                          <a:latin typeface="맑은 고딕" pitchFamily="50" charset="-127"/>
+                          <a:ea typeface="맑은 고딕" pitchFamily="50" charset="-127"/>
+                          <a:cs typeface="+mn-cs"/>
+                        </a:rPr>
+                        <a:t>Postgre</a:t>
+                      </a:r>
+                      <a:r>
+                        <a:rPr lang="en-US" altLang="ko-KR" sz="800" b="0" kern="1200" dirty="0">
+                          <a:solidFill>
+                            <a:schemeClr val="tx1"/>
+                          </a:solidFill>
+                          <a:latin typeface="맑은 고딕" pitchFamily="50" charset="-127"/>
+                          <a:ea typeface="맑은 고딕" pitchFamily="50" charset="-127"/>
+                          <a:cs typeface="+mn-cs"/>
+                        </a:rPr>
+                        <a:t> SQL</a:t>
+                      </a:r>
+                      <a:endParaRPr lang="ko-KR" altLang="en-US" sz="800" b="0" kern="1200" dirty="0">
+                        <a:solidFill>
+                          <a:schemeClr val="tx1"/>
+                        </a:solidFill>
+                        <a:latin typeface="맑은 고딕" pitchFamily="50" charset="-127"/>
+                        <a:ea typeface="맑은 고딕" pitchFamily="50" charset="-127"/>
+                        <a:cs typeface="+mn-cs"/>
+                      </a:endParaRPr>
+                    </a:p>
+                  </a:txBody>
+                  <a:tcPr marL="91474" marR="91474" marT="45743" marB="45743">
+                    <a:lnL w="9525" cap="flat" cmpd="sng" algn="ctr">
+                      <a:solidFill>
+                        <a:srgbClr val="FFFFFF">
+                          <a:lumMod val="65000"/>
+                        </a:srgbClr>
+                      </a:solidFill>
+                      <a:prstDash val="solid"/>
+                      <a:round/>
+                      <a:headEnd type="none" w="med" len="med"/>
+                      <a:tailEnd type="none" w="med" len="med"/>
+                    </a:lnL>
+                    <a:lnR w="9525" cap="flat" cmpd="sng" algn="ctr">
+                      <a:solidFill>
+                        <a:srgbClr val="FFFFFF">
+                          <a:lumMod val="65000"/>
+                        </a:srgbClr>
+                      </a:solidFill>
+                      <a:prstDash val="solid"/>
+                      <a:round/>
+                      <a:headEnd type="none" w="med" len="med"/>
+                      <a:tailEnd type="none" w="med" len="med"/>
+                    </a:lnR>
+                    <a:lnT w="9525" cap="flat" cmpd="sng" algn="ctr">
+                      <a:solidFill>
+                        <a:srgbClr val="FFFFFF">
+                          <a:lumMod val="65000"/>
+                        </a:srgbClr>
+                      </a:solidFill>
+                      <a:prstDash val="solid"/>
+                      <a:round/>
+                      <a:headEnd type="none" w="med" len="med"/>
+                      <a:tailEnd type="none" w="med" len="med"/>
+                    </a:lnT>
+                    <a:lnB w="9525" cap="flat" cmpd="sng" algn="ctr">
+                      <a:solidFill>
+                        <a:srgbClr val="FFFFFF">
+                          <a:lumMod val="65000"/>
+                        </a:srgbClr>
+                      </a:solidFill>
+                      <a:prstDash val="solid"/>
+                      <a:round/>
+                      <a:headEnd type="none" w="med" len="med"/>
+                      <a:tailEnd type="none" w="med" len="med"/>
+                    </a:lnB>
+                    <a:lnTlToBr w="12700" cmpd="sng">
+                      <a:noFill/>
+                      <a:prstDash val="solid"/>
+                    </a:lnTlToBr>
+                    <a:lnBlToTr w="12700" cmpd="sng">
+                      <a:noFill/>
+                      <a:prstDash val="solid"/>
+                    </a:lnBlToTr>
+                    <a:solidFill>
+                      <a:srgbClr val="FFFFFF">
+                        <a:lumMod val="95000"/>
+                      </a:srgbClr>
+                    </a:solidFill>
+                  </a:tcPr>
+                </a:tc>
+                <a:extLst>
+                  <a:ext uri="{0D108BD9-81ED-4DB2-BD59-A6C34878D82A}">
+                    <a16:rowId xmlns:a16="http://schemas.microsoft.com/office/drawing/2014/main" val="10001"/>
+                  </a:ext>
+                </a:extLst>
+              </a:tr>
+              <a:tr h="193146">
+                <a:tc>
+                  <a:txBody>
+                    <a:bodyPr/>
+                    <a:lstStyle/>
+                    <a:p>
+                      <a:pPr marL="0" marR="0" indent="0" algn="ctr" defTabSz="1388882" rtl="0" eaLnBrk="1" fontAlgn="auto" latinLnBrk="1" hangingPunct="1">
+                        <a:lnSpc>
+                          <a:spcPct val="90000"/>
+                        </a:lnSpc>
+                        <a:spcBef>
+                          <a:spcPts val="0"/>
+                        </a:spcBef>
+                        <a:spcAft>
+                          <a:spcPts val="0"/>
+                        </a:spcAft>
+                        <a:buClrTx/>
+                        <a:buSzTx/>
+                        <a:buFontTx/>
+                        <a:buNone/>
+                        <a:tabLst/>
+                        <a:defRPr/>
+                      </a:pPr>
+                      <a:r>
+                        <a:rPr lang="en-US" altLang="ko-KR" sz="800" b="0" kern="1200" dirty="0" err="1">
+                          <a:solidFill>
+                            <a:schemeClr val="tx1"/>
+                          </a:solidFill>
+                          <a:latin typeface="맑은 고딕" pitchFamily="50" charset="-127"/>
+                          <a:ea typeface="맑은 고딕" pitchFamily="50" charset="-127"/>
+                          <a:cs typeface="+mn-cs"/>
+                        </a:rPr>
+                        <a:t>Citus</a:t>
+                      </a:r>
+                      <a:r>
+                        <a:rPr lang="en-US" altLang="ko-KR" sz="800" b="0" kern="1200" dirty="0">
+                          <a:solidFill>
+                            <a:schemeClr val="tx1"/>
+                          </a:solidFill>
+                          <a:latin typeface="맑은 고딕" pitchFamily="50" charset="-127"/>
+                          <a:ea typeface="맑은 고딕" pitchFamily="50" charset="-127"/>
+                          <a:cs typeface="+mn-cs"/>
+                        </a:rPr>
+                        <a:t> Master</a:t>
+                      </a:r>
+                      <a:endParaRPr lang="ko-KR" altLang="en-US" sz="800" b="0" kern="1200" dirty="0">
+                        <a:solidFill>
+                          <a:schemeClr val="tx1"/>
+                        </a:solidFill>
+                        <a:latin typeface="맑은 고딕" pitchFamily="50" charset="-127"/>
+                        <a:ea typeface="맑은 고딕" pitchFamily="50" charset="-127"/>
+                        <a:cs typeface="+mn-cs"/>
+                      </a:endParaRPr>
+                    </a:p>
+                  </a:txBody>
+                  <a:tcPr marL="91474" marR="91474" marT="45743" marB="45743">
+                    <a:lnL w="9525" cap="flat" cmpd="sng" algn="ctr">
+                      <a:solidFill>
+                        <a:srgbClr val="FFFFFF">
+                          <a:lumMod val="65000"/>
+                        </a:srgbClr>
+                      </a:solidFill>
+                      <a:prstDash val="solid"/>
+                      <a:round/>
+                      <a:headEnd type="none" w="med" len="med"/>
+                      <a:tailEnd type="none" w="med" len="med"/>
+                    </a:lnL>
+                    <a:lnR w="9525" cap="flat" cmpd="sng" algn="ctr">
+                      <a:solidFill>
+                        <a:srgbClr val="FFFFFF">
+                          <a:lumMod val="65000"/>
+                        </a:srgbClr>
+                      </a:solidFill>
+                      <a:prstDash val="solid"/>
+                      <a:round/>
+                      <a:headEnd type="none" w="med" len="med"/>
+                      <a:tailEnd type="none" w="med" len="med"/>
+                    </a:lnR>
+                    <a:lnT w="9525" cap="flat" cmpd="sng" algn="ctr">
+                      <a:solidFill>
+                        <a:srgbClr val="FFFFFF">
+                          <a:lumMod val="65000"/>
+                        </a:srgbClr>
+                      </a:solidFill>
+                      <a:prstDash val="solid"/>
+                      <a:round/>
+                      <a:headEnd type="none" w="med" len="med"/>
+                      <a:tailEnd type="none" w="med" len="med"/>
+                    </a:lnT>
+                    <a:lnB w="9525" cap="flat" cmpd="sng" algn="ctr">
+                      <a:solidFill>
+                        <a:srgbClr val="FFFFFF">
+                          <a:lumMod val="65000"/>
+                        </a:srgbClr>
+                      </a:solidFill>
+                      <a:prstDash val="solid"/>
+                      <a:round/>
+                      <a:headEnd type="none" w="med" len="med"/>
+                      <a:tailEnd type="none" w="med" len="med"/>
+                    </a:lnB>
+                    <a:lnTlToBr w="12700" cmpd="sng">
+                      <a:noFill/>
+                      <a:prstDash val="solid"/>
+                    </a:lnTlToBr>
+                    <a:lnBlToTr w="12700" cmpd="sng">
+                      <a:noFill/>
+                      <a:prstDash val="solid"/>
+                    </a:lnBlToTr>
+                    <a:solidFill>
+                      <a:srgbClr val="FFFFFF">
+                        <a:lumMod val="95000"/>
+                      </a:srgbClr>
+                    </a:solidFill>
+                  </a:tcPr>
+                </a:tc>
+                <a:extLst>
+                  <a:ext uri="{0D108BD9-81ED-4DB2-BD59-A6C34878D82A}">
+                    <a16:rowId xmlns:a16="http://schemas.microsoft.com/office/drawing/2014/main" val="10005"/>
+                  </a:ext>
+                </a:extLst>
+              </a:tr>
+              <a:tr h="203309">
+                <a:tc>
+                  <a:txBody>
+                    <a:bodyPr/>
+                    <a:lstStyle>
+                      <a:defPPr>
+                        <a:defRPr lang="ko-KR"/>
+                      </a:defPPr>
+                      <a:lvl1pPr marL="0" algn="l" defTabSz="914400" rtl="0" eaLnBrk="1" latinLnBrk="1" hangingPunct="1">
+                        <a:defRPr sz="1800" kern="1200">
+                          <a:solidFill>
+                            <a:schemeClr val="dk1"/>
+                          </a:solidFill>
+                          <a:latin typeface="Arial"/>
+                          <a:ea typeface="맑은 고딕"/>
+                        </a:defRPr>
+                      </a:lvl1pPr>
+                      <a:lvl2pPr marL="457200" algn="l" defTabSz="914400" rtl="0" eaLnBrk="1" latinLnBrk="1" hangingPunct="1">
+                        <a:defRPr sz="1800" kern="1200">
+                          <a:solidFill>
+                            <a:schemeClr val="dk1"/>
+                          </a:solidFill>
+                          <a:latin typeface="Arial"/>
+                          <a:ea typeface="맑은 고딕"/>
+                        </a:defRPr>
+                      </a:lvl2pPr>
+                      <a:lvl3pPr marL="914400" algn="l" defTabSz="914400" rtl="0" eaLnBrk="1" latinLnBrk="1" hangingPunct="1">
+                        <a:defRPr sz="1800" kern="1200">
+                          <a:solidFill>
+                            <a:schemeClr val="dk1"/>
+                          </a:solidFill>
+                          <a:latin typeface="Arial"/>
+                          <a:ea typeface="맑은 고딕"/>
+                        </a:defRPr>
+                      </a:lvl3pPr>
+                      <a:lvl4pPr marL="1371600" algn="l" defTabSz="914400" rtl="0" eaLnBrk="1" latinLnBrk="1" hangingPunct="1">
+                        <a:defRPr sz="1800" kern="1200">
+                          <a:solidFill>
+                            <a:schemeClr val="dk1"/>
+                          </a:solidFill>
+                          <a:latin typeface="Arial"/>
+                          <a:ea typeface="맑은 고딕"/>
+                        </a:defRPr>
+                      </a:lvl4pPr>
+                      <a:lvl5pPr marL="1828800" algn="l" defTabSz="914400" rtl="0" eaLnBrk="1" latinLnBrk="1" hangingPunct="1">
+                        <a:defRPr sz="1800" kern="1200">
+                          <a:solidFill>
+                            <a:schemeClr val="dk1"/>
+                          </a:solidFill>
+                          <a:latin typeface="Arial"/>
+                          <a:ea typeface="맑은 고딕"/>
+                        </a:defRPr>
+                      </a:lvl5pPr>
+                      <a:lvl6pPr marL="2286000" algn="l" defTabSz="914400" rtl="0" eaLnBrk="1" latinLnBrk="1" hangingPunct="1">
+                        <a:defRPr sz="1800" kern="1200">
+                          <a:solidFill>
+                            <a:schemeClr val="dk1"/>
+                          </a:solidFill>
+                          <a:latin typeface="Arial"/>
+                          <a:ea typeface="맑은 고딕"/>
+                        </a:defRPr>
+                      </a:lvl6pPr>
+                      <a:lvl7pPr marL="2743200" algn="l" defTabSz="914400" rtl="0" eaLnBrk="1" latinLnBrk="1" hangingPunct="1">
+                        <a:defRPr sz="1800" kern="1200">
+                          <a:solidFill>
+                            <a:schemeClr val="dk1"/>
+                          </a:solidFill>
+                          <a:latin typeface="Arial"/>
+                          <a:ea typeface="맑은 고딕"/>
+                        </a:defRPr>
+                      </a:lvl7pPr>
+                      <a:lvl8pPr marL="3200400" algn="l" defTabSz="914400" rtl="0" eaLnBrk="1" latinLnBrk="1" hangingPunct="1">
+                        <a:defRPr sz="1800" kern="1200">
+                          <a:solidFill>
+                            <a:schemeClr val="dk1"/>
+                          </a:solidFill>
+                          <a:latin typeface="Arial"/>
+                          <a:ea typeface="맑은 고딕"/>
+                        </a:defRPr>
+                      </a:lvl8pPr>
+                      <a:lvl9pPr marL="3657600" algn="l" defTabSz="914400" rtl="0" eaLnBrk="1" latinLnBrk="1" hangingPunct="1">
+                        <a:defRPr sz="1800" kern="1200">
+                          <a:solidFill>
+                            <a:schemeClr val="dk1"/>
+                          </a:solidFill>
+                          <a:latin typeface="Arial"/>
+                          <a:ea typeface="맑은 고딕"/>
+                        </a:defRPr>
+                      </a:lvl9pPr>
+                    </a:lstStyle>
+                    <a:p>
+                      <a:pPr algn="ctr" latinLnBrk="1"/>
+                      <a:r>
+                        <a:rPr lang="en-US" altLang="ko-KR" sz="800" dirty="0">
+                          <a:solidFill>
+                            <a:schemeClr val="tx1"/>
+                          </a:solidFill>
+                          <a:latin typeface="맑은 고딕" pitchFamily="50" charset="-127"/>
+                          <a:ea typeface="맑은 고딕" pitchFamily="50" charset="-127"/>
+                        </a:rPr>
+                        <a:t>OPENJDK 1.8</a:t>
+                      </a:r>
+                      <a:endParaRPr lang="ko-KR" altLang="en-US" sz="800" dirty="0">
+                        <a:solidFill>
+                          <a:schemeClr val="tx1"/>
+                        </a:solidFill>
+                        <a:latin typeface="맑은 고딕" pitchFamily="50" charset="-127"/>
+                        <a:ea typeface="맑은 고딕" pitchFamily="50" charset="-127"/>
+                      </a:endParaRPr>
+                    </a:p>
+                  </a:txBody>
+                  <a:tcPr marL="91474" marR="91474" marT="45743" marB="45743">
+                    <a:lnL w="9525" cap="flat" cmpd="sng" algn="ctr">
+                      <a:solidFill>
+                        <a:srgbClr val="FFFFFF">
+                          <a:lumMod val="65000"/>
+                        </a:srgbClr>
+                      </a:solidFill>
+                      <a:prstDash val="solid"/>
+                      <a:round/>
+                      <a:headEnd type="none" w="med" len="med"/>
+                      <a:tailEnd type="none" w="med" len="med"/>
+                    </a:lnL>
+                    <a:lnR w="9525" cap="flat" cmpd="sng" algn="ctr">
+                      <a:solidFill>
+                        <a:srgbClr val="FFFFFF">
+                          <a:lumMod val="65000"/>
+                        </a:srgbClr>
+                      </a:solidFill>
+                      <a:prstDash val="solid"/>
+                      <a:round/>
+                      <a:headEnd type="none" w="med" len="med"/>
+                      <a:tailEnd type="none" w="med" len="med"/>
+                    </a:lnR>
+                    <a:lnT w="9525" cap="flat" cmpd="sng" algn="ctr">
+                      <a:solidFill>
+                        <a:srgbClr val="FFFFFF">
+                          <a:lumMod val="65000"/>
+                        </a:srgbClr>
+                      </a:solidFill>
+                      <a:prstDash val="solid"/>
+                      <a:round/>
+                      <a:headEnd type="none" w="med" len="med"/>
+                      <a:tailEnd type="none" w="med" len="med"/>
+                    </a:lnT>
+                    <a:lnB w="9525" cap="flat" cmpd="sng" algn="ctr">
+                      <a:solidFill>
+                        <a:srgbClr val="FFFFFF">
+                          <a:lumMod val="65000"/>
+                        </a:srgbClr>
+                      </a:solidFill>
+                      <a:prstDash val="solid"/>
+                      <a:round/>
+                      <a:headEnd type="none" w="med" len="med"/>
+                      <a:tailEnd type="none" w="med" len="med"/>
+                    </a:lnB>
+                    <a:lnTlToBr w="12700" cmpd="sng">
+                      <a:noFill/>
+                      <a:prstDash val="solid"/>
+                    </a:lnTlToBr>
+                    <a:lnBlToTr w="12700" cmpd="sng">
+                      <a:noFill/>
+                      <a:prstDash val="solid"/>
+                    </a:lnBlToTr>
+                    <a:solidFill>
+                      <a:srgbClr val="FFFFFF">
+                        <a:lumMod val="95000"/>
+                      </a:srgbClr>
+                    </a:solidFill>
+                  </a:tcPr>
+                </a:tc>
+                <a:extLst>
+                  <a:ext uri="{0D108BD9-81ED-4DB2-BD59-A6C34878D82A}">
+                    <a16:rowId xmlns:a16="http://schemas.microsoft.com/office/drawing/2014/main" val="10003"/>
+                  </a:ext>
+                </a:extLst>
+              </a:tr>
+              <a:tr h="203309">
+                <a:tc>
+                  <a:txBody>
+                    <a:bodyPr/>
+                    <a:lstStyle>
+                      <a:defPPr>
+                        <a:defRPr lang="ko-KR"/>
+                      </a:defPPr>
+                      <a:lvl1pPr marL="0" algn="l" defTabSz="914400" rtl="0" eaLnBrk="1" latinLnBrk="1" hangingPunct="1">
+                        <a:defRPr sz="1800" kern="1200">
+                          <a:solidFill>
+                            <a:schemeClr val="dk1"/>
+                          </a:solidFill>
+                          <a:latin typeface="Arial"/>
+                          <a:ea typeface="맑은 고딕"/>
+                        </a:defRPr>
+                      </a:lvl1pPr>
+                      <a:lvl2pPr marL="457200" algn="l" defTabSz="914400" rtl="0" eaLnBrk="1" latinLnBrk="1" hangingPunct="1">
+                        <a:defRPr sz="1800" kern="1200">
+                          <a:solidFill>
+                            <a:schemeClr val="dk1"/>
+                          </a:solidFill>
+                          <a:latin typeface="Arial"/>
+                          <a:ea typeface="맑은 고딕"/>
+                        </a:defRPr>
+                      </a:lvl2pPr>
+                      <a:lvl3pPr marL="914400" algn="l" defTabSz="914400" rtl="0" eaLnBrk="1" latinLnBrk="1" hangingPunct="1">
+                        <a:defRPr sz="1800" kern="1200">
+                          <a:solidFill>
+                            <a:schemeClr val="dk1"/>
+                          </a:solidFill>
+                          <a:latin typeface="Arial"/>
+                          <a:ea typeface="맑은 고딕"/>
+                        </a:defRPr>
+                      </a:lvl3pPr>
+                      <a:lvl4pPr marL="1371600" algn="l" defTabSz="914400" rtl="0" eaLnBrk="1" latinLnBrk="1" hangingPunct="1">
+                        <a:defRPr sz="1800" kern="1200">
+                          <a:solidFill>
+                            <a:schemeClr val="dk1"/>
+                          </a:solidFill>
+                          <a:latin typeface="Arial"/>
+                          <a:ea typeface="맑은 고딕"/>
+                        </a:defRPr>
+                      </a:lvl4pPr>
+                      <a:lvl5pPr marL="1828800" algn="l" defTabSz="914400" rtl="0" eaLnBrk="1" latinLnBrk="1" hangingPunct="1">
+                        <a:defRPr sz="1800" kern="1200">
+                          <a:solidFill>
+                            <a:schemeClr val="dk1"/>
+                          </a:solidFill>
+                          <a:latin typeface="Arial"/>
+                          <a:ea typeface="맑은 고딕"/>
+                        </a:defRPr>
+                      </a:lvl5pPr>
+                      <a:lvl6pPr marL="2286000" algn="l" defTabSz="914400" rtl="0" eaLnBrk="1" latinLnBrk="1" hangingPunct="1">
+                        <a:defRPr sz="1800" kern="1200">
+                          <a:solidFill>
+                            <a:schemeClr val="dk1"/>
+                          </a:solidFill>
+                          <a:latin typeface="Arial"/>
+                          <a:ea typeface="맑은 고딕"/>
+                        </a:defRPr>
+                      </a:lvl6pPr>
+                      <a:lvl7pPr marL="2743200" algn="l" defTabSz="914400" rtl="0" eaLnBrk="1" latinLnBrk="1" hangingPunct="1">
+                        <a:defRPr sz="1800" kern="1200">
+                          <a:solidFill>
+                            <a:schemeClr val="dk1"/>
+                          </a:solidFill>
+                          <a:latin typeface="Arial"/>
+                          <a:ea typeface="맑은 고딕"/>
+                        </a:defRPr>
+                      </a:lvl7pPr>
+                      <a:lvl8pPr marL="3200400" algn="l" defTabSz="914400" rtl="0" eaLnBrk="1" latinLnBrk="1" hangingPunct="1">
+                        <a:defRPr sz="1800" kern="1200">
+                          <a:solidFill>
+                            <a:schemeClr val="dk1"/>
+                          </a:solidFill>
+                          <a:latin typeface="Arial"/>
+                          <a:ea typeface="맑은 고딕"/>
+                        </a:defRPr>
+                      </a:lvl8pPr>
+                      <a:lvl9pPr marL="3657600" algn="l" defTabSz="914400" rtl="0" eaLnBrk="1" latinLnBrk="1" hangingPunct="1">
+                        <a:defRPr sz="1800" kern="1200">
+                          <a:solidFill>
+                            <a:schemeClr val="dk1"/>
+                          </a:solidFill>
+                          <a:latin typeface="Arial"/>
+                          <a:ea typeface="맑은 고딕"/>
+                        </a:defRPr>
+                      </a:lvl9pPr>
+                    </a:lstStyle>
+                    <a:p>
+                      <a:pPr marL="0" marR="0" lvl="0" indent="0" algn="ctr" defTabSz="914400" rtl="0" eaLnBrk="1" fontAlgn="auto" latinLnBrk="1" hangingPunct="1">
+                        <a:lnSpc>
+                          <a:spcPct val="100000"/>
+                        </a:lnSpc>
+                        <a:spcBef>
+                          <a:spcPts val="0"/>
+                        </a:spcBef>
+                        <a:spcAft>
+                          <a:spcPts val="0"/>
+                        </a:spcAft>
+                        <a:buClrTx/>
+                        <a:buSzTx/>
+                        <a:buFontTx/>
+                        <a:buNone/>
+                        <a:tabLst/>
+                        <a:defRPr/>
+                      </a:pPr>
+                      <a:r>
+                        <a:rPr kumimoji="0" lang="en-US" altLang="ko-KR" sz="800" b="0" i="0" u="none" strike="noStrike" kern="1200" cap="none" normalizeH="0" baseline="0" dirty="0" err="1">
+                          <a:ln>
+                            <a:noFill/>
+                          </a:ln>
+                          <a:solidFill>
+                            <a:srgbClr val="000000"/>
+                          </a:solidFill>
+                          <a:effectLst/>
+                          <a:latin typeface="맑은 고딕" pitchFamily="50" charset="-127"/>
+                          <a:ea typeface="맑은 고딕" pitchFamily="50" charset="-127"/>
+                          <a:cs typeface="+mn-cs"/>
+                        </a:rPr>
+                        <a:t>CentOS</a:t>
+                      </a:r>
+                      <a:r>
+                        <a:rPr kumimoji="0" lang="en-US" altLang="ko-KR" sz="800" b="0" i="0" u="none" strike="noStrike" kern="1200" cap="none" normalizeH="0" baseline="0" dirty="0">
+                          <a:ln>
+                            <a:noFill/>
+                          </a:ln>
+                          <a:solidFill>
+                            <a:srgbClr val="000000"/>
+                          </a:solidFill>
+                          <a:effectLst/>
+                          <a:latin typeface="맑은 고딕" pitchFamily="50" charset="-127"/>
+                          <a:ea typeface="맑은 고딕" pitchFamily="50" charset="-127"/>
+                          <a:cs typeface="+mn-cs"/>
+                        </a:rPr>
+                        <a:t> 7.6</a:t>
+                      </a:r>
+                      <a:endParaRPr lang="ko-KR" altLang="en-US" sz="800" dirty="0">
+                        <a:solidFill>
+                          <a:schemeClr val="tx1"/>
+                        </a:solidFill>
+                        <a:latin typeface="맑은 고딕" pitchFamily="50" charset="-127"/>
+                        <a:ea typeface="맑은 고딕" pitchFamily="50" charset="-127"/>
+                      </a:endParaRPr>
+                    </a:p>
+                  </a:txBody>
+                  <a:tcPr marL="91474" marR="91474" marT="45743" marB="45743">
+                    <a:lnL w="9525" cap="flat" cmpd="sng" algn="ctr">
+                      <a:solidFill>
+                        <a:srgbClr val="FFFFFF">
+                          <a:lumMod val="65000"/>
+                        </a:srgbClr>
+                      </a:solidFill>
+                      <a:prstDash val="solid"/>
+                      <a:round/>
+                      <a:headEnd type="none" w="med" len="med"/>
+                      <a:tailEnd type="none" w="med" len="med"/>
+                    </a:lnL>
+                    <a:lnR w="9525" cap="flat" cmpd="sng" algn="ctr">
+                      <a:solidFill>
+                        <a:srgbClr val="FFFFFF">
+                          <a:lumMod val="65000"/>
+                        </a:srgbClr>
+                      </a:solidFill>
+                      <a:prstDash val="solid"/>
+                      <a:round/>
+                      <a:headEnd type="none" w="med" len="med"/>
+                      <a:tailEnd type="none" w="med" len="med"/>
+                    </a:lnR>
+                    <a:lnT w="9525" cap="flat" cmpd="sng" algn="ctr">
+                      <a:solidFill>
+                        <a:srgbClr val="FFFFFF">
+                          <a:lumMod val="65000"/>
+                        </a:srgbClr>
+                      </a:solidFill>
+                      <a:prstDash val="solid"/>
+                      <a:round/>
+                      <a:headEnd type="none" w="med" len="med"/>
+                      <a:tailEnd type="none" w="med" len="med"/>
+                    </a:lnT>
+                    <a:lnB w="9525" cap="flat" cmpd="sng" algn="ctr">
+                      <a:solidFill>
+                        <a:srgbClr val="FFFFFF">
+                          <a:lumMod val="65000"/>
+                        </a:srgbClr>
+                      </a:solidFill>
+                      <a:prstDash val="solid"/>
+                      <a:round/>
+                      <a:headEnd type="none" w="med" len="med"/>
+                      <a:tailEnd type="none" w="med" len="med"/>
+                    </a:lnB>
+                    <a:lnTlToBr w="12700" cmpd="sng">
+                      <a:noFill/>
+                      <a:prstDash val="solid"/>
+                    </a:lnTlToBr>
+                    <a:lnBlToTr w="12700" cmpd="sng">
+                      <a:noFill/>
+                      <a:prstDash val="solid"/>
+                    </a:lnBlToTr>
+                    <a:solidFill>
+                      <a:srgbClr val="FFFFFF">
+                        <a:lumMod val="95000"/>
+                      </a:srgbClr>
+                    </a:solidFill>
+                  </a:tcPr>
+                </a:tc>
+                <a:extLst>
+                  <a:ext uri="{0D108BD9-81ED-4DB2-BD59-A6C34878D82A}">
+                    <a16:rowId xmlns:a16="http://schemas.microsoft.com/office/drawing/2014/main" val="10004"/>
+                  </a:ext>
+                </a:extLst>
+              </a:tr>
+            </a:tbl>
+          </a:graphicData>
+        </a:graphic>
+      </p:graphicFrame>
+      <p:sp>
+        <p:nvSpPr>
+          <p:cNvPr id="2" name="TextBox 1">
+            <a:extLst>
+              <a:ext uri="{FF2B5EF4-FFF2-40B4-BE49-F238E27FC236}">
+                <a16:creationId xmlns:a16="http://schemas.microsoft.com/office/drawing/2014/main" id="{5D1EF2AA-5C1B-4AF7-AD8B-D3B864FE8C63}"/>
+              </a:ext>
+            </a:extLst>
+          </p:cNvPr>
+          <p:cNvSpPr txBox="1"/>
+          <p:nvPr/>
+        </p:nvSpPr>
+        <p:spPr>
+          <a:xfrm>
+            <a:off x="920552" y="3194260"/>
+            <a:ext cx="836810" cy="338554"/>
+          </a:xfrm>
+          <a:prstGeom prst="rect">
+            <a:avLst/>
+          </a:prstGeom>
+          <a:noFill/>
+        </p:spPr>
+        <p:txBody>
+          <a:bodyPr wrap="square" rtlCol="0">
+            <a:spAutoFit/>
+          </a:bodyPr>
+          <a:lstStyle/>
+          <a:p>
+            <a:r>
+              <a:rPr lang="en-US" altLang="ko-KR" sz="800" dirty="0">
+                <a:solidFill>
+                  <a:srgbClr val="FF0000"/>
+                </a:solidFill>
+              </a:rPr>
+              <a:t>150.23.13.149</a:t>
+            </a:r>
+          </a:p>
+          <a:p>
+            <a:r>
+              <a:rPr lang="en-US" altLang="ko-KR" sz="800" dirty="0">
+                <a:solidFill>
+                  <a:srgbClr val="FF0000"/>
+                </a:solidFill>
+              </a:rPr>
+              <a:t>185.15.16.149</a:t>
+            </a:r>
+            <a:endParaRPr lang="ko-KR" altLang="en-US" sz="800" dirty="0">
+              <a:solidFill>
+                <a:srgbClr val="FF0000"/>
+              </a:solidFill>
+            </a:endParaRPr>
+          </a:p>
+        </p:txBody>
+      </p:sp>
+      <p:sp>
+        <p:nvSpPr>
+          <p:cNvPr id="54" name="TextBox 53">
+            <a:extLst>
+              <a:ext uri="{FF2B5EF4-FFF2-40B4-BE49-F238E27FC236}">
+                <a16:creationId xmlns:a16="http://schemas.microsoft.com/office/drawing/2014/main" id="{3E0DE77D-5887-4D2F-85F4-A59A0E0C37E1}"/>
+              </a:ext>
+            </a:extLst>
+          </p:cNvPr>
+          <p:cNvSpPr txBox="1"/>
+          <p:nvPr/>
+        </p:nvSpPr>
+        <p:spPr>
+          <a:xfrm>
+            <a:off x="3108078" y="3194260"/>
+            <a:ext cx="836810" cy="338554"/>
+          </a:xfrm>
+          <a:prstGeom prst="rect">
+            <a:avLst/>
+          </a:prstGeom>
+          <a:noFill/>
+        </p:spPr>
+        <p:txBody>
+          <a:bodyPr wrap="square" rtlCol="0">
+            <a:spAutoFit/>
+          </a:bodyPr>
+          <a:lstStyle/>
+          <a:p>
+            <a:r>
+              <a:rPr lang="en-US" altLang="ko-KR" sz="800" dirty="0">
+                <a:solidFill>
+                  <a:srgbClr val="FF0000"/>
+                </a:solidFill>
+              </a:rPr>
+              <a:t>150.23.13.156</a:t>
+            </a:r>
+          </a:p>
+          <a:p>
+            <a:r>
+              <a:rPr lang="en-US" altLang="ko-KR" sz="800" dirty="0">
+                <a:solidFill>
+                  <a:srgbClr val="FF0000"/>
+                </a:solidFill>
+              </a:rPr>
+              <a:t>185.15.16.156</a:t>
+            </a:r>
+            <a:endParaRPr lang="ko-KR" altLang="en-US" sz="800" dirty="0">
+              <a:solidFill>
+                <a:srgbClr val="FF0000"/>
+              </a:solidFill>
+            </a:endParaRPr>
+          </a:p>
+        </p:txBody>
+      </p:sp>
+      <p:sp>
+        <p:nvSpPr>
+          <p:cNvPr id="55" name="TextBox 54">
+            <a:extLst>
+              <a:ext uri="{FF2B5EF4-FFF2-40B4-BE49-F238E27FC236}">
+                <a16:creationId xmlns:a16="http://schemas.microsoft.com/office/drawing/2014/main" id="{B52AB55F-37B0-4CB1-AA50-66F3DC7182AB}"/>
+              </a:ext>
+            </a:extLst>
+          </p:cNvPr>
+          <p:cNvSpPr txBox="1"/>
+          <p:nvPr/>
+        </p:nvSpPr>
+        <p:spPr>
+          <a:xfrm>
+            <a:off x="4307113" y="3194260"/>
+            <a:ext cx="836810" cy="338554"/>
+          </a:xfrm>
+          <a:prstGeom prst="rect">
+            <a:avLst/>
+          </a:prstGeom>
+          <a:noFill/>
+        </p:spPr>
+        <p:txBody>
+          <a:bodyPr wrap="square" rtlCol="0">
+            <a:spAutoFit/>
+          </a:bodyPr>
+          <a:lstStyle/>
+          <a:p>
+            <a:r>
+              <a:rPr lang="en-US" altLang="ko-KR" sz="800" dirty="0">
+                <a:solidFill>
+                  <a:srgbClr val="FF0000"/>
+                </a:solidFill>
+              </a:rPr>
+              <a:t>150.23.13.157</a:t>
+            </a:r>
+          </a:p>
+          <a:p>
+            <a:r>
+              <a:rPr lang="en-US" altLang="ko-KR" sz="800" dirty="0">
+                <a:solidFill>
+                  <a:srgbClr val="FF0000"/>
+                </a:solidFill>
+              </a:rPr>
+              <a:t>185.15.16.157</a:t>
+            </a:r>
+            <a:endParaRPr lang="ko-KR" altLang="en-US" sz="800" dirty="0">
+              <a:solidFill>
+                <a:srgbClr val="FF0000"/>
+              </a:solidFill>
+            </a:endParaRPr>
+          </a:p>
+        </p:txBody>
+      </p:sp>
+      <p:sp>
+        <p:nvSpPr>
+          <p:cNvPr id="56" name="TextBox 55">
+            <a:extLst>
+              <a:ext uri="{FF2B5EF4-FFF2-40B4-BE49-F238E27FC236}">
+                <a16:creationId xmlns:a16="http://schemas.microsoft.com/office/drawing/2014/main" id="{D43E29BD-9C56-4A24-87EE-1DF36D91D017}"/>
+              </a:ext>
+            </a:extLst>
+          </p:cNvPr>
+          <p:cNvSpPr txBox="1"/>
+          <p:nvPr/>
+        </p:nvSpPr>
+        <p:spPr>
+          <a:xfrm>
+            <a:off x="5550653" y="3194260"/>
+            <a:ext cx="836810" cy="338554"/>
+          </a:xfrm>
+          <a:prstGeom prst="rect">
+            <a:avLst/>
+          </a:prstGeom>
+          <a:noFill/>
+        </p:spPr>
+        <p:txBody>
+          <a:bodyPr wrap="square" rtlCol="0">
+            <a:spAutoFit/>
+          </a:bodyPr>
+          <a:lstStyle/>
+          <a:p>
+            <a:r>
+              <a:rPr lang="en-US" altLang="ko-KR" sz="800" dirty="0">
+                <a:solidFill>
+                  <a:srgbClr val="FF0000"/>
+                </a:solidFill>
+              </a:rPr>
+              <a:t>150.23.13.158</a:t>
+            </a:r>
+          </a:p>
+          <a:p>
+            <a:r>
+              <a:rPr lang="en-US" altLang="ko-KR" sz="800" dirty="0">
+                <a:solidFill>
+                  <a:srgbClr val="FF0000"/>
+                </a:solidFill>
+              </a:rPr>
+              <a:t>185.15.16.158</a:t>
+            </a:r>
+            <a:endParaRPr lang="ko-KR" altLang="en-US" sz="800" dirty="0">
+              <a:solidFill>
+                <a:srgbClr val="FF0000"/>
+              </a:solidFill>
+            </a:endParaRPr>
+          </a:p>
+        </p:txBody>
+      </p:sp>
+      <p:sp>
+        <p:nvSpPr>
+          <p:cNvPr id="57" name="TextBox 56">
+            <a:extLst>
+              <a:ext uri="{FF2B5EF4-FFF2-40B4-BE49-F238E27FC236}">
+                <a16:creationId xmlns:a16="http://schemas.microsoft.com/office/drawing/2014/main" id="{9326E6F3-F87E-4329-ADDC-E92DC326FC54}"/>
+              </a:ext>
+            </a:extLst>
+          </p:cNvPr>
+          <p:cNvSpPr txBox="1"/>
+          <p:nvPr/>
+        </p:nvSpPr>
+        <p:spPr>
+          <a:xfrm>
+            <a:off x="6749688" y="3194260"/>
+            <a:ext cx="836810" cy="338554"/>
+          </a:xfrm>
+          <a:prstGeom prst="rect">
+            <a:avLst/>
+          </a:prstGeom>
+          <a:noFill/>
+        </p:spPr>
+        <p:txBody>
+          <a:bodyPr wrap="square" rtlCol="0">
+            <a:spAutoFit/>
+          </a:bodyPr>
+          <a:lstStyle/>
+          <a:p>
+            <a:r>
+              <a:rPr lang="en-US" altLang="ko-KR" sz="800" dirty="0">
+                <a:solidFill>
+                  <a:srgbClr val="FF0000"/>
+                </a:solidFill>
+              </a:rPr>
+              <a:t>150.23.13.159</a:t>
+            </a:r>
+          </a:p>
+          <a:p>
+            <a:r>
+              <a:rPr lang="en-US" altLang="ko-KR" sz="800" dirty="0">
+                <a:solidFill>
+                  <a:srgbClr val="FF0000"/>
+                </a:solidFill>
+              </a:rPr>
+              <a:t>185.15.16.159</a:t>
+            </a:r>
+            <a:endParaRPr lang="ko-KR" altLang="en-US" sz="800" dirty="0">
+              <a:solidFill>
+                <a:srgbClr val="FF0000"/>
+              </a:solidFill>
+            </a:endParaRPr>
+          </a:p>
+        </p:txBody>
+      </p:sp>
+      <p:sp>
+        <p:nvSpPr>
+          <p:cNvPr id="58" name="TextBox 57">
+            <a:extLst>
+              <a:ext uri="{FF2B5EF4-FFF2-40B4-BE49-F238E27FC236}">
+                <a16:creationId xmlns:a16="http://schemas.microsoft.com/office/drawing/2014/main" id="{7BD88316-18D5-4634-9360-24C0187C1E22}"/>
+              </a:ext>
+            </a:extLst>
+          </p:cNvPr>
+          <p:cNvSpPr txBox="1"/>
+          <p:nvPr/>
+        </p:nvSpPr>
+        <p:spPr>
+          <a:xfrm>
+            <a:off x="4367457" y="5198767"/>
+            <a:ext cx="836810" cy="338554"/>
+          </a:xfrm>
+          <a:prstGeom prst="rect">
+            <a:avLst/>
+          </a:prstGeom>
+          <a:noFill/>
+        </p:spPr>
+        <p:txBody>
+          <a:bodyPr wrap="square" rtlCol="0">
+            <a:spAutoFit/>
+          </a:bodyPr>
+          <a:lstStyle/>
+          <a:p>
+            <a:r>
+              <a:rPr lang="en-US" altLang="ko-KR" sz="800" dirty="0">
+                <a:solidFill>
+                  <a:srgbClr val="FF0000"/>
+                </a:solidFill>
+              </a:rPr>
+              <a:t>150.23.13.156</a:t>
+            </a:r>
+          </a:p>
+          <a:p>
+            <a:r>
+              <a:rPr lang="en-US" altLang="ko-KR" sz="800" dirty="0">
+                <a:solidFill>
+                  <a:srgbClr val="FF0000"/>
+                </a:solidFill>
+              </a:rPr>
+              <a:t>185.15.16.156</a:t>
+            </a:r>
+            <a:endParaRPr lang="ko-KR" altLang="en-US" sz="800" dirty="0">
+              <a:solidFill>
+                <a:srgbClr val="FF0000"/>
+              </a:solidFill>
+            </a:endParaRPr>
+          </a:p>
+        </p:txBody>
+      </p:sp>
+      <p:sp>
+        <p:nvSpPr>
+          <p:cNvPr id="59" name="TextBox 58">
+            <a:extLst>
+              <a:ext uri="{FF2B5EF4-FFF2-40B4-BE49-F238E27FC236}">
+                <a16:creationId xmlns:a16="http://schemas.microsoft.com/office/drawing/2014/main" id="{5B3A32D6-CCA6-4B53-9CF9-62C6D513C219}"/>
+              </a:ext>
+            </a:extLst>
+          </p:cNvPr>
+          <p:cNvSpPr txBox="1"/>
+          <p:nvPr/>
+        </p:nvSpPr>
+        <p:spPr>
+          <a:xfrm>
+            <a:off x="5566492" y="5198767"/>
+            <a:ext cx="836810" cy="338554"/>
+          </a:xfrm>
+          <a:prstGeom prst="rect">
+            <a:avLst/>
+          </a:prstGeom>
+          <a:noFill/>
+        </p:spPr>
+        <p:txBody>
+          <a:bodyPr wrap="square" rtlCol="0">
+            <a:spAutoFit/>
+          </a:bodyPr>
+          <a:lstStyle/>
+          <a:p>
+            <a:r>
+              <a:rPr lang="en-US" altLang="ko-KR" sz="800" dirty="0">
+                <a:solidFill>
+                  <a:srgbClr val="FF0000"/>
+                </a:solidFill>
+              </a:rPr>
+              <a:t>150.23.13.157</a:t>
+            </a:r>
+          </a:p>
+          <a:p>
+            <a:r>
+              <a:rPr lang="en-US" altLang="ko-KR" sz="800" dirty="0">
+                <a:solidFill>
+                  <a:srgbClr val="FF0000"/>
+                </a:solidFill>
+              </a:rPr>
+              <a:t>185.15.16.157</a:t>
+            </a:r>
+            <a:endParaRPr lang="ko-KR" altLang="en-US" sz="800" dirty="0">
+              <a:solidFill>
+                <a:srgbClr val="FF0000"/>
+              </a:solidFill>
+            </a:endParaRPr>
+          </a:p>
+        </p:txBody>
+      </p:sp>
+      <p:sp>
+        <p:nvSpPr>
+          <p:cNvPr id="60" name="TextBox 59">
+            <a:extLst>
+              <a:ext uri="{FF2B5EF4-FFF2-40B4-BE49-F238E27FC236}">
+                <a16:creationId xmlns:a16="http://schemas.microsoft.com/office/drawing/2014/main" id="{C20E463C-D358-4319-ADF6-2F424AFD7147}"/>
+              </a:ext>
+            </a:extLst>
+          </p:cNvPr>
+          <p:cNvSpPr txBox="1"/>
+          <p:nvPr/>
+        </p:nvSpPr>
+        <p:spPr>
+          <a:xfrm>
+            <a:off x="6810032" y="5198767"/>
+            <a:ext cx="836810" cy="338554"/>
+          </a:xfrm>
+          <a:prstGeom prst="rect">
+            <a:avLst/>
+          </a:prstGeom>
+          <a:noFill/>
+        </p:spPr>
+        <p:txBody>
+          <a:bodyPr wrap="square" rtlCol="0">
+            <a:spAutoFit/>
+          </a:bodyPr>
+          <a:lstStyle/>
+          <a:p>
+            <a:r>
+              <a:rPr lang="en-US" altLang="ko-KR" sz="800" dirty="0">
+                <a:solidFill>
+                  <a:srgbClr val="FF0000"/>
+                </a:solidFill>
+              </a:rPr>
+              <a:t>150.23.13.158</a:t>
+            </a:r>
+          </a:p>
+          <a:p>
+            <a:r>
+              <a:rPr lang="en-US" altLang="ko-KR" sz="800" dirty="0">
+                <a:solidFill>
+                  <a:srgbClr val="FF0000"/>
+                </a:solidFill>
+              </a:rPr>
+              <a:t>185.15.16.158</a:t>
+            </a:r>
+            <a:endParaRPr lang="ko-KR" altLang="en-US" sz="800" dirty="0">
+              <a:solidFill>
+                <a:srgbClr val="FF0000"/>
+              </a:solidFill>
+            </a:endParaRPr>
+          </a:p>
+        </p:txBody>
+      </p:sp>
+      <p:sp>
+        <p:nvSpPr>
+          <p:cNvPr id="61" name="TextBox 60">
+            <a:extLst>
+              <a:ext uri="{FF2B5EF4-FFF2-40B4-BE49-F238E27FC236}">
+                <a16:creationId xmlns:a16="http://schemas.microsoft.com/office/drawing/2014/main" id="{B1218CB1-5A33-447E-A3A2-7EC8CD89268F}"/>
+              </a:ext>
+            </a:extLst>
+          </p:cNvPr>
+          <p:cNvSpPr txBox="1"/>
+          <p:nvPr/>
+        </p:nvSpPr>
+        <p:spPr>
+          <a:xfrm>
+            <a:off x="8009067" y="5198767"/>
+            <a:ext cx="836810" cy="338554"/>
+          </a:xfrm>
+          <a:prstGeom prst="rect">
+            <a:avLst/>
+          </a:prstGeom>
+          <a:noFill/>
+        </p:spPr>
+        <p:txBody>
+          <a:bodyPr wrap="square" rtlCol="0">
+            <a:spAutoFit/>
+          </a:bodyPr>
+          <a:lstStyle/>
+          <a:p>
+            <a:r>
+              <a:rPr lang="en-US" altLang="ko-KR" sz="800" dirty="0">
+                <a:solidFill>
+                  <a:srgbClr val="FF0000"/>
+                </a:solidFill>
+              </a:rPr>
+              <a:t>150.23.13.159</a:t>
+            </a:r>
+          </a:p>
+          <a:p>
+            <a:r>
+              <a:rPr lang="en-US" altLang="ko-KR" sz="800" dirty="0">
+                <a:solidFill>
+                  <a:srgbClr val="FF0000"/>
+                </a:solidFill>
+              </a:rPr>
+              <a:t>185.15.16.159</a:t>
+            </a:r>
+            <a:endParaRPr lang="ko-KR" altLang="en-US" sz="800" dirty="0">
+              <a:solidFill>
+                <a:srgbClr val="FF0000"/>
+              </a:solidFill>
+            </a:endParaRPr>
+          </a:p>
+        </p:txBody>
+      </p:sp>
+      <p:sp>
+        <p:nvSpPr>
+          <p:cNvPr id="62" name="TextBox 61">
+            <a:extLst>
+              <a:ext uri="{FF2B5EF4-FFF2-40B4-BE49-F238E27FC236}">
+                <a16:creationId xmlns:a16="http://schemas.microsoft.com/office/drawing/2014/main" id="{42808B69-24C1-4257-BCD0-582F0D95D982}"/>
+              </a:ext>
+            </a:extLst>
+          </p:cNvPr>
+          <p:cNvSpPr txBox="1"/>
+          <p:nvPr/>
+        </p:nvSpPr>
+        <p:spPr>
+          <a:xfrm>
+            <a:off x="2148964" y="5211156"/>
+            <a:ext cx="836810" cy="338554"/>
+          </a:xfrm>
+          <a:prstGeom prst="rect">
+            <a:avLst/>
+          </a:prstGeom>
+          <a:noFill/>
+        </p:spPr>
+        <p:txBody>
+          <a:bodyPr wrap="square" rtlCol="0">
+            <a:spAutoFit/>
+          </a:bodyPr>
+          <a:lstStyle/>
+          <a:p>
+            <a:r>
+              <a:rPr lang="en-US" altLang="ko-KR" sz="800" dirty="0">
+                <a:solidFill>
+                  <a:srgbClr val="FF0000"/>
+                </a:solidFill>
+              </a:rPr>
+              <a:t>150.23.13.151</a:t>
+            </a:r>
+          </a:p>
+          <a:p>
+            <a:r>
+              <a:rPr lang="en-US" altLang="ko-KR" sz="800" dirty="0">
+                <a:solidFill>
+                  <a:srgbClr val="FF0000"/>
+                </a:solidFill>
+              </a:rPr>
+              <a:t>185.15.16.151</a:t>
+            </a:r>
+            <a:endParaRPr lang="ko-KR" altLang="en-US" sz="800" dirty="0">
+              <a:solidFill>
+                <a:srgbClr val="FF0000"/>
+              </a:solidFill>
+            </a:endParaRPr>
+          </a:p>
+        </p:txBody>
+      </p:sp>
+      <p:sp>
+        <p:nvSpPr>
+          <p:cNvPr id="63" name="TextBox 62">
+            <a:extLst>
+              <a:ext uri="{FF2B5EF4-FFF2-40B4-BE49-F238E27FC236}">
+                <a16:creationId xmlns:a16="http://schemas.microsoft.com/office/drawing/2014/main" id="{0790E0E4-5B96-49E6-905D-F74346AB9242}"/>
+              </a:ext>
+            </a:extLst>
+          </p:cNvPr>
+          <p:cNvSpPr txBox="1"/>
+          <p:nvPr/>
+        </p:nvSpPr>
+        <p:spPr>
+          <a:xfrm>
+            <a:off x="859252" y="6168927"/>
+            <a:ext cx="836810" cy="338554"/>
+          </a:xfrm>
+          <a:prstGeom prst="rect">
+            <a:avLst/>
+          </a:prstGeom>
+          <a:noFill/>
+        </p:spPr>
+        <p:txBody>
+          <a:bodyPr wrap="square" rtlCol="0">
+            <a:spAutoFit/>
+          </a:bodyPr>
+          <a:lstStyle/>
+          <a:p>
+            <a:r>
+              <a:rPr lang="en-US" altLang="ko-KR" sz="800" dirty="0">
+                <a:solidFill>
+                  <a:srgbClr val="FF0000"/>
+                </a:solidFill>
+              </a:rPr>
+              <a:t>150.23.13.150</a:t>
+            </a:r>
+          </a:p>
+          <a:p>
+            <a:r>
+              <a:rPr lang="en-US" altLang="ko-KR" sz="800" dirty="0">
+                <a:solidFill>
+                  <a:srgbClr val="FF0000"/>
+                </a:solidFill>
+              </a:rPr>
+              <a:t>185.15.16.150</a:t>
+            </a:r>
+            <a:endParaRPr lang="ko-KR" altLang="en-US" sz="800" dirty="0">
+              <a:solidFill>
+                <a:srgbClr val="FF0000"/>
+              </a:solidFill>
+            </a:endParaRPr>
+          </a:p>
+        </p:txBody>
+      </p:sp>
     </p:spTree>
     <p:extLst>
       <p:ext uri="{BB962C8B-B14F-4D97-AF65-F5344CB8AC3E}">

--- a/eos/02.설계/TEOSPI-아키텍처 정의서_v0.5_20190828.pptx
+++ b/eos/02.설계/TEOSPI-아키텍처 정의서_v0.5_20190828.pptx
@@ -30021,22 +30021,27 @@
           <a:lstStyle/>
           <a:p>
             <a:r>
-              <a:rPr lang="en-US" altLang="ko-KR" sz="800" dirty="0">
+              <a:rPr lang="en-US" altLang="ko-KR" sz="800">
                 <a:solidFill>
                   <a:srgbClr val="FF0000"/>
                 </a:solidFill>
               </a:rPr>
-              <a:t>150.23.13.149</a:t>
-            </a:r>
+              <a:t>150.23.13.152</a:t>
+            </a:r>
+            <a:endParaRPr lang="en-US" altLang="ko-KR" sz="800" dirty="0">
+              <a:solidFill>
+                <a:srgbClr val="FF0000"/>
+              </a:solidFill>
+            </a:endParaRPr>
           </a:p>
           <a:p>
             <a:r>
-              <a:rPr lang="en-US" altLang="ko-KR" sz="800" dirty="0">
+              <a:rPr lang="en-US" altLang="ko-KR" sz="800">
                 <a:solidFill>
                   <a:srgbClr val="FF0000"/>
                 </a:solidFill>
               </a:rPr>
-              <a:t>185.15.16.149</a:t>
+              <a:t>185.15.16.152</a:t>
             </a:r>
             <a:endParaRPr lang="ko-KR" altLang="en-US" sz="800" dirty="0">
               <a:solidFill>
